--- a/5th sem content/anttena and wave propogation/Lecture 2 ANTENNA PARAMETERS.pptx
+++ b/5th sem content/anttena and wave propogation/Lecture 2 ANTENNA PARAMETERS.pptx
@@ -1,31 +1,31 @@
 
 <file path=ppt/presentation.xml><?xml version="1.0" encoding="utf-8"?>
-<p:presentation xmlns:p="http://schemas.openxmlformats.org/presentationml/2006/main" xmlns:r="http://schemas.openxmlformats.org/officeDocument/2006/relationships" xmlns:a="http://schemas.openxmlformats.org/drawingml/2006/main" saveSubsetFonts="1">
+<p:presentation xmlns:a="http://schemas.openxmlformats.org/drawingml/2006/main" xmlns:r="http://schemas.openxmlformats.org/officeDocument/2006/relationships" xmlns:p="http://schemas.openxmlformats.org/presentationml/2006/main" saveSubsetFonts="1">
   <p:sldMasterIdLst>
     <p:sldMasterId id="2147483660" r:id="rId1"/>
   </p:sldMasterIdLst>
   <p:notesMasterIdLst>
-    <p:notesMasterId r:id="rId2"/>
+    <p:notesMasterId r:id="rId12"/>
   </p:notesMasterIdLst>
   <p:sldIdLst>
-    <p:sldId id="278" r:id="rId3"/>
-    <p:sldId id="279" r:id="rId4"/>
-    <p:sldId id="280" r:id="rId5"/>
-    <p:sldId id="281" r:id="rId6"/>
-    <p:sldId id="282" r:id="rId7"/>
-    <p:sldId id="283" r:id="rId8"/>
-    <p:sldId id="284" r:id="rId9"/>
-    <p:sldId id="285" r:id="rId10"/>
-    <p:sldId id="286" r:id="rId11"/>
-    <p:sldId id="287" r:id="rId12"/>
+    <p:sldId id="278" r:id="rId2"/>
+    <p:sldId id="279" r:id="rId3"/>
+    <p:sldId id="280" r:id="rId4"/>
+    <p:sldId id="281" r:id="rId5"/>
+    <p:sldId id="282" r:id="rId6"/>
+    <p:sldId id="283" r:id="rId7"/>
+    <p:sldId id="284" r:id="rId8"/>
+    <p:sldId id="285" r:id="rId9"/>
+    <p:sldId id="286" r:id="rId10"/>
+    <p:sldId id="287" r:id="rId11"/>
   </p:sldIdLst>
-  <p:sldSz type="screen4x3" cy="6858000" cx="9144000"/>
+  <p:sldSz cx="9144000" cy="6858000" type="screen4x3"/>
   <p:notesSz cx="6858000" cy="9144000"/>
   <p:defaultTextStyle>
     <a:defPPr>
       <a:defRPr lang="en-US"/>
     </a:defPPr>
-    <a:lvl1pPr algn="l" defTabSz="914400" eaLnBrk="1" hangingPunct="1" latinLnBrk="0" marL="0" rtl="0">
+    <a:lvl1pPr marL="0" algn="l" defTabSz="914400" rtl="0" eaLnBrk="1" latinLnBrk="0" hangingPunct="1">
       <a:defRPr sz="1800" kern="1200">
         <a:solidFill>
           <a:schemeClr val="tx1"/>
@@ -35,7 +35,7 @@
         <a:cs typeface="+mn-cs"/>
       </a:defRPr>
     </a:lvl1pPr>
-    <a:lvl2pPr algn="l" defTabSz="914400" eaLnBrk="1" hangingPunct="1" latinLnBrk="0" marL="457200" rtl="0">
+    <a:lvl2pPr marL="457200" algn="l" defTabSz="914400" rtl="0" eaLnBrk="1" latinLnBrk="0" hangingPunct="1">
       <a:defRPr sz="1800" kern="1200">
         <a:solidFill>
           <a:schemeClr val="tx1"/>
@@ -45,7 +45,7 @@
         <a:cs typeface="+mn-cs"/>
       </a:defRPr>
     </a:lvl2pPr>
-    <a:lvl3pPr algn="l" defTabSz="914400" eaLnBrk="1" hangingPunct="1" latinLnBrk="0" marL="914400" rtl="0">
+    <a:lvl3pPr marL="914400" algn="l" defTabSz="914400" rtl="0" eaLnBrk="1" latinLnBrk="0" hangingPunct="1">
       <a:defRPr sz="1800" kern="1200">
         <a:solidFill>
           <a:schemeClr val="tx1"/>
@@ -55,7 +55,7 @@
         <a:cs typeface="+mn-cs"/>
       </a:defRPr>
     </a:lvl3pPr>
-    <a:lvl4pPr algn="l" defTabSz="914400" eaLnBrk="1" hangingPunct="1" latinLnBrk="0" marL="1371600" rtl="0">
+    <a:lvl4pPr marL="1371600" algn="l" defTabSz="914400" rtl="0" eaLnBrk="1" latinLnBrk="0" hangingPunct="1">
       <a:defRPr sz="1800" kern="1200">
         <a:solidFill>
           <a:schemeClr val="tx1"/>
@@ -65,7 +65,7 @@
         <a:cs typeface="+mn-cs"/>
       </a:defRPr>
     </a:lvl4pPr>
-    <a:lvl5pPr algn="l" defTabSz="914400" eaLnBrk="1" hangingPunct="1" latinLnBrk="0" marL="1828800" rtl="0">
+    <a:lvl5pPr marL="1828800" algn="l" defTabSz="914400" rtl="0" eaLnBrk="1" latinLnBrk="0" hangingPunct="1">
       <a:defRPr sz="1800" kern="1200">
         <a:solidFill>
           <a:schemeClr val="tx1"/>
@@ -75,7 +75,7 @@
         <a:cs typeface="+mn-cs"/>
       </a:defRPr>
     </a:lvl5pPr>
-    <a:lvl6pPr algn="l" defTabSz="914400" eaLnBrk="1" hangingPunct="1" latinLnBrk="0" marL="2286000" rtl="0">
+    <a:lvl6pPr marL="2286000" algn="l" defTabSz="914400" rtl="0" eaLnBrk="1" latinLnBrk="0" hangingPunct="1">
       <a:defRPr sz="1800" kern="1200">
         <a:solidFill>
           <a:schemeClr val="tx1"/>
@@ -85,7 +85,7 @@
         <a:cs typeface="+mn-cs"/>
       </a:defRPr>
     </a:lvl6pPr>
-    <a:lvl7pPr algn="l" defTabSz="914400" eaLnBrk="1" hangingPunct="1" latinLnBrk="0" marL="2743200" rtl="0">
+    <a:lvl7pPr marL="2743200" algn="l" defTabSz="914400" rtl="0" eaLnBrk="1" latinLnBrk="0" hangingPunct="1">
       <a:defRPr sz="1800" kern="1200">
         <a:solidFill>
           <a:schemeClr val="tx1"/>
@@ -95,7 +95,7 @@
         <a:cs typeface="+mn-cs"/>
       </a:defRPr>
     </a:lvl7pPr>
-    <a:lvl8pPr algn="l" defTabSz="914400" eaLnBrk="1" hangingPunct="1" latinLnBrk="0" marL="3200400" rtl="0">
+    <a:lvl8pPr marL="3200400" algn="l" defTabSz="914400" rtl="0" eaLnBrk="1" latinLnBrk="0" hangingPunct="1">
       <a:defRPr sz="1800" kern="1200">
         <a:solidFill>
           <a:schemeClr val="tx1"/>
@@ -105,7 +105,7 @@
         <a:cs typeface="+mn-cs"/>
       </a:defRPr>
     </a:lvl8pPr>
-    <a:lvl9pPr algn="l" defTabSz="914400" eaLnBrk="1" hangingPunct="1" latinLnBrk="0" marL="3657600" rtl="0">
+    <a:lvl9pPr marL="3657600" algn="l" defTabSz="914400" rtl="0" eaLnBrk="1" latinLnBrk="0" hangingPunct="1">
       <a:defRPr sz="1800" kern="1200">
         <a:solidFill>
           <a:schemeClr val="tx1"/>
@@ -127,11 +127,12 @@
         <a:solidFill>
           <a:schemeClr val="bg1"/>
         </a:solidFill>
+        <a:effectLst/>
       </p:bgPr>
     </p:bg>
     <p:spTree>
       <p:nvGrpSpPr>
-        <p:cNvPr id="78" name=""/>
+        <p:cNvPr id="1" name=""/>
         <p:cNvGrpSpPr/>
         <p:nvPr/>
       </p:nvGrpSpPr>
@@ -158,7 +159,9 @@
             <a:off x="2" y="1"/>
             <a:ext cx="3076575" cy="512763"/>
           </a:xfrm>
-          <a:prstGeom prst="rect"/>
+          <a:prstGeom prst="rect">
+            <a:avLst/>
+          </a:prstGeom>
           <a:noFill/>
           <a:ln w="9525">
             <a:noFill/>
@@ -169,8 +172,10 @@
           <a:effectLst/>
         </p:spPr>
         <p:txBody>
-          <a:bodyPr anchor="t" anchorCtr="0" bIns="45745" compatLnSpc="1" lIns="91492" numCol="1" rIns="91492" tIns="45745" vert="horz" wrap="square">
-            <a:prstTxWarp prst="textNoShape"/>
+          <a:bodyPr vert="horz" wrap="square" lIns="91492" tIns="45745" rIns="91492" bIns="45745" numCol="1" anchor="t" anchorCtr="0" compatLnSpc="1">
+            <a:prstTxWarp prst="textNoShape">
+              <a:avLst/>
+            </a:prstTxWarp>
           </a:bodyPr>
           <a:lstStyle>
             <a:lvl1pPr algn="l">
@@ -197,7 +202,9 @@
             <a:off x="4021139" y="1"/>
             <a:ext cx="3076575" cy="512763"/>
           </a:xfrm>
-          <a:prstGeom prst="rect"/>
+          <a:prstGeom prst="rect">
+            <a:avLst/>
+          </a:prstGeom>
           <a:noFill/>
           <a:ln w="9525">
             <a:noFill/>
@@ -208,8 +215,10 @@
           <a:effectLst/>
         </p:spPr>
         <p:txBody>
-          <a:bodyPr anchor="t" anchorCtr="0" bIns="45745" compatLnSpc="1" lIns="91492" numCol="1" rIns="91492" tIns="45745" vert="horz" wrap="square">
-            <a:prstTxWarp prst="textNoShape"/>
+          <a:bodyPr vert="horz" wrap="square" lIns="91492" tIns="45745" rIns="91492" bIns="45745" numCol="1" anchor="t" anchorCtr="0" compatLnSpc="1">
+            <a:prstTxWarp prst="textNoShape">
+              <a:avLst/>
+            </a:prstTxWarp>
           </a:bodyPr>
           <a:lstStyle>
             <a:lvl1pPr algn="r">
@@ -225,7 +234,7 @@
         <p:nvSpPr>
           <p:cNvPr id="1049066" name="Rectangle 4"/>
           <p:cNvSpPr>
-            <a:spLocks noChangeAspect="1" noRot="1" noGrp="1" noChangeArrowheads="1" noTextEdit="1"/>
+            <a:spLocks noGrp="1" noRot="1" noChangeAspect="1" noChangeArrowheads="1" noTextEdit="1"/>
           </p:cNvSpPr>
           <p:nvPr>
             <p:ph type="sldImg" idx="2"/>
@@ -236,7 +245,9 @@
             <a:off x="990600" y="766763"/>
             <a:ext cx="5118100" cy="3838575"/>
           </a:xfrm>
-          <a:prstGeom prst="rect"/>
+          <a:prstGeom prst="rect">
+            <a:avLst/>
+          </a:prstGeom>
           <a:noFill/>
           <a:ln w="9525">
             <a:solidFill>
@@ -264,7 +275,9 @@
             <a:off x="709614" y="4862514"/>
             <a:ext cx="5680075" cy="4605337"/>
           </a:xfrm>
-          <a:prstGeom prst="rect"/>
+          <a:prstGeom prst="rect">
+            <a:avLst/>
+          </a:prstGeom>
           <a:noFill/>
           <a:ln w="9525">
             <a:noFill/>
@@ -275,9 +288,12 @@
           <a:effectLst/>
         </p:spPr>
         <p:txBody>
-          <a:bodyPr anchor="t" anchorCtr="0" bIns="45745" compatLnSpc="1" lIns="91492" numCol="1" rIns="91492" tIns="45745" vert="horz" wrap="square">
-            <a:prstTxWarp prst="textNoShape"/>
+          <a:bodyPr vert="horz" wrap="square" lIns="91492" tIns="45745" rIns="91492" bIns="45745" numCol="1" anchor="t" anchorCtr="0" compatLnSpc="1">
+            <a:prstTxWarp prst="textNoShape">
+              <a:avLst/>
+            </a:prstTxWarp>
           </a:bodyPr>
+          <a:lstStyle/>
           <a:p>
             <a:pPr lvl="0"/>
             <a:r>
@@ -330,7 +346,9 @@
             <a:off x="2" y="9720264"/>
             <a:ext cx="3076575" cy="512762"/>
           </a:xfrm>
-          <a:prstGeom prst="rect"/>
+          <a:prstGeom prst="rect">
+            <a:avLst/>
+          </a:prstGeom>
           <a:noFill/>
           <a:ln w="9525">
             <a:noFill/>
@@ -341,8 +359,10 @@
           <a:effectLst/>
         </p:spPr>
         <p:txBody>
-          <a:bodyPr anchor="b" anchorCtr="0" bIns="45745" compatLnSpc="1" lIns="91492" numCol="1" rIns="91492" tIns="45745" vert="horz" wrap="square">
-            <a:prstTxWarp prst="textNoShape"/>
+          <a:bodyPr vert="horz" wrap="square" lIns="91492" tIns="45745" rIns="91492" bIns="45745" numCol="1" anchor="b" anchorCtr="0" compatLnSpc="1">
+            <a:prstTxWarp prst="textNoShape">
+              <a:avLst/>
+            </a:prstTxWarp>
           </a:bodyPr>
           <a:lstStyle>
             <a:lvl1pPr algn="l">
@@ -369,7 +389,9 @@
             <a:off x="4021139" y="9720264"/>
             <a:ext cx="3076575" cy="512762"/>
           </a:xfrm>
-          <a:prstGeom prst="rect"/>
+          <a:prstGeom prst="rect">
+            <a:avLst/>
+          </a:prstGeom>
           <a:noFill/>
           <a:ln w="9525">
             <a:noFill/>
@@ -380,8 +402,10 @@
           <a:effectLst/>
         </p:spPr>
         <p:txBody>
-          <a:bodyPr anchor="b" anchorCtr="0" bIns="45745" compatLnSpc="1" lIns="91492" numCol="1" rIns="91492" tIns="45745" vert="horz" wrap="square">
-            <a:prstTxWarp prst="textNoShape"/>
+          <a:bodyPr vert="horz" wrap="square" lIns="91492" tIns="45745" rIns="91492" bIns="45745" numCol="1" anchor="b" anchorCtr="0" compatLnSpc="1">
+            <a:prstTxWarp prst="textNoShape">
+              <a:avLst/>
+            </a:prstTxWarp>
           </a:bodyPr>
           <a:lstStyle>
             <a:lvl1pPr algn="r">
@@ -391,6 +415,7 @@
           <a:p>
             <a:fld id="{A9A0EA98-5831-4853-B862-C702E6EB345C}" type="slidenum">
               <a:rPr lang="en-US"/>
+              <a:pPr/>
               <a:t>‹#›</a:t>
             </a:fld>
             <a:endParaRPr lang="en-US"/>
@@ -399,9 +424,9 @@
       </p:sp>
     </p:spTree>
   </p:cSld>
-  <p:clrMap accent1="accent1" accent2="accent2" accent3="accent3" accent4="accent4" accent5="accent5" accent6="accent6" bg1="lt1" bg2="lt2" tx1="dk1" tx2="dk2" hlink="hlink" folHlink="folHlink"/>
+  <p:clrMap bg1="lt1" tx1="dk1" bg2="lt2" tx2="dk2" accent1="accent1" accent2="accent2" accent3="accent3" accent4="accent4" accent5="accent5" accent6="accent6" hlink="hlink" folHlink="folHlink"/>
   <p:notesStyle>
-    <a:lvl1pPr algn="l" fontAlgn="base" rtl="0">
+    <a:lvl1pPr algn="l" rtl="0" fontAlgn="base">
       <a:spcBef>
         <a:spcPct val="30000"/>
       </a:spcBef>
@@ -417,7 +442,7 @@
         <a:cs typeface="+mn-cs"/>
       </a:defRPr>
     </a:lvl1pPr>
-    <a:lvl2pPr algn="l" fontAlgn="base" marL="457200" rtl="0">
+    <a:lvl2pPr marL="457200" algn="l" rtl="0" fontAlgn="base">
       <a:spcBef>
         <a:spcPct val="30000"/>
       </a:spcBef>
@@ -433,7 +458,7 @@
         <a:cs typeface="+mn-cs"/>
       </a:defRPr>
     </a:lvl2pPr>
-    <a:lvl3pPr algn="l" fontAlgn="base" marL="914400" rtl="0">
+    <a:lvl3pPr marL="914400" algn="l" rtl="0" fontAlgn="base">
       <a:spcBef>
         <a:spcPct val="30000"/>
       </a:spcBef>
@@ -449,7 +474,7 @@
         <a:cs typeface="+mn-cs"/>
       </a:defRPr>
     </a:lvl3pPr>
-    <a:lvl4pPr algn="l" fontAlgn="base" marL="1371600" rtl="0">
+    <a:lvl4pPr marL="1371600" algn="l" rtl="0" fontAlgn="base">
       <a:spcBef>
         <a:spcPct val="30000"/>
       </a:spcBef>
@@ -465,7 +490,7 @@
         <a:cs typeface="+mn-cs"/>
       </a:defRPr>
     </a:lvl4pPr>
-    <a:lvl5pPr algn="l" fontAlgn="base" marL="1828800" rtl="0">
+    <a:lvl5pPr marL="1828800" algn="l" rtl="0" fontAlgn="base">
       <a:spcBef>
         <a:spcPct val="30000"/>
       </a:spcBef>
@@ -481,7 +506,7 @@
         <a:cs typeface="+mn-cs"/>
       </a:defRPr>
     </a:lvl5pPr>
-    <a:lvl6pPr algn="l" defTabSz="914400" eaLnBrk="1" hangingPunct="1" latinLnBrk="0" marL="2286000" rtl="0">
+    <a:lvl6pPr marL="2286000" algn="l" defTabSz="914400" rtl="0" eaLnBrk="1" latinLnBrk="0" hangingPunct="1">
       <a:defRPr sz="1200" kern="1200">
         <a:solidFill>
           <a:schemeClr val="tx1"/>
@@ -491,7 +516,7 @@
         <a:cs typeface="+mn-cs"/>
       </a:defRPr>
     </a:lvl6pPr>
-    <a:lvl7pPr algn="l" defTabSz="914400" eaLnBrk="1" hangingPunct="1" latinLnBrk="0" marL="2743200" rtl="0">
+    <a:lvl7pPr marL="2743200" algn="l" defTabSz="914400" rtl="0" eaLnBrk="1" latinLnBrk="0" hangingPunct="1">
       <a:defRPr sz="1200" kern="1200">
         <a:solidFill>
           <a:schemeClr val="tx1"/>
@@ -501,7 +526,7 @@
         <a:cs typeface="+mn-cs"/>
       </a:defRPr>
     </a:lvl7pPr>
-    <a:lvl8pPr algn="l" defTabSz="914400" eaLnBrk="1" hangingPunct="1" latinLnBrk="0" marL="3200400" rtl="0">
+    <a:lvl8pPr marL="3200400" algn="l" defTabSz="914400" rtl="0" eaLnBrk="1" latinLnBrk="0" hangingPunct="1">
       <a:defRPr sz="1200" kern="1200">
         <a:solidFill>
           <a:schemeClr val="tx1"/>
@@ -511,7 +536,7 @@
         <a:cs typeface="+mn-cs"/>
       </a:defRPr>
     </a:lvl8pPr>
-    <a:lvl9pPr algn="l" defTabSz="914400" eaLnBrk="1" hangingPunct="1" latinLnBrk="0" marL="3657600" rtl="0">
+    <a:lvl9pPr marL="3657600" algn="l" defTabSz="914400" rtl="0" eaLnBrk="1" latinLnBrk="0" hangingPunct="1">
       <a:defRPr sz="1200" kern="1200">
         <a:solidFill>
           <a:schemeClr val="tx1"/>
@@ -526,11 +551,11 @@
 </file>
 
 <file path=ppt/slideLayouts/slideLayout1.xml><?xml version="1.0" encoding="utf-8"?>
-<p:sldLayout xmlns:a="http://schemas.openxmlformats.org/drawingml/2006/main" xmlns:r="http://schemas.openxmlformats.org/officeDocument/2006/relationships" xmlns:p="http://schemas.openxmlformats.org/presentationml/2006/main" preserve="1" type="title">
+<p:sldLayout xmlns:a="http://schemas.openxmlformats.org/drawingml/2006/main" xmlns:r="http://schemas.openxmlformats.org/officeDocument/2006/relationships" xmlns:p="http://schemas.openxmlformats.org/presentationml/2006/main" type="title" preserve="1">
   <p:cSld name="Title Slide">
     <p:spTree>
       <p:nvGrpSpPr>
-        <p:cNvPr id="44" name=""/>
+        <p:cNvPr id="1" name=""/>
         <p:cNvGrpSpPr/>
         <p:nvPr/>
       </p:nvGrpSpPr>
@@ -560,6 +585,7 @@
         </p:spPr>
         <p:txBody>
           <a:bodyPr/>
+          <a:lstStyle/>
           <a:p>
             <a:r>
               <a:rPr lang="en-US" smtClean="0"/>
@@ -588,7 +614,7 @@
         <p:txBody>
           <a:bodyPr/>
           <a:lstStyle>
-            <a:lvl1pPr algn="ctr" indent="0" marL="0">
+            <a:lvl1pPr marL="0" indent="0" algn="ctr">
               <a:buNone/>
               <a:defRPr>
                 <a:solidFill>
@@ -598,7 +624,7 @@
                 </a:solidFill>
               </a:defRPr>
             </a:lvl1pPr>
-            <a:lvl2pPr algn="ctr" indent="0" marL="457200">
+            <a:lvl2pPr marL="457200" indent="0" algn="ctr">
               <a:buNone/>
               <a:defRPr>
                 <a:solidFill>
@@ -608,7 +634,7 @@
                 </a:solidFill>
               </a:defRPr>
             </a:lvl2pPr>
-            <a:lvl3pPr algn="ctr" indent="0" marL="914400">
+            <a:lvl3pPr marL="914400" indent="0" algn="ctr">
               <a:buNone/>
               <a:defRPr>
                 <a:solidFill>
@@ -618,7 +644,7 @@
                 </a:solidFill>
               </a:defRPr>
             </a:lvl3pPr>
-            <a:lvl4pPr algn="ctr" indent="0" marL="1371600">
+            <a:lvl4pPr marL="1371600" indent="0" algn="ctr">
               <a:buNone/>
               <a:defRPr>
                 <a:solidFill>
@@ -628,7 +654,7 @@
                 </a:solidFill>
               </a:defRPr>
             </a:lvl4pPr>
-            <a:lvl5pPr algn="ctr" indent="0" marL="1828800">
+            <a:lvl5pPr marL="1828800" indent="0" algn="ctr">
               <a:buNone/>
               <a:defRPr>
                 <a:solidFill>
@@ -638,7 +664,7 @@
                 </a:solidFill>
               </a:defRPr>
             </a:lvl5pPr>
-            <a:lvl6pPr algn="ctr" indent="0" marL="2286000">
+            <a:lvl6pPr marL="2286000" indent="0" algn="ctr">
               <a:buNone/>
               <a:defRPr>
                 <a:solidFill>
@@ -648,7 +674,7 @@
                 </a:solidFill>
               </a:defRPr>
             </a:lvl6pPr>
-            <a:lvl7pPr algn="ctr" indent="0" marL="2743200">
+            <a:lvl7pPr marL="2743200" indent="0" algn="ctr">
               <a:buNone/>
               <a:defRPr>
                 <a:solidFill>
@@ -658,7 +684,7 @@
                 </a:solidFill>
               </a:defRPr>
             </a:lvl7pPr>
-            <a:lvl8pPr algn="ctr" indent="0" marL="3200400">
+            <a:lvl8pPr marL="3200400" indent="0" algn="ctr">
               <a:buNone/>
               <a:defRPr>
                 <a:solidFill>
@@ -668,7 +694,7 @@
                 </a:solidFill>
               </a:defRPr>
             </a:lvl8pPr>
-            <a:lvl9pPr algn="ctr" indent="0" marL="3657600">
+            <a:lvl9pPr marL="3657600" indent="0" algn="ctr">
               <a:buNone/>
               <a:defRPr>
                 <a:solidFill>
@@ -701,10 +727,12 @@
         <p:spPr/>
         <p:txBody>
           <a:bodyPr/>
+          <a:lstStyle/>
           <a:p>
             <a:fld id="{380D8991-0A04-43A1-A38D-49D9F0CC29DB}" type="datetimeFigureOut">
               <a:rPr lang="en-US" smtClean="0"/>
-              <a:t>8/5/2020</a:t>
+              <a:pPr/>
+              <a:t>10/31/2020</a:t>
             </a:fld>
             <a:endParaRPr lang="en-IN"/>
           </a:p>
@@ -723,6 +751,7 @@
         <p:spPr/>
         <p:txBody>
           <a:bodyPr/>
+          <a:lstStyle/>
           <a:p>
             <a:endParaRPr lang="en-IN"/>
           </a:p>
@@ -741,9 +770,11 @@
         <p:spPr/>
         <p:txBody>
           <a:bodyPr/>
+          <a:lstStyle/>
           <a:p>
             <a:fld id="{08F4295B-7CE8-4A42-8B65-AF3D3EBA691D}" type="slidenum">
               <a:rPr lang="en-IN" smtClean="0"/>
+              <a:pPr/>
               <a:t>‹#›</a:t>
             </a:fld>
             <a:endParaRPr lang="en-IN"/>
@@ -759,11 +790,11 @@
 </file>
 
 <file path=ppt/slideLayouts/slideLayout10.xml><?xml version="1.0" encoding="utf-8"?>
-<p:sldLayout xmlns:a="http://schemas.openxmlformats.org/drawingml/2006/main" xmlns:r="http://schemas.openxmlformats.org/officeDocument/2006/relationships" xmlns:p="http://schemas.openxmlformats.org/presentationml/2006/main" preserve="1" type="vertTx">
+<p:sldLayout xmlns:a="http://schemas.openxmlformats.org/drawingml/2006/main" xmlns:r="http://schemas.openxmlformats.org/officeDocument/2006/relationships" xmlns:p="http://schemas.openxmlformats.org/presentationml/2006/main" type="vertTx" preserve="1">
   <p:cSld name="Title and Vertical Text">
     <p:spTree>
       <p:nvGrpSpPr>
-        <p:cNvPr id="71" name=""/>
+        <p:cNvPr id="1" name=""/>
         <p:cNvGrpSpPr/>
         <p:nvPr/>
       </p:nvGrpSpPr>
@@ -788,6 +819,7 @@
         <p:spPr/>
         <p:txBody>
           <a:bodyPr/>
+          <a:lstStyle/>
           <a:p>
             <a:r>
               <a:rPr lang="en-US" smtClean="0"/>
@@ -810,6 +842,7 @@
         <p:spPr/>
         <p:txBody>
           <a:bodyPr vert="eaVert"/>
+          <a:lstStyle/>
           <a:p>
             <a:pPr lvl="0"/>
             <a:r>
@@ -861,10 +894,12 @@
         <p:spPr/>
         <p:txBody>
           <a:bodyPr/>
+          <a:lstStyle/>
           <a:p>
             <a:fld id="{380D8991-0A04-43A1-A38D-49D9F0CC29DB}" type="datetimeFigureOut">
               <a:rPr lang="en-US" smtClean="0"/>
-              <a:t>8/5/2020</a:t>
+              <a:pPr/>
+              <a:t>10/31/2020</a:t>
             </a:fld>
             <a:endParaRPr lang="en-IN"/>
           </a:p>
@@ -883,6 +918,7 @@
         <p:spPr/>
         <p:txBody>
           <a:bodyPr/>
+          <a:lstStyle/>
           <a:p>
             <a:endParaRPr lang="en-IN"/>
           </a:p>
@@ -901,9 +937,11 @@
         <p:spPr/>
         <p:txBody>
           <a:bodyPr/>
+          <a:lstStyle/>
           <a:p>
             <a:fld id="{08F4295B-7CE8-4A42-8B65-AF3D3EBA691D}" type="slidenum">
               <a:rPr lang="en-IN" smtClean="0"/>
+              <a:pPr/>
               <a:t>‹#›</a:t>
             </a:fld>
             <a:endParaRPr lang="en-IN"/>
@@ -919,11 +957,11 @@
 </file>
 
 <file path=ppt/slideLayouts/slideLayout11.xml><?xml version="1.0" encoding="utf-8"?>
-<p:sldLayout xmlns:a="http://schemas.openxmlformats.org/drawingml/2006/main" xmlns:r="http://schemas.openxmlformats.org/officeDocument/2006/relationships" xmlns:p="http://schemas.openxmlformats.org/presentationml/2006/main" preserve="1" type="vertTitleAndTx">
+<p:sldLayout xmlns:a="http://schemas.openxmlformats.org/drawingml/2006/main" xmlns:r="http://schemas.openxmlformats.org/officeDocument/2006/relationships" xmlns:p="http://schemas.openxmlformats.org/presentationml/2006/main" type="vertTitleAndTx" preserve="1">
   <p:cSld name="Vertical Title and Text">
     <p:spTree>
       <p:nvGrpSpPr>
-        <p:cNvPr id="69" name=""/>
+        <p:cNvPr id="1" name=""/>
         <p:cNvGrpSpPr/>
         <p:nvPr/>
       </p:nvGrpSpPr>
@@ -953,6 +991,7 @@
         </p:spPr>
         <p:txBody>
           <a:bodyPr vert="eaVert"/>
+          <a:lstStyle/>
           <a:p>
             <a:r>
               <a:rPr lang="en-US" smtClean="0"/>
@@ -980,6 +1019,7 @@
         </p:spPr>
         <p:txBody>
           <a:bodyPr vert="eaVert"/>
+          <a:lstStyle/>
           <a:p>
             <a:pPr lvl="0"/>
             <a:r>
@@ -1031,10 +1071,12 @@
         <p:spPr/>
         <p:txBody>
           <a:bodyPr/>
+          <a:lstStyle/>
           <a:p>
             <a:fld id="{380D8991-0A04-43A1-A38D-49D9F0CC29DB}" type="datetimeFigureOut">
               <a:rPr lang="en-US" smtClean="0"/>
-              <a:t>8/5/2020</a:t>
+              <a:pPr/>
+              <a:t>10/31/2020</a:t>
             </a:fld>
             <a:endParaRPr lang="en-IN"/>
           </a:p>
@@ -1053,6 +1095,7 @@
         <p:spPr/>
         <p:txBody>
           <a:bodyPr/>
+          <a:lstStyle/>
           <a:p>
             <a:endParaRPr lang="en-IN"/>
           </a:p>
@@ -1071,9 +1114,11 @@
         <p:spPr/>
         <p:txBody>
           <a:bodyPr/>
+          <a:lstStyle/>
           <a:p>
             <a:fld id="{08F4295B-7CE8-4A42-8B65-AF3D3EBA691D}" type="slidenum">
               <a:rPr lang="en-IN" smtClean="0"/>
+              <a:pPr/>
               <a:t>‹#›</a:t>
             </a:fld>
             <a:endParaRPr lang="en-IN"/>
@@ -1089,11 +1134,11 @@
 </file>
 
 <file path=ppt/slideLayouts/slideLayout2.xml><?xml version="1.0" encoding="utf-8"?>
-<p:sldLayout xmlns:a="http://schemas.openxmlformats.org/drawingml/2006/main" xmlns:r="http://schemas.openxmlformats.org/officeDocument/2006/relationships" xmlns:p="http://schemas.openxmlformats.org/presentationml/2006/main" preserve="1" type="obj">
+<p:sldLayout xmlns:a="http://schemas.openxmlformats.org/drawingml/2006/main" xmlns:r="http://schemas.openxmlformats.org/officeDocument/2006/relationships" xmlns:p="http://schemas.openxmlformats.org/presentationml/2006/main" type="obj" preserve="1">
   <p:cSld name="Title and Content">
     <p:spTree>
       <p:nvGrpSpPr>
-        <p:cNvPr id="23" name=""/>
+        <p:cNvPr id="1" name=""/>
         <p:cNvGrpSpPr/>
         <p:nvPr/>
       </p:nvGrpSpPr>
@@ -1118,6 +1163,7 @@
         <p:spPr/>
         <p:txBody>
           <a:bodyPr/>
+          <a:lstStyle/>
           <a:p>
             <a:r>
               <a:rPr lang="en-US" smtClean="0"/>
@@ -1140,6 +1186,7 @@
         <p:spPr/>
         <p:txBody>
           <a:bodyPr/>
+          <a:lstStyle/>
           <a:p>
             <a:pPr lvl="0"/>
             <a:r>
@@ -1191,10 +1238,12 @@
         <p:spPr/>
         <p:txBody>
           <a:bodyPr/>
+          <a:lstStyle/>
           <a:p>
             <a:fld id="{380D8991-0A04-43A1-A38D-49D9F0CC29DB}" type="datetimeFigureOut">
               <a:rPr lang="en-US" smtClean="0"/>
-              <a:t>8/5/2020</a:t>
+              <a:pPr/>
+              <a:t>10/31/2020</a:t>
             </a:fld>
             <a:endParaRPr lang="en-IN"/>
           </a:p>
@@ -1213,6 +1262,7 @@
         <p:spPr/>
         <p:txBody>
           <a:bodyPr/>
+          <a:lstStyle/>
           <a:p>
             <a:endParaRPr lang="en-IN"/>
           </a:p>
@@ -1231,9 +1281,11 @@
         <p:spPr/>
         <p:txBody>
           <a:bodyPr/>
+          <a:lstStyle/>
           <a:p>
             <a:fld id="{08F4295B-7CE8-4A42-8B65-AF3D3EBA691D}" type="slidenum">
               <a:rPr lang="en-IN" smtClean="0"/>
+              <a:pPr/>
               <a:t>‹#›</a:t>
             </a:fld>
             <a:endParaRPr lang="en-IN"/>
@@ -1249,11 +1301,11 @@
 </file>
 
 <file path=ppt/slideLayouts/slideLayout3.xml><?xml version="1.0" encoding="utf-8"?>
-<p:sldLayout xmlns:a="http://schemas.openxmlformats.org/drawingml/2006/main" xmlns:r="http://schemas.openxmlformats.org/officeDocument/2006/relationships" xmlns:p="http://schemas.openxmlformats.org/presentationml/2006/main" preserve="1" type="secHead">
+<p:sldLayout xmlns:a="http://schemas.openxmlformats.org/drawingml/2006/main" xmlns:r="http://schemas.openxmlformats.org/officeDocument/2006/relationships" xmlns:p="http://schemas.openxmlformats.org/presentationml/2006/main" type="secHead" preserve="1">
   <p:cSld name="Section Header">
     <p:spTree>
       <p:nvGrpSpPr>
-        <p:cNvPr id="72" name=""/>
+        <p:cNvPr id="1" name=""/>
         <p:cNvGrpSpPr/>
         <p:nvPr/>
       </p:nvGrpSpPr>
@@ -1285,7 +1337,7 @@
           <a:bodyPr anchor="t"/>
           <a:lstStyle>
             <a:lvl1pPr algn="l">
-              <a:defRPr b="1" cap="all" sz="4000"/>
+              <a:defRPr sz="4000" b="1" cap="all"/>
             </a:lvl1pPr>
           </a:lstStyle>
           <a:p>
@@ -1316,7 +1368,7 @@
         <p:txBody>
           <a:bodyPr anchor="b"/>
           <a:lstStyle>
-            <a:lvl1pPr indent="0" marL="0">
+            <a:lvl1pPr marL="0" indent="0">
               <a:buNone/>
               <a:defRPr sz="2000">
                 <a:solidFill>
@@ -1326,7 +1378,7 @@
                 </a:solidFill>
               </a:defRPr>
             </a:lvl1pPr>
-            <a:lvl2pPr indent="0" marL="457200">
+            <a:lvl2pPr marL="457200" indent="0">
               <a:buNone/>
               <a:defRPr sz="1800">
                 <a:solidFill>
@@ -1336,7 +1388,7 @@
                 </a:solidFill>
               </a:defRPr>
             </a:lvl2pPr>
-            <a:lvl3pPr indent="0" marL="914400">
+            <a:lvl3pPr marL="914400" indent="0">
               <a:buNone/>
               <a:defRPr sz="1600">
                 <a:solidFill>
@@ -1346,7 +1398,7 @@
                 </a:solidFill>
               </a:defRPr>
             </a:lvl3pPr>
-            <a:lvl4pPr indent="0" marL="1371600">
+            <a:lvl4pPr marL="1371600" indent="0">
               <a:buNone/>
               <a:defRPr sz="1400">
                 <a:solidFill>
@@ -1356,7 +1408,7 @@
                 </a:solidFill>
               </a:defRPr>
             </a:lvl4pPr>
-            <a:lvl5pPr indent="0" marL="1828800">
+            <a:lvl5pPr marL="1828800" indent="0">
               <a:buNone/>
               <a:defRPr sz="1400">
                 <a:solidFill>
@@ -1366,7 +1418,7 @@
                 </a:solidFill>
               </a:defRPr>
             </a:lvl5pPr>
-            <a:lvl6pPr indent="0" marL="2286000">
+            <a:lvl6pPr marL="2286000" indent="0">
               <a:buNone/>
               <a:defRPr sz="1400">
                 <a:solidFill>
@@ -1376,7 +1428,7 @@
                 </a:solidFill>
               </a:defRPr>
             </a:lvl6pPr>
-            <a:lvl7pPr indent="0" marL="2743200">
+            <a:lvl7pPr marL="2743200" indent="0">
               <a:buNone/>
               <a:defRPr sz="1400">
                 <a:solidFill>
@@ -1386,7 +1438,7 @@
                 </a:solidFill>
               </a:defRPr>
             </a:lvl7pPr>
-            <a:lvl8pPr indent="0" marL="3200400">
+            <a:lvl8pPr marL="3200400" indent="0">
               <a:buNone/>
               <a:defRPr sz="1400">
                 <a:solidFill>
@@ -1396,7 +1448,7 @@
                 </a:solidFill>
               </a:defRPr>
             </a:lvl8pPr>
-            <a:lvl9pPr indent="0" marL="3657600">
+            <a:lvl9pPr marL="3657600" indent="0">
               <a:buNone/>
               <a:defRPr sz="1400">
                 <a:solidFill>
@@ -1429,10 +1481,12 @@
         <p:spPr/>
         <p:txBody>
           <a:bodyPr/>
+          <a:lstStyle/>
           <a:p>
             <a:fld id="{380D8991-0A04-43A1-A38D-49D9F0CC29DB}" type="datetimeFigureOut">
               <a:rPr lang="en-US" smtClean="0"/>
-              <a:t>8/5/2020</a:t>
+              <a:pPr/>
+              <a:t>10/31/2020</a:t>
             </a:fld>
             <a:endParaRPr lang="en-IN"/>
           </a:p>
@@ -1451,6 +1505,7 @@
         <p:spPr/>
         <p:txBody>
           <a:bodyPr/>
+          <a:lstStyle/>
           <a:p>
             <a:endParaRPr lang="en-IN"/>
           </a:p>
@@ -1469,9 +1524,11 @@
         <p:spPr/>
         <p:txBody>
           <a:bodyPr/>
+          <a:lstStyle/>
           <a:p>
             <a:fld id="{08F4295B-7CE8-4A42-8B65-AF3D3EBA691D}" type="slidenum">
               <a:rPr lang="en-IN" smtClean="0"/>
+              <a:pPr/>
               <a:t>‹#›</a:t>
             </a:fld>
             <a:endParaRPr lang="en-IN"/>
@@ -1487,11 +1544,11 @@
 </file>
 
 <file path=ppt/slideLayouts/slideLayout4.xml><?xml version="1.0" encoding="utf-8"?>
-<p:sldLayout xmlns:a="http://schemas.openxmlformats.org/drawingml/2006/main" xmlns:r="http://schemas.openxmlformats.org/officeDocument/2006/relationships" xmlns:p="http://schemas.openxmlformats.org/presentationml/2006/main" preserve="1" type="twoObj">
+<p:sldLayout xmlns:a="http://schemas.openxmlformats.org/drawingml/2006/main" xmlns:r="http://schemas.openxmlformats.org/officeDocument/2006/relationships" xmlns:p="http://schemas.openxmlformats.org/presentationml/2006/main" type="twoObj" preserve="1">
   <p:cSld name="Two Content">
     <p:spTree>
       <p:nvGrpSpPr>
-        <p:cNvPr id="73" name=""/>
+        <p:cNvPr id="1" name=""/>
         <p:cNvGrpSpPr/>
         <p:nvPr/>
       </p:nvGrpSpPr>
@@ -1516,6 +1573,7 @@
         <p:spPr/>
         <p:txBody>
           <a:bodyPr/>
+          <a:lstStyle/>
           <a:p>
             <a:r>
               <a:rPr lang="en-US" smtClean="0"/>
@@ -1708,10 +1766,12 @@
         <p:spPr/>
         <p:txBody>
           <a:bodyPr/>
+          <a:lstStyle/>
           <a:p>
             <a:fld id="{380D8991-0A04-43A1-A38D-49D9F0CC29DB}" type="datetimeFigureOut">
               <a:rPr lang="en-US" smtClean="0"/>
-              <a:t>8/5/2020</a:t>
+              <a:pPr/>
+              <a:t>10/31/2020</a:t>
             </a:fld>
             <a:endParaRPr lang="en-IN"/>
           </a:p>
@@ -1730,6 +1790,7 @@
         <p:spPr/>
         <p:txBody>
           <a:bodyPr/>
+          <a:lstStyle/>
           <a:p>
             <a:endParaRPr lang="en-IN"/>
           </a:p>
@@ -1748,9 +1809,11 @@
         <p:spPr/>
         <p:txBody>
           <a:bodyPr/>
+          <a:lstStyle/>
           <a:p>
             <a:fld id="{08F4295B-7CE8-4A42-8B65-AF3D3EBA691D}" type="slidenum">
               <a:rPr lang="en-IN" smtClean="0"/>
+              <a:pPr/>
               <a:t>‹#›</a:t>
             </a:fld>
             <a:endParaRPr lang="en-IN"/>
@@ -1766,11 +1829,11 @@
 </file>
 
 <file path=ppt/slideLayouts/slideLayout5.xml><?xml version="1.0" encoding="utf-8"?>
-<p:sldLayout xmlns:a="http://schemas.openxmlformats.org/drawingml/2006/main" xmlns:r="http://schemas.openxmlformats.org/officeDocument/2006/relationships" xmlns:p="http://schemas.openxmlformats.org/presentationml/2006/main" preserve="1" type="twoTxTwoObj">
+<p:sldLayout xmlns:a="http://schemas.openxmlformats.org/drawingml/2006/main" xmlns:r="http://schemas.openxmlformats.org/officeDocument/2006/relationships" xmlns:p="http://schemas.openxmlformats.org/presentationml/2006/main" type="twoTxTwoObj" preserve="1">
   <p:cSld name="Comparison">
     <p:spTree>
       <p:nvGrpSpPr>
-        <p:cNvPr id="74" name=""/>
+        <p:cNvPr id="1" name=""/>
         <p:cNvGrpSpPr/>
         <p:nvPr/>
       </p:nvGrpSpPr>
@@ -1795,6 +1858,7 @@
         <p:spPr/>
         <p:txBody>
           <a:bodyPr/>
+          <a:lstStyle/>
           <a:p>
             <a:r>
               <a:rPr lang="en-US" smtClean="0"/>
@@ -1823,41 +1887,41 @@
         <p:txBody>
           <a:bodyPr anchor="b"/>
           <a:lstStyle>
-            <a:lvl1pPr indent="0" marL="0">
+            <a:lvl1pPr marL="0" indent="0">
               <a:buNone/>
-              <a:defRPr b="1" sz="2400"/>
+              <a:defRPr sz="2400" b="1"/>
             </a:lvl1pPr>
-            <a:lvl2pPr indent="0" marL="457200">
+            <a:lvl2pPr marL="457200" indent="0">
               <a:buNone/>
-              <a:defRPr b="1" sz="2000"/>
+              <a:defRPr sz="2000" b="1"/>
             </a:lvl2pPr>
-            <a:lvl3pPr indent="0" marL="914400">
+            <a:lvl3pPr marL="914400" indent="0">
               <a:buNone/>
-              <a:defRPr b="1" sz="1800"/>
+              <a:defRPr sz="1800" b="1"/>
             </a:lvl3pPr>
-            <a:lvl4pPr indent="0" marL="1371600">
+            <a:lvl4pPr marL="1371600" indent="0">
               <a:buNone/>
-              <a:defRPr b="1" sz="1600"/>
+              <a:defRPr sz="1600" b="1"/>
             </a:lvl4pPr>
-            <a:lvl5pPr indent="0" marL="1828800">
+            <a:lvl5pPr marL="1828800" indent="0">
               <a:buNone/>
-              <a:defRPr b="1" sz="1600"/>
+              <a:defRPr sz="1600" b="1"/>
             </a:lvl5pPr>
-            <a:lvl6pPr indent="0" marL="2286000">
+            <a:lvl6pPr marL="2286000" indent="0">
               <a:buNone/>
-              <a:defRPr b="1" sz="1600"/>
+              <a:defRPr sz="1600" b="1"/>
             </a:lvl6pPr>
-            <a:lvl7pPr indent="0" marL="2743200">
+            <a:lvl7pPr marL="2743200" indent="0">
               <a:buNone/>
-              <a:defRPr b="1" sz="1600"/>
+              <a:defRPr sz="1600" b="1"/>
             </a:lvl7pPr>
-            <a:lvl8pPr indent="0" marL="3200400">
+            <a:lvl8pPr marL="3200400" indent="0">
               <a:buNone/>
-              <a:defRPr b="1" sz="1600"/>
+              <a:defRPr sz="1600" b="1"/>
             </a:lvl8pPr>
-            <a:lvl9pPr indent="0" marL="3657600">
+            <a:lvl9pPr marL="3657600" indent="0">
               <a:buNone/>
-              <a:defRPr b="1" sz="1600"/>
+              <a:defRPr sz="1600" b="1"/>
             </a:lvl9pPr>
           </a:lstStyle>
           <a:p>
@@ -1973,41 +2037,41 @@
         <p:txBody>
           <a:bodyPr anchor="b"/>
           <a:lstStyle>
-            <a:lvl1pPr indent="0" marL="0">
+            <a:lvl1pPr marL="0" indent="0">
               <a:buNone/>
-              <a:defRPr b="1" sz="2400"/>
+              <a:defRPr sz="2400" b="1"/>
             </a:lvl1pPr>
-            <a:lvl2pPr indent="0" marL="457200">
+            <a:lvl2pPr marL="457200" indent="0">
               <a:buNone/>
-              <a:defRPr b="1" sz="2000"/>
+              <a:defRPr sz="2000" b="1"/>
             </a:lvl2pPr>
-            <a:lvl3pPr indent="0" marL="914400">
+            <a:lvl3pPr marL="914400" indent="0">
               <a:buNone/>
-              <a:defRPr b="1" sz="1800"/>
+              <a:defRPr sz="1800" b="1"/>
             </a:lvl3pPr>
-            <a:lvl4pPr indent="0" marL="1371600">
+            <a:lvl4pPr marL="1371600" indent="0">
               <a:buNone/>
-              <a:defRPr b="1" sz="1600"/>
+              <a:defRPr sz="1600" b="1"/>
             </a:lvl4pPr>
-            <a:lvl5pPr indent="0" marL="1828800">
+            <a:lvl5pPr marL="1828800" indent="0">
               <a:buNone/>
-              <a:defRPr b="1" sz="1600"/>
+              <a:defRPr sz="1600" b="1"/>
             </a:lvl5pPr>
-            <a:lvl6pPr indent="0" marL="2286000">
+            <a:lvl6pPr marL="2286000" indent="0">
               <a:buNone/>
-              <a:defRPr b="1" sz="1600"/>
+              <a:defRPr sz="1600" b="1"/>
             </a:lvl6pPr>
-            <a:lvl7pPr indent="0" marL="2743200">
+            <a:lvl7pPr marL="2743200" indent="0">
               <a:buNone/>
-              <a:defRPr b="1" sz="1600"/>
+              <a:defRPr sz="1600" b="1"/>
             </a:lvl7pPr>
-            <a:lvl8pPr indent="0" marL="3200400">
+            <a:lvl8pPr marL="3200400" indent="0">
               <a:buNone/>
-              <a:defRPr b="1" sz="1600"/>
+              <a:defRPr sz="1600" b="1"/>
             </a:lvl8pPr>
-            <a:lvl9pPr indent="0" marL="3657600">
+            <a:lvl9pPr marL="3657600" indent="0">
               <a:buNone/>
-              <a:defRPr b="1" sz="1600"/>
+              <a:defRPr sz="1600" b="1"/>
             </a:lvl9pPr>
           </a:lstStyle>
           <a:p>
@@ -2117,10 +2181,12 @@
         <p:spPr/>
         <p:txBody>
           <a:bodyPr/>
+          <a:lstStyle/>
           <a:p>
             <a:fld id="{380D8991-0A04-43A1-A38D-49D9F0CC29DB}" type="datetimeFigureOut">
               <a:rPr lang="en-US" smtClean="0"/>
-              <a:t>8/5/2020</a:t>
+              <a:pPr/>
+              <a:t>10/31/2020</a:t>
             </a:fld>
             <a:endParaRPr lang="en-IN"/>
           </a:p>
@@ -2139,6 +2205,7 @@
         <p:spPr/>
         <p:txBody>
           <a:bodyPr/>
+          <a:lstStyle/>
           <a:p>
             <a:endParaRPr lang="en-IN"/>
           </a:p>
@@ -2157,9 +2224,11 @@
         <p:spPr/>
         <p:txBody>
           <a:bodyPr/>
+          <a:lstStyle/>
           <a:p>
             <a:fld id="{08F4295B-7CE8-4A42-8B65-AF3D3EBA691D}" type="slidenum">
               <a:rPr lang="en-IN" smtClean="0"/>
+              <a:pPr/>
               <a:t>‹#›</a:t>
             </a:fld>
             <a:endParaRPr lang="en-IN"/>
@@ -2175,11 +2244,11 @@
 </file>
 
 <file path=ppt/slideLayouts/slideLayout6.xml><?xml version="1.0" encoding="utf-8"?>
-<p:sldLayout xmlns:a="http://schemas.openxmlformats.org/drawingml/2006/main" xmlns:r="http://schemas.openxmlformats.org/officeDocument/2006/relationships" xmlns:p="http://schemas.openxmlformats.org/presentationml/2006/main" preserve="1" type="titleOnly">
+<p:sldLayout xmlns:a="http://schemas.openxmlformats.org/drawingml/2006/main" xmlns:r="http://schemas.openxmlformats.org/officeDocument/2006/relationships" xmlns:p="http://schemas.openxmlformats.org/presentationml/2006/main" type="titleOnly" preserve="1">
   <p:cSld name="Title Only">
     <p:spTree>
       <p:nvGrpSpPr>
-        <p:cNvPr id="68" name=""/>
+        <p:cNvPr id="1" name=""/>
         <p:cNvGrpSpPr/>
         <p:nvPr/>
       </p:nvGrpSpPr>
@@ -2204,6 +2273,7 @@
         <p:spPr/>
         <p:txBody>
           <a:bodyPr/>
+          <a:lstStyle/>
           <a:p>
             <a:r>
               <a:rPr lang="en-US" smtClean="0"/>
@@ -2226,10 +2296,12 @@
         <p:spPr/>
         <p:txBody>
           <a:bodyPr/>
+          <a:lstStyle/>
           <a:p>
             <a:fld id="{380D8991-0A04-43A1-A38D-49D9F0CC29DB}" type="datetimeFigureOut">
               <a:rPr lang="en-US" smtClean="0"/>
-              <a:t>8/5/2020</a:t>
+              <a:pPr/>
+              <a:t>10/31/2020</a:t>
             </a:fld>
             <a:endParaRPr lang="en-IN"/>
           </a:p>
@@ -2248,6 +2320,7 @@
         <p:spPr/>
         <p:txBody>
           <a:bodyPr/>
+          <a:lstStyle/>
           <a:p>
             <a:endParaRPr lang="en-IN"/>
           </a:p>
@@ -2266,9 +2339,11 @@
         <p:spPr/>
         <p:txBody>
           <a:bodyPr/>
+          <a:lstStyle/>
           <a:p>
             <a:fld id="{08F4295B-7CE8-4A42-8B65-AF3D3EBA691D}" type="slidenum">
               <a:rPr lang="en-IN" smtClean="0"/>
+              <a:pPr/>
               <a:t>‹#›</a:t>
             </a:fld>
             <a:endParaRPr lang="en-IN"/>
@@ -2284,11 +2359,11 @@
 </file>
 
 <file path=ppt/slideLayouts/slideLayout7.xml><?xml version="1.0" encoding="utf-8"?>
-<p:sldLayout xmlns:a="http://schemas.openxmlformats.org/drawingml/2006/main" xmlns:r="http://schemas.openxmlformats.org/officeDocument/2006/relationships" xmlns:p="http://schemas.openxmlformats.org/presentationml/2006/main" preserve="1" type="blank">
+<p:sldLayout xmlns:a="http://schemas.openxmlformats.org/drawingml/2006/main" xmlns:r="http://schemas.openxmlformats.org/officeDocument/2006/relationships" xmlns:p="http://schemas.openxmlformats.org/presentationml/2006/main" type="blank" preserve="1">
   <p:cSld name="Blank">
     <p:spTree>
       <p:nvGrpSpPr>
-        <p:cNvPr id="75" name=""/>
+        <p:cNvPr id="1" name=""/>
         <p:cNvGrpSpPr/>
         <p:nvPr/>
       </p:nvGrpSpPr>
@@ -2313,10 +2388,12 @@
         <p:spPr/>
         <p:txBody>
           <a:bodyPr/>
+          <a:lstStyle/>
           <a:p>
             <a:fld id="{380D8991-0A04-43A1-A38D-49D9F0CC29DB}" type="datetimeFigureOut">
               <a:rPr lang="en-US" smtClean="0"/>
-              <a:t>8/5/2020</a:t>
+              <a:pPr/>
+              <a:t>10/31/2020</a:t>
             </a:fld>
             <a:endParaRPr lang="en-IN"/>
           </a:p>
@@ -2335,6 +2412,7 @@
         <p:spPr/>
         <p:txBody>
           <a:bodyPr/>
+          <a:lstStyle/>
           <a:p>
             <a:endParaRPr lang="en-IN"/>
           </a:p>
@@ -2353,9 +2431,11 @@
         <p:spPr/>
         <p:txBody>
           <a:bodyPr/>
+          <a:lstStyle/>
           <a:p>
             <a:fld id="{08F4295B-7CE8-4A42-8B65-AF3D3EBA691D}" type="slidenum">
               <a:rPr lang="en-IN" smtClean="0"/>
+              <a:pPr/>
               <a:t>‹#›</a:t>
             </a:fld>
             <a:endParaRPr lang="en-IN"/>
@@ -2371,11 +2451,11 @@
 </file>
 
 <file path=ppt/slideLayouts/slideLayout8.xml><?xml version="1.0" encoding="utf-8"?>
-<p:sldLayout xmlns:a="http://schemas.openxmlformats.org/drawingml/2006/main" xmlns:r="http://schemas.openxmlformats.org/officeDocument/2006/relationships" xmlns:p="http://schemas.openxmlformats.org/presentationml/2006/main" preserve="1" type="objTx">
+<p:sldLayout xmlns:a="http://schemas.openxmlformats.org/drawingml/2006/main" xmlns:r="http://schemas.openxmlformats.org/officeDocument/2006/relationships" xmlns:p="http://schemas.openxmlformats.org/presentationml/2006/main" type="objTx" preserve="1">
   <p:cSld name="Content with Caption">
     <p:spTree>
       <p:nvGrpSpPr>
-        <p:cNvPr id="76" name=""/>
+        <p:cNvPr id="1" name=""/>
         <p:cNvGrpSpPr/>
         <p:nvPr/>
       </p:nvGrpSpPr>
@@ -2407,7 +2487,7 @@
           <a:bodyPr anchor="b"/>
           <a:lstStyle>
             <a:lvl1pPr algn="l">
-              <a:defRPr b="1" sz="2000"/>
+              <a:defRPr sz="2000" b="1"/>
             </a:lvl1pPr>
           </a:lstStyle>
           <a:p>
@@ -2523,39 +2603,39 @@
         <p:txBody>
           <a:bodyPr/>
           <a:lstStyle>
-            <a:lvl1pPr indent="0" marL="0">
+            <a:lvl1pPr marL="0" indent="0">
               <a:buNone/>
               <a:defRPr sz="1400"/>
             </a:lvl1pPr>
-            <a:lvl2pPr indent="0" marL="457200">
+            <a:lvl2pPr marL="457200" indent="0">
               <a:buNone/>
               <a:defRPr sz="1200"/>
             </a:lvl2pPr>
-            <a:lvl3pPr indent="0" marL="914400">
+            <a:lvl3pPr marL="914400" indent="0">
               <a:buNone/>
               <a:defRPr sz="1000"/>
             </a:lvl3pPr>
-            <a:lvl4pPr indent="0" marL="1371600">
+            <a:lvl4pPr marL="1371600" indent="0">
               <a:buNone/>
               <a:defRPr sz="900"/>
             </a:lvl4pPr>
-            <a:lvl5pPr indent="0" marL="1828800">
+            <a:lvl5pPr marL="1828800" indent="0">
               <a:buNone/>
               <a:defRPr sz="900"/>
             </a:lvl5pPr>
-            <a:lvl6pPr indent="0" marL="2286000">
+            <a:lvl6pPr marL="2286000" indent="0">
               <a:buNone/>
               <a:defRPr sz="900"/>
             </a:lvl6pPr>
-            <a:lvl7pPr indent="0" marL="2743200">
+            <a:lvl7pPr marL="2743200" indent="0">
               <a:buNone/>
               <a:defRPr sz="900"/>
             </a:lvl7pPr>
-            <a:lvl8pPr indent="0" marL="3200400">
+            <a:lvl8pPr marL="3200400" indent="0">
               <a:buNone/>
               <a:defRPr sz="900"/>
             </a:lvl8pPr>
-            <a:lvl9pPr indent="0" marL="3657600">
+            <a:lvl9pPr marL="3657600" indent="0">
               <a:buNone/>
               <a:defRPr sz="900"/>
             </a:lvl9pPr>
@@ -2582,10 +2662,12 @@
         <p:spPr/>
         <p:txBody>
           <a:bodyPr/>
+          <a:lstStyle/>
           <a:p>
             <a:fld id="{380D8991-0A04-43A1-A38D-49D9F0CC29DB}" type="datetimeFigureOut">
               <a:rPr lang="en-US" smtClean="0"/>
-              <a:t>8/5/2020</a:t>
+              <a:pPr/>
+              <a:t>10/31/2020</a:t>
             </a:fld>
             <a:endParaRPr lang="en-IN"/>
           </a:p>
@@ -2604,6 +2686,7 @@
         <p:spPr/>
         <p:txBody>
           <a:bodyPr/>
+          <a:lstStyle/>
           <a:p>
             <a:endParaRPr lang="en-IN"/>
           </a:p>
@@ -2622,9 +2705,11 @@
         <p:spPr/>
         <p:txBody>
           <a:bodyPr/>
+          <a:lstStyle/>
           <a:p>
             <a:fld id="{08F4295B-7CE8-4A42-8B65-AF3D3EBA691D}" type="slidenum">
               <a:rPr lang="en-IN" smtClean="0"/>
+              <a:pPr/>
               <a:t>‹#›</a:t>
             </a:fld>
             <a:endParaRPr lang="en-IN"/>
@@ -2640,11 +2725,11 @@
 </file>
 
 <file path=ppt/slideLayouts/slideLayout9.xml><?xml version="1.0" encoding="utf-8"?>
-<p:sldLayout xmlns:a="http://schemas.openxmlformats.org/drawingml/2006/main" xmlns:r="http://schemas.openxmlformats.org/officeDocument/2006/relationships" xmlns:p="http://schemas.openxmlformats.org/presentationml/2006/main" preserve="1" type="picTx">
+<p:sldLayout xmlns:a="http://schemas.openxmlformats.org/drawingml/2006/main" xmlns:r="http://schemas.openxmlformats.org/officeDocument/2006/relationships" xmlns:p="http://schemas.openxmlformats.org/presentationml/2006/main" type="picTx" preserve="1">
   <p:cSld name="Picture with Caption">
     <p:spTree>
       <p:nvGrpSpPr>
-        <p:cNvPr id="70" name=""/>
+        <p:cNvPr id="1" name=""/>
         <p:cNvGrpSpPr/>
         <p:nvPr/>
       </p:nvGrpSpPr>
@@ -2676,7 +2761,7 @@
           <a:bodyPr anchor="b"/>
           <a:lstStyle>
             <a:lvl1pPr algn="l">
-              <a:defRPr b="1" sz="2000"/>
+              <a:defRPr sz="2000" b="1"/>
             </a:lvl1pPr>
           </a:lstStyle>
           <a:p>
@@ -2707,39 +2792,39 @@
         <p:txBody>
           <a:bodyPr/>
           <a:lstStyle>
-            <a:lvl1pPr indent="0" marL="0">
+            <a:lvl1pPr marL="0" indent="0">
               <a:buNone/>
               <a:defRPr sz="3200"/>
             </a:lvl1pPr>
-            <a:lvl2pPr indent="0" marL="457200">
+            <a:lvl2pPr marL="457200" indent="0">
               <a:buNone/>
               <a:defRPr sz="2800"/>
             </a:lvl2pPr>
-            <a:lvl3pPr indent="0" marL="914400">
+            <a:lvl3pPr marL="914400" indent="0">
               <a:buNone/>
               <a:defRPr sz="2400"/>
             </a:lvl3pPr>
-            <a:lvl4pPr indent="0" marL="1371600">
+            <a:lvl4pPr marL="1371600" indent="0">
               <a:buNone/>
               <a:defRPr sz="2000"/>
             </a:lvl4pPr>
-            <a:lvl5pPr indent="0" marL="1828800">
+            <a:lvl5pPr marL="1828800" indent="0">
               <a:buNone/>
               <a:defRPr sz="2000"/>
             </a:lvl5pPr>
-            <a:lvl6pPr indent="0" marL="2286000">
+            <a:lvl6pPr marL="2286000" indent="0">
               <a:buNone/>
               <a:defRPr sz="2000"/>
             </a:lvl6pPr>
-            <a:lvl7pPr indent="0" marL="2743200">
+            <a:lvl7pPr marL="2743200" indent="0">
               <a:buNone/>
               <a:defRPr sz="2000"/>
             </a:lvl7pPr>
-            <a:lvl8pPr indent="0" marL="3200400">
+            <a:lvl8pPr marL="3200400" indent="0">
               <a:buNone/>
               <a:defRPr sz="2000"/>
             </a:lvl8pPr>
-            <a:lvl9pPr indent="0" marL="3657600">
+            <a:lvl9pPr marL="3657600" indent="0">
               <a:buNone/>
               <a:defRPr sz="2000"/>
             </a:lvl9pPr>
@@ -2768,39 +2853,39 @@
         <p:txBody>
           <a:bodyPr/>
           <a:lstStyle>
-            <a:lvl1pPr indent="0" marL="0">
+            <a:lvl1pPr marL="0" indent="0">
               <a:buNone/>
               <a:defRPr sz="1400"/>
             </a:lvl1pPr>
-            <a:lvl2pPr indent="0" marL="457200">
+            <a:lvl2pPr marL="457200" indent="0">
               <a:buNone/>
               <a:defRPr sz="1200"/>
             </a:lvl2pPr>
-            <a:lvl3pPr indent="0" marL="914400">
+            <a:lvl3pPr marL="914400" indent="0">
               <a:buNone/>
               <a:defRPr sz="1000"/>
             </a:lvl3pPr>
-            <a:lvl4pPr indent="0" marL="1371600">
+            <a:lvl4pPr marL="1371600" indent="0">
               <a:buNone/>
               <a:defRPr sz="900"/>
             </a:lvl4pPr>
-            <a:lvl5pPr indent="0" marL="1828800">
+            <a:lvl5pPr marL="1828800" indent="0">
               <a:buNone/>
               <a:defRPr sz="900"/>
             </a:lvl5pPr>
-            <a:lvl6pPr indent="0" marL="2286000">
+            <a:lvl6pPr marL="2286000" indent="0">
               <a:buNone/>
               <a:defRPr sz="900"/>
             </a:lvl6pPr>
-            <a:lvl7pPr indent="0" marL="2743200">
+            <a:lvl7pPr marL="2743200" indent="0">
               <a:buNone/>
               <a:defRPr sz="900"/>
             </a:lvl7pPr>
-            <a:lvl8pPr indent="0" marL="3200400">
+            <a:lvl8pPr marL="3200400" indent="0">
               <a:buNone/>
               <a:defRPr sz="900"/>
             </a:lvl8pPr>
-            <a:lvl9pPr indent="0" marL="3657600">
+            <a:lvl9pPr marL="3657600" indent="0">
               <a:buNone/>
               <a:defRPr sz="900"/>
             </a:lvl9pPr>
@@ -2827,10 +2912,12 @@
         <p:spPr/>
         <p:txBody>
           <a:bodyPr/>
+          <a:lstStyle/>
           <a:p>
             <a:fld id="{380D8991-0A04-43A1-A38D-49D9F0CC29DB}" type="datetimeFigureOut">
               <a:rPr lang="en-US" smtClean="0"/>
-              <a:t>8/5/2020</a:t>
+              <a:pPr/>
+              <a:t>10/31/2020</a:t>
             </a:fld>
             <a:endParaRPr lang="en-IN"/>
           </a:p>
@@ -2849,6 +2936,7 @@
         <p:spPr/>
         <p:txBody>
           <a:bodyPr/>
+          <a:lstStyle/>
           <a:p>
             <a:endParaRPr lang="en-IN"/>
           </a:p>
@@ -2867,9 +2955,11 @@
         <p:spPr/>
         <p:txBody>
           <a:bodyPr/>
+          <a:lstStyle/>
           <a:p>
             <a:fld id="{08F4295B-7CE8-4A42-8B65-AF3D3EBA691D}" type="slidenum">
               <a:rPr lang="en-IN" smtClean="0"/>
+              <a:pPr/>
               <a:t>‹#›</a:t>
             </a:fld>
             <a:endParaRPr lang="en-IN"/>
@@ -2894,7 +2984,7 @@
     </p:bg>
     <p:spTree>
       <p:nvGrpSpPr>
-        <p:cNvPr id="11" name=""/>
+        <p:cNvPr id="1" name=""/>
         <p:cNvGrpSpPr/>
         <p:nvPr/>
       </p:nvGrpSpPr>
@@ -2921,12 +3011,15 @@
             <a:off x="457200" y="274638"/>
             <a:ext cx="8229600" cy="1143000"/>
           </a:xfrm>
-          <a:prstGeom prst="rect"/>
+          <a:prstGeom prst="rect">
+            <a:avLst/>
+          </a:prstGeom>
         </p:spPr>
         <p:txBody>
-          <a:bodyPr anchor="ctr" bIns="45720" lIns="91440" rIns="91440" rtlCol="0" tIns="45720" vert="horz">
+          <a:bodyPr vert="horz" lIns="91440" tIns="45720" rIns="91440" bIns="45720" rtlCol="0" anchor="ctr">
             <a:normAutofit/>
           </a:bodyPr>
+          <a:lstStyle/>
           <a:p>
             <a:r>
               <a:rPr lang="en-US" smtClean="0"/>
@@ -2951,12 +3044,15 @@
             <a:off x="457200" y="1600200"/>
             <a:ext cx="8229600" cy="4525963"/>
           </a:xfrm>
-          <a:prstGeom prst="rect"/>
+          <a:prstGeom prst="rect">
+            <a:avLst/>
+          </a:prstGeom>
         </p:spPr>
         <p:txBody>
-          <a:bodyPr bIns="45720" lIns="91440" rIns="91440" rtlCol="0" tIns="45720" vert="horz">
+          <a:bodyPr vert="horz" lIns="91440" tIns="45720" rIns="91440" bIns="45720" rtlCol="0">
             <a:normAutofit/>
           </a:bodyPr>
+          <a:lstStyle/>
           <a:p>
             <a:pPr lvl="0"/>
             <a:r>
@@ -3010,10 +3106,12 @@
             <a:off x="457200" y="6356350"/>
             <a:ext cx="2133600" cy="365125"/>
           </a:xfrm>
-          <a:prstGeom prst="rect"/>
+          <a:prstGeom prst="rect">
+            <a:avLst/>
+          </a:prstGeom>
         </p:spPr>
         <p:txBody>
-          <a:bodyPr anchor="ctr" bIns="45720" lIns="91440" rIns="91440" rtlCol="0" tIns="45720" vert="horz"/>
+          <a:bodyPr vert="horz" lIns="91440" tIns="45720" rIns="91440" bIns="45720" rtlCol="0" anchor="ctr"/>
           <a:lstStyle>
             <a:lvl1pPr algn="l">
               <a:defRPr sz="1200">
@@ -3028,7 +3126,8 @@
           <a:p>
             <a:fld id="{380D8991-0A04-43A1-A38D-49D9F0CC29DB}" type="datetimeFigureOut">
               <a:rPr lang="en-US" smtClean="0"/>
-              <a:t>8/5/2020</a:t>
+              <a:pPr/>
+              <a:t>10/31/2020</a:t>
             </a:fld>
             <a:endParaRPr lang="en-IN"/>
           </a:p>
@@ -3049,10 +3148,12 @@
             <a:off x="3124200" y="6356350"/>
             <a:ext cx="2895600" cy="365125"/>
           </a:xfrm>
-          <a:prstGeom prst="rect"/>
+          <a:prstGeom prst="rect">
+            <a:avLst/>
+          </a:prstGeom>
         </p:spPr>
         <p:txBody>
-          <a:bodyPr anchor="ctr" bIns="45720" lIns="91440" rIns="91440" rtlCol="0" tIns="45720" vert="horz"/>
+          <a:bodyPr vert="horz" lIns="91440" tIns="45720" rIns="91440" bIns="45720" rtlCol="0" anchor="ctr"/>
           <a:lstStyle>
             <a:lvl1pPr algn="ctr">
               <a:defRPr sz="1200">
@@ -3084,10 +3185,12 @@
             <a:off x="6553200" y="6356350"/>
             <a:ext cx="2133600" cy="365125"/>
           </a:xfrm>
-          <a:prstGeom prst="rect"/>
+          <a:prstGeom prst="rect">
+            <a:avLst/>
+          </a:prstGeom>
         </p:spPr>
         <p:txBody>
-          <a:bodyPr anchor="ctr" bIns="45720" lIns="91440" rIns="91440" rtlCol="0" tIns="45720" vert="horz"/>
+          <a:bodyPr vert="horz" lIns="91440" tIns="45720" rIns="91440" bIns="45720" rtlCol="0" anchor="ctr"/>
           <a:lstStyle>
             <a:lvl1pPr algn="r">
               <a:defRPr sz="1200">
@@ -3102,6 +3205,7 @@
           <a:p>
             <a:fld id="{08F4295B-7CE8-4A42-8B65-AF3D3EBA691D}" type="slidenum">
               <a:rPr lang="en-IN" smtClean="0"/>
+              <a:pPr/>
               <a:t>‹#›</a:t>
             </a:fld>
             <a:endParaRPr lang="en-IN"/>
@@ -3110,7 +3214,7 @@
       </p:sp>
     </p:spTree>
   </p:cSld>
-  <p:clrMap accent1="accent1" accent2="accent2" accent3="accent3" accent4="accent4" accent5="accent5" accent6="accent6" bg1="lt1" bg2="lt2" tx1="dk1" tx2="dk2" hlink="hlink" folHlink="folHlink"/>
+  <p:clrMap bg1="lt1" tx1="dk1" bg2="lt2" tx2="dk2" accent1="accent1" accent2="accent2" accent3="accent3" accent4="accent4" accent5="accent5" accent6="accent6" hlink="hlink" folHlink="folHlink"/>
   <p:sldLayoutIdLst>
     <p:sldLayoutId id="2147483661" r:id="rId1"/>
     <p:sldLayoutId id="2147483662" r:id="rId2"/>
@@ -3126,7 +3230,7 @@
   </p:sldLayoutIdLst>
   <p:txStyles>
     <p:titleStyle>
-      <a:lvl1pPr algn="ctr" defTabSz="914400" eaLnBrk="1" hangingPunct="1" latinLnBrk="0" rtl="0">
+      <a:lvl1pPr algn="ctr" defTabSz="914400" rtl="0" eaLnBrk="1" latinLnBrk="0" hangingPunct="1">
         <a:spcBef>
           <a:spcPct val="0"/>
         </a:spcBef>
@@ -3142,7 +3246,7 @@
       </a:lvl1pPr>
     </p:titleStyle>
     <p:bodyStyle>
-      <a:lvl1pPr algn="l" defTabSz="914400" eaLnBrk="1" hangingPunct="1" indent="-342900" latinLnBrk="0" marL="342900" rtl="0">
+      <a:lvl1pPr marL="342900" indent="-342900" algn="l" defTabSz="914400" rtl="0" eaLnBrk="1" latinLnBrk="0" hangingPunct="1">
         <a:spcBef>
           <a:spcPct val="20000"/>
         </a:spcBef>
@@ -3157,7 +3261,7 @@
           <a:cs typeface="+mn-cs"/>
         </a:defRPr>
       </a:lvl1pPr>
-      <a:lvl2pPr algn="l" defTabSz="914400" eaLnBrk="1" hangingPunct="1" indent="-285750" latinLnBrk="0" marL="742950" rtl="0">
+      <a:lvl2pPr marL="742950" indent="-285750" algn="l" defTabSz="914400" rtl="0" eaLnBrk="1" latinLnBrk="0" hangingPunct="1">
         <a:spcBef>
           <a:spcPct val="20000"/>
         </a:spcBef>
@@ -3172,7 +3276,7 @@
           <a:cs typeface="+mn-cs"/>
         </a:defRPr>
       </a:lvl2pPr>
-      <a:lvl3pPr algn="l" defTabSz="914400" eaLnBrk="1" hangingPunct="1" indent="-228600" latinLnBrk="0" marL="1143000" rtl="0">
+      <a:lvl3pPr marL="1143000" indent="-228600" algn="l" defTabSz="914400" rtl="0" eaLnBrk="1" latinLnBrk="0" hangingPunct="1">
         <a:spcBef>
           <a:spcPct val="20000"/>
         </a:spcBef>
@@ -3187,7 +3291,7 @@
           <a:cs typeface="+mn-cs"/>
         </a:defRPr>
       </a:lvl3pPr>
-      <a:lvl4pPr algn="l" defTabSz="914400" eaLnBrk="1" hangingPunct="1" indent="-228600" latinLnBrk="0" marL="1600200" rtl="0">
+      <a:lvl4pPr marL="1600200" indent="-228600" algn="l" defTabSz="914400" rtl="0" eaLnBrk="1" latinLnBrk="0" hangingPunct="1">
         <a:spcBef>
           <a:spcPct val="20000"/>
         </a:spcBef>
@@ -3202,7 +3306,7 @@
           <a:cs typeface="+mn-cs"/>
         </a:defRPr>
       </a:lvl4pPr>
-      <a:lvl5pPr algn="l" defTabSz="914400" eaLnBrk="1" hangingPunct="1" indent="-228600" latinLnBrk="0" marL="2057400" rtl="0">
+      <a:lvl5pPr marL="2057400" indent="-228600" algn="l" defTabSz="914400" rtl="0" eaLnBrk="1" latinLnBrk="0" hangingPunct="1">
         <a:spcBef>
           <a:spcPct val="20000"/>
         </a:spcBef>
@@ -3217,7 +3321,7 @@
           <a:cs typeface="+mn-cs"/>
         </a:defRPr>
       </a:lvl5pPr>
-      <a:lvl6pPr algn="l" defTabSz="914400" eaLnBrk="1" hangingPunct="1" indent="-228600" latinLnBrk="0" marL="2514600" rtl="0">
+      <a:lvl6pPr marL="2514600" indent="-228600" algn="l" defTabSz="914400" rtl="0" eaLnBrk="1" latinLnBrk="0" hangingPunct="1">
         <a:spcBef>
           <a:spcPct val="20000"/>
         </a:spcBef>
@@ -3232,7 +3336,7 @@
           <a:cs typeface="+mn-cs"/>
         </a:defRPr>
       </a:lvl6pPr>
-      <a:lvl7pPr algn="l" defTabSz="914400" eaLnBrk="1" hangingPunct="1" indent="-228600" latinLnBrk="0" marL="2971800" rtl="0">
+      <a:lvl7pPr marL="2971800" indent="-228600" algn="l" defTabSz="914400" rtl="0" eaLnBrk="1" latinLnBrk="0" hangingPunct="1">
         <a:spcBef>
           <a:spcPct val="20000"/>
         </a:spcBef>
@@ -3247,7 +3351,7 @@
           <a:cs typeface="+mn-cs"/>
         </a:defRPr>
       </a:lvl7pPr>
-      <a:lvl8pPr algn="l" defTabSz="914400" eaLnBrk="1" hangingPunct="1" indent="-228600" latinLnBrk="0" marL="3429000" rtl="0">
+      <a:lvl8pPr marL="3429000" indent="-228600" algn="l" defTabSz="914400" rtl="0" eaLnBrk="1" latinLnBrk="0" hangingPunct="1">
         <a:spcBef>
           <a:spcPct val="20000"/>
         </a:spcBef>
@@ -3262,7 +3366,7 @@
           <a:cs typeface="+mn-cs"/>
         </a:defRPr>
       </a:lvl8pPr>
-      <a:lvl9pPr algn="l" defTabSz="914400" eaLnBrk="1" hangingPunct="1" indent="-228600" latinLnBrk="0" marL="3886200" rtl="0">
+      <a:lvl9pPr marL="3886200" indent="-228600" algn="l" defTabSz="914400" rtl="0" eaLnBrk="1" latinLnBrk="0" hangingPunct="1">
         <a:spcBef>
           <a:spcPct val="20000"/>
         </a:spcBef>
@@ -3282,7 +3386,7 @@
       <a:defPPr>
         <a:defRPr lang="en-US"/>
       </a:defPPr>
-      <a:lvl1pPr algn="l" defTabSz="914400" eaLnBrk="1" hangingPunct="1" latinLnBrk="0" marL="0" rtl="0">
+      <a:lvl1pPr marL="0" algn="l" defTabSz="914400" rtl="0" eaLnBrk="1" latinLnBrk="0" hangingPunct="1">
         <a:defRPr sz="1800" kern="1200">
           <a:solidFill>
             <a:schemeClr val="tx1"/>
@@ -3292,7 +3396,7 @@
           <a:cs typeface="+mn-cs"/>
         </a:defRPr>
       </a:lvl1pPr>
-      <a:lvl2pPr algn="l" defTabSz="914400" eaLnBrk="1" hangingPunct="1" latinLnBrk="0" marL="457200" rtl="0">
+      <a:lvl2pPr marL="457200" algn="l" defTabSz="914400" rtl="0" eaLnBrk="1" latinLnBrk="0" hangingPunct="1">
         <a:defRPr sz="1800" kern="1200">
           <a:solidFill>
             <a:schemeClr val="tx1"/>
@@ -3302,7 +3406,7 @@
           <a:cs typeface="+mn-cs"/>
         </a:defRPr>
       </a:lvl2pPr>
-      <a:lvl3pPr algn="l" defTabSz="914400" eaLnBrk="1" hangingPunct="1" latinLnBrk="0" marL="914400" rtl="0">
+      <a:lvl3pPr marL="914400" algn="l" defTabSz="914400" rtl="0" eaLnBrk="1" latinLnBrk="0" hangingPunct="1">
         <a:defRPr sz="1800" kern="1200">
           <a:solidFill>
             <a:schemeClr val="tx1"/>
@@ -3312,7 +3416,7 @@
           <a:cs typeface="+mn-cs"/>
         </a:defRPr>
       </a:lvl3pPr>
-      <a:lvl4pPr algn="l" defTabSz="914400" eaLnBrk="1" hangingPunct="1" latinLnBrk="0" marL="1371600" rtl="0">
+      <a:lvl4pPr marL="1371600" algn="l" defTabSz="914400" rtl="0" eaLnBrk="1" latinLnBrk="0" hangingPunct="1">
         <a:defRPr sz="1800" kern="1200">
           <a:solidFill>
             <a:schemeClr val="tx1"/>
@@ -3322,7 +3426,7 @@
           <a:cs typeface="+mn-cs"/>
         </a:defRPr>
       </a:lvl4pPr>
-      <a:lvl5pPr algn="l" defTabSz="914400" eaLnBrk="1" hangingPunct="1" latinLnBrk="0" marL="1828800" rtl="0">
+      <a:lvl5pPr marL="1828800" algn="l" defTabSz="914400" rtl="0" eaLnBrk="1" latinLnBrk="0" hangingPunct="1">
         <a:defRPr sz="1800" kern="1200">
           <a:solidFill>
             <a:schemeClr val="tx1"/>
@@ -3332,7 +3436,7 @@
           <a:cs typeface="+mn-cs"/>
         </a:defRPr>
       </a:lvl5pPr>
-      <a:lvl6pPr algn="l" defTabSz="914400" eaLnBrk="1" hangingPunct="1" latinLnBrk="0" marL="2286000" rtl="0">
+      <a:lvl6pPr marL="2286000" algn="l" defTabSz="914400" rtl="0" eaLnBrk="1" latinLnBrk="0" hangingPunct="1">
         <a:defRPr sz="1800" kern="1200">
           <a:solidFill>
             <a:schemeClr val="tx1"/>
@@ -3342,7 +3446,7 @@
           <a:cs typeface="+mn-cs"/>
         </a:defRPr>
       </a:lvl6pPr>
-      <a:lvl7pPr algn="l" defTabSz="914400" eaLnBrk="1" hangingPunct="1" latinLnBrk="0" marL="2743200" rtl="0">
+      <a:lvl7pPr marL="2743200" algn="l" defTabSz="914400" rtl="0" eaLnBrk="1" latinLnBrk="0" hangingPunct="1">
         <a:defRPr sz="1800" kern="1200">
           <a:solidFill>
             <a:schemeClr val="tx1"/>
@@ -3352,7 +3456,7 @@
           <a:cs typeface="+mn-cs"/>
         </a:defRPr>
       </a:lvl7pPr>
-      <a:lvl8pPr algn="l" defTabSz="914400" eaLnBrk="1" hangingPunct="1" latinLnBrk="0" marL="3200400" rtl="0">
+      <a:lvl8pPr marL="3200400" algn="l" defTabSz="914400" rtl="0" eaLnBrk="1" latinLnBrk="0" hangingPunct="1">
         <a:defRPr sz="1800" kern="1200">
           <a:solidFill>
             <a:schemeClr val="tx1"/>
@@ -3362,7 +3466,7 @@
           <a:cs typeface="+mn-cs"/>
         </a:defRPr>
       </a:lvl8pPr>
-      <a:lvl9pPr algn="l" defTabSz="914400" eaLnBrk="1" hangingPunct="1" latinLnBrk="0" marL="3657600" rtl="0">
+      <a:lvl9pPr marL="3657600" algn="l" defTabSz="914400" rtl="0" eaLnBrk="1" latinLnBrk="0" hangingPunct="1">
         <a:defRPr sz="1800" kern="1200">
           <a:solidFill>
             <a:schemeClr val="tx1"/>
@@ -3382,7 +3486,7 @@
   <p:cSld>
     <p:spTree>
       <p:nvGrpSpPr>
-        <p:cNvPr id="50" name=""/>
+        <p:cNvPr id="1" name=""/>
         <p:cNvGrpSpPr/>
         <p:nvPr/>
       </p:nvGrpSpPr>
@@ -3407,16 +3511,17 @@
         <p:spPr/>
         <p:txBody>
           <a:bodyPr/>
+          <a:lstStyle/>
           <a:p>
             <a:r>
-              <a:rPr b="1" dirty="0" lang="en-US" smtClean="0">
+              <a:rPr lang="en-US" b="1" dirty="0" smtClean="0">
                 <a:solidFill>
                   <a:srgbClr val="FF0000"/>
                 </a:solidFill>
               </a:rPr>
               <a:t>Lecture 2 - Antenna Parameters</a:t>
             </a:r>
-            <a:endParaRPr b="1" dirty="0" lang="en-IN">
+            <a:endParaRPr lang="en-IN" b="1" dirty="0">
               <a:solidFill>
                 <a:srgbClr val="FF0000"/>
               </a:solidFill>
@@ -3439,15 +3544,16 @@
           <a:bodyPr>
             <a:normAutofit fontScale="90625" lnSpcReduction="20000"/>
           </a:bodyPr>
+          <a:lstStyle/>
           <a:p>
             <a:r>
-              <a:rPr altLang="zh-TW" dirty="0" lang="en-US" err="1" smtClean="0">
+              <a:rPr lang="en-US" altLang="zh-TW" dirty="0" err="1" smtClean="0">
                 <a:latin typeface="Times New Roman" pitchFamily="18" charset="0"/>
               </a:rPr>
               <a:t>Jatinder</a:t>
             </a:r>
             <a:r>
-              <a:rPr altLang="zh-TW" dirty="0" lang="en-US" smtClean="0">
+              <a:rPr lang="en-US" altLang="zh-TW" dirty="0" smtClean="0">
                 <a:latin typeface="Times New Roman" pitchFamily="18" charset="0"/>
               </a:rPr>
               <a:t> Singh</a:t>
@@ -3455,7 +3561,7 @@
           </a:p>
           <a:p>
             <a:r>
-              <a:rPr altLang="zh-TW" dirty="0" lang="en-US" smtClean="0">
+              <a:rPr lang="en-US" altLang="zh-TW" dirty="0" smtClean="0">
                 <a:latin typeface="Times New Roman" pitchFamily="18" charset="0"/>
               </a:rPr>
               <a:t>Assistant Professor</a:t>
@@ -3463,7 +3569,7 @@
           </a:p>
           <a:p>
             <a:r>
-              <a:rPr altLang="zh-TW" dirty="0" lang="en-US" smtClean="0">
+              <a:rPr lang="en-US" altLang="zh-TW" dirty="0" smtClean="0">
                 <a:latin typeface="Times New Roman" pitchFamily="18" charset="0"/>
               </a:rPr>
               <a:t>ECE Department</a:t>
@@ -3471,14 +3577,14 @@
           </a:p>
           <a:p>
             <a:r>
-              <a:rPr altLang="zh-TW" dirty="0" lang="en-US" smtClean="0">
+              <a:rPr lang="en-US" altLang="zh-TW" dirty="0" smtClean="0">
                 <a:latin typeface="Times New Roman" pitchFamily="18" charset="0"/>
               </a:rPr>
               <a:t>UIET, PU Chandigarh</a:t>
             </a:r>
           </a:p>
           <a:p>
-            <a:endParaRPr dirty="0" lang="en-IN"/>
+            <a:endParaRPr lang="en-IN" dirty="0"/>
           </a:p>
         </p:txBody>
       </p:sp>
@@ -3487,7 +3593,6 @@
   <p:clrMapOvr>
     <a:masterClrMapping/>
   </p:clrMapOvr>
-  <p:timing/>
 </p:sld>
 </file>
 
@@ -3496,7 +3601,7 @@
   <p:cSld>
     <p:spTree>
       <p:nvGrpSpPr>
-        <p:cNvPr id="36" name=""/>
+        <p:cNvPr id="1" name=""/>
         <p:cNvGrpSpPr/>
         <p:nvPr/>
       </p:nvGrpSpPr>
@@ -3519,17 +3624,22 @@
             <a:off x="0" y="0"/>
             <a:ext cx="9144000" cy="6858000"/>
           </a:xfrm>
-          <a:prstGeom prst="rect"/>
+          <a:prstGeom prst="rect">
+            <a:avLst/>
+          </a:prstGeom>
           <a:blipFill>
-            <a:blip xmlns:r="http://schemas.openxmlformats.org/officeDocument/2006/relationships" r:embed="rId1" cstate="print"/>
+            <a:blip r:embed="rId2" cstate="print"/>
             <a:stretch>
               <a:fillRect/>
             </a:stretch>
           </a:blipFill>
         </p:spPr>
         <p:txBody>
-          <a:bodyPr bIns="0" lIns="0" rIns="0" rtlCol="0" tIns="0" wrap="square"/>
-          <a:p/>
+          <a:bodyPr wrap="square" lIns="0" tIns="0" rIns="0" bIns="0" rtlCol="0"/>
+          <a:lstStyle/>
+          <a:p>
+            <a:endParaRPr/>
+          </a:p>
         </p:txBody>
       </p:sp>
       <p:grpSp>
@@ -3559,7 +3669,9 @@
             </a:xfrm>
             <a:custGeom>
               <a:avLst/>
+              <a:gdLst/>
               <a:ahLst/>
+              <a:cxnLst/>
               <a:rect l="l" t="t" r="r" b="b"/>
               <a:pathLst>
                 <a:path w="8129270" h="6858000">
@@ -3584,8 +3696,11 @@
             </a:solidFill>
           </p:spPr>
           <p:txBody>
-            <a:bodyPr bIns="0" lIns="0" rIns="0" rtlCol="0" tIns="0" wrap="square"/>
-            <a:p/>
+            <a:bodyPr wrap="square" lIns="0" tIns="0" rIns="0" bIns="0" rtlCol="0"/>
+            <a:lstStyle/>
+            <a:p>
+              <a:endParaRPr/>
+            </a:p>
           </p:txBody>
         </p:sp>
         <p:sp>
@@ -3601,7 +3716,9 @@
             </a:xfrm>
             <a:custGeom>
               <a:avLst/>
+              <a:gdLst/>
               <a:ahLst/>
+              <a:cxnLst/>
               <a:rect l="l" t="t" r="r" b="b"/>
               <a:pathLst>
                 <a:path w="39369" h="6785609">
@@ -3631,8 +3748,11 @@
             </a:solidFill>
           </p:spPr>
           <p:txBody>
-            <a:bodyPr bIns="0" lIns="0" rIns="0" rtlCol="0" tIns="0" wrap="square"/>
-            <a:p/>
+            <a:bodyPr wrap="square" lIns="0" tIns="0" rIns="0" bIns="0" rtlCol="0"/>
+            <a:lstStyle/>
+            <a:p>
+              <a:endParaRPr/>
+            </a:p>
           </p:txBody>
         </p:sp>
         <p:sp>
@@ -3648,7 +3768,9 @@
             </a:xfrm>
             <a:custGeom>
               <a:avLst/>
+              <a:gdLst/>
               <a:ahLst/>
+              <a:cxnLst/>
               <a:rect l="l" t="t" r="r" b="b"/>
               <a:pathLst>
                 <a:path w="189229" h="317500">
@@ -4063,8 +4185,11 @@
             </a:solidFill>
           </p:spPr>
           <p:txBody>
-            <a:bodyPr bIns="0" lIns="0" rIns="0" rtlCol="0" tIns="0" wrap="square"/>
-            <a:p/>
+            <a:bodyPr wrap="square" lIns="0" tIns="0" rIns="0" bIns="0" rtlCol="0"/>
+            <a:lstStyle/>
+            <a:p>
+              <a:endParaRPr/>
+            </a:p>
           </p:txBody>
         </p:sp>
         <p:sp>
@@ -4080,7 +4205,9 @@
             </a:xfrm>
             <a:custGeom>
               <a:avLst/>
+              <a:gdLst/>
               <a:ahLst/>
+              <a:cxnLst/>
               <a:rect l="l" t="t" r="r" b="b"/>
               <a:pathLst>
                 <a:path w="189229" h="317500">
@@ -4626,8 +4753,11 @@
             </a:ln>
           </p:spPr>
           <p:txBody>
-            <a:bodyPr bIns="0" lIns="0" rIns="0" rtlCol="0" tIns="0" wrap="square"/>
-            <a:p/>
+            <a:bodyPr wrap="square" lIns="0" tIns="0" rIns="0" bIns="0" rtlCol="0"/>
+            <a:lstStyle/>
+            <a:p>
+              <a:endParaRPr/>
+            </a:p>
           </p:txBody>
         </p:sp>
         <p:sp>
@@ -4643,7 +4773,9 @@
             </a:xfrm>
             <a:custGeom>
               <a:avLst/>
+              <a:gdLst/>
               <a:ahLst/>
+              <a:cxnLst/>
               <a:rect l="l" t="t" r="r" b="b"/>
               <a:pathLst>
                 <a:path w="140970" h="317500">
@@ -4755,8 +4887,11 @@
             </a:solidFill>
           </p:spPr>
           <p:txBody>
-            <a:bodyPr bIns="0" lIns="0" rIns="0" rtlCol="0" tIns="0" wrap="square"/>
-            <a:p/>
+            <a:bodyPr wrap="square" lIns="0" tIns="0" rIns="0" bIns="0" rtlCol="0"/>
+            <a:lstStyle/>
+            <a:p>
+              <a:endParaRPr/>
+            </a:p>
           </p:txBody>
         </p:sp>
         <p:sp>
@@ -4772,7 +4907,9 @@
             </a:xfrm>
             <a:custGeom>
               <a:avLst/>
+              <a:gdLst/>
               <a:ahLst/>
+              <a:cxnLst/>
               <a:rect l="l" t="t" r="r" b="b"/>
               <a:pathLst>
                 <a:path w="140970" h="317500">
@@ -4826,8 +4963,11 @@
             </a:ln>
           </p:spPr>
           <p:txBody>
-            <a:bodyPr bIns="0" lIns="0" rIns="0" rtlCol="0" tIns="0" wrap="square"/>
-            <a:p/>
+            <a:bodyPr wrap="square" lIns="0" tIns="0" rIns="0" bIns="0" rtlCol="0"/>
+            <a:lstStyle/>
+            <a:p>
+              <a:endParaRPr/>
+            </a:p>
           </p:txBody>
         </p:sp>
         <p:sp>
@@ -4843,7 +4983,9 @@
             </a:xfrm>
             <a:custGeom>
               <a:avLst/>
+              <a:gdLst/>
               <a:ahLst/>
+              <a:cxnLst/>
               <a:rect l="l" t="t" r="r" b="b"/>
               <a:pathLst>
                 <a:path w="204470" h="317500">
@@ -4931,8 +5073,11 @@
             </a:solidFill>
           </p:spPr>
           <p:txBody>
-            <a:bodyPr bIns="0" lIns="0" rIns="0" rtlCol="0" tIns="0" wrap="square"/>
-            <a:p/>
+            <a:bodyPr wrap="square" lIns="0" tIns="0" rIns="0" bIns="0" rtlCol="0"/>
+            <a:lstStyle/>
+            <a:p>
+              <a:endParaRPr/>
+            </a:p>
           </p:txBody>
         </p:sp>
         <p:sp>
@@ -4948,7 +5093,9 @@
             </a:xfrm>
             <a:custGeom>
               <a:avLst/>
+              <a:gdLst/>
               <a:ahLst/>
+              <a:cxnLst/>
               <a:rect l="l" t="t" r="r" b="b"/>
               <a:pathLst>
                 <a:path w="204470" h="317500">
@@ -5011,8 +5158,11 @@
             </a:ln>
           </p:spPr>
           <p:txBody>
-            <a:bodyPr bIns="0" lIns="0" rIns="0" rtlCol="0" tIns="0" wrap="square"/>
-            <a:p/>
+            <a:bodyPr wrap="square" lIns="0" tIns="0" rIns="0" bIns="0" rtlCol="0"/>
+            <a:lstStyle/>
+            <a:p>
+              <a:endParaRPr/>
+            </a:p>
           </p:txBody>
         </p:sp>
         <p:sp>
@@ -5028,7 +5178,9 @@
             </a:xfrm>
             <a:custGeom>
               <a:avLst/>
+              <a:gdLst/>
               <a:ahLst/>
+              <a:cxnLst/>
               <a:rect l="l" t="t" r="r" b="b"/>
               <a:pathLst>
                 <a:path w="251459" h="317500">
@@ -5086,8 +5238,11 @@
             </a:solidFill>
           </p:spPr>
           <p:txBody>
-            <a:bodyPr bIns="0" lIns="0" rIns="0" rtlCol="0" tIns="0" wrap="square"/>
-            <a:p/>
+            <a:bodyPr wrap="square" lIns="0" tIns="0" rIns="0" bIns="0" rtlCol="0"/>
+            <a:lstStyle/>
+            <a:p>
+              <a:endParaRPr/>
+            </a:p>
           </p:txBody>
         </p:sp>
         <p:sp>
@@ -5103,7 +5258,9 @@
             </a:xfrm>
             <a:custGeom>
               <a:avLst/>
+              <a:gdLst/>
               <a:ahLst/>
+              <a:cxnLst/>
               <a:rect l="l" t="t" r="r" b="b"/>
               <a:pathLst>
                 <a:path w="251459" h="317500">
@@ -5163,8 +5320,11 @@
             </a:ln>
           </p:spPr>
           <p:txBody>
-            <a:bodyPr bIns="0" lIns="0" rIns="0" rtlCol="0" tIns="0" wrap="square"/>
-            <a:p/>
+            <a:bodyPr wrap="square" lIns="0" tIns="0" rIns="0" bIns="0" rtlCol="0"/>
+            <a:lstStyle/>
+            <a:p>
+              <a:endParaRPr/>
+            </a:p>
           </p:txBody>
         </p:sp>
         <p:sp>
@@ -5180,7 +5340,9 @@
             </a:xfrm>
             <a:custGeom>
               <a:avLst/>
+              <a:gdLst/>
               <a:ahLst/>
+              <a:cxnLst/>
               <a:rect l="l" t="t" r="r" b="b"/>
               <a:pathLst>
                 <a:path w="322579" h="317500">
@@ -5265,8 +5427,11 @@
             </a:solidFill>
           </p:spPr>
           <p:txBody>
-            <a:bodyPr bIns="0" lIns="0" rIns="0" rtlCol="0" tIns="0" wrap="square"/>
-            <a:p/>
+            <a:bodyPr wrap="square" lIns="0" tIns="0" rIns="0" bIns="0" rtlCol="0"/>
+            <a:lstStyle/>
+            <a:p>
+              <a:endParaRPr/>
+            </a:p>
           </p:txBody>
         </p:sp>
         <p:sp>
@@ -5282,7 +5447,9 @@
             </a:xfrm>
             <a:custGeom>
               <a:avLst/>
+              <a:gdLst/>
               <a:ahLst/>
+              <a:cxnLst/>
               <a:rect l="l" t="t" r="r" b="b"/>
               <a:pathLst>
                 <a:path w="322579" h="317500">
@@ -5372,8 +5539,11 @@
             </a:ln>
           </p:spPr>
           <p:txBody>
-            <a:bodyPr bIns="0" lIns="0" rIns="0" rtlCol="0" tIns="0" wrap="square"/>
-            <a:p/>
+            <a:bodyPr wrap="square" lIns="0" tIns="0" rIns="0" bIns="0" rtlCol="0"/>
+            <a:lstStyle/>
+            <a:p>
+              <a:endParaRPr/>
+            </a:p>
           </p:txBody>
         </p:sp>
         <p:sp>
@@ -5389,7 +5559,9 @@
             </a:xfrm>
             <a:custGeom>
               <a:avLst/>
+              <a:gdLst/>
               <a:ahLst/>
+              <a:cxnLst/>
               <a:rect l="l" t="t" r="r" b="b"/>
               <a:pathLst>
                 <a:path w="81279" h="317500">
@@ -5423,8 +5595,11 @@
             </a:solidFill>
           </p:spPr>
           <p:txBody>
-            <a:bodyPr bIns="0" lIns="0" rIns="0" rtlCol="0" tIns="0" wrap="square"/>
-            <a:p/>
+            <a:bodyPr wrap="square" lIns="0" tIns="0" rIns="0" bIns="0" rtlCol="0"/>
+            <a:lstStyle/>
+            <a:p>
+              <a:endParaRPr/>
+            </a:p>
           </p:txBody>
         </p:sp>
         <p:sp>
@@ -5438,17 +5613,22 @@
               <a:off x="4704715" y="1796415"/>
               <a:ext cx="1776728" cy="353058"/>
             </a:xfrm>
-            <a:prstGeom prst="rect"/>
+            <a:prstGeom prst="rect">
+              <a:avLst/>
+            </a:prstGeom>
             <a:blipFill>
-              <a:blip xmlns:r="http://schemas.openxmlformats.org/officeDocument/2006/relationships" r:embed="rId2" cstate="print"/>
+              <a:blip r:embed="rId3" cstate="print"/>
               <a:stretch>
                 <a:fillRect/>
               </a:stretch>
             </a:blipFill>
           </p:spPr>
           <p:txBody>
-            <a:bodyPr bIns="0" lIns="0" rIns="0" rtlCol="0" tIns="0" wrap="square"/>
-            <a:p/>
+            <a:bodyPr wrap="square" lIns="0" tIns="0" rIns="0" bIns="0" rtlCol="0"/>
+            <a:lstStyle/>
+            <a:p>
+              <a:endParaRPr/>
+            </a:p>
           </p:txBody>
         </p:sp>
         <p:sp>
@@ -5464,7 +5644,9 @@
             </a:xfrm>
             <a:custGeom>
               <a:avLst/>
+              <a:gdLst/>
               <a:ahLst/>
+              <a:cxnLst/>
               <a:rect l="l" t="t" r="r" b="b"/>
               <a:pathLst>
                 <a:path w="81279" h="317500">
@@ -5494,8 +5676,11 @@
             </a:ln>
           </p:spPr>
           <p:txBody>
-            <a:bodyPr bIns="0" lIns="0" rIns="0" rtlCol="0" tIns="0" wrap="square"/>
-            <a:p/>
+            <a:bodyPr wrap="square" lIns="0" tIns="0" rIns="0" bIns="0" rtlCol="0"/>
+            <a:lstStyle/>
+            <a:p>
+              <a:endParaRPr/>
+            </a:p>
           </p:txBody>
         </p:sp>
         <p:sp>
@@ -5511,7 +5696,9 @@
             </a:xfrm>
             <a:custGeom>
               <a:avLst/>
+              <a:gdLst/>
               <a:ahLst/>
+              <a:cxnLst/>
               <a:rect l="l" t="t" r="r" b="b"/>
               <a:pathLst>
                 <a:path w="187959" h="317500">
@@ -5761,8 +5948,11 @@
             </a:solidFill>
           </p:spPr>
           <p:txBody>
-            <a:bodyPr bIns="0" lIns="0" rIns="0" rtlCol="0" tIns="0" wrap="square"/>
-            <a:p/>
+            <a:bodyPr wrap="square" lIns="0" tIns="0" rIns="0" bIns="0" rtlCol="0"/>
+            <a:lstStyle/>
+            <a:p>
+              <a:endParaRPr/>
+            </a:p>
           </p:txBody>
         </p:sp>
         <p:sp>
@@ -5778,7 +5968,9 @@
             </a:xfrm>
             <a:custGeom>
               <a:avLst/>
+              <a:gdLst/>
               <a:ahLst/>
+              <a:cxnLst/>
               <a:rect l="l" t="t" r="r" b="b"/>
               <a:pathLst>
                 <a:path w="187959" h="317500">
@@ -6099,8 +6291,11 @@
             </a:ln>
           </p:spPr>
           <p:txBody>
-            <a:bodyPr bIns="0" lIns="0" rIns="0" rtlCol="0" tIns="0" wrap="square"/>
-            <a:p/>
+            <a:bodyPr wrap="square" lIns="0" tIns="0" rIns="0" bIns="0" rtlCol="0"/>
+            <a:lstStyle/>
+            <a:p>
+              <a:endParaRPr/>
+            </a:p>
           </p:txBody>
         </p:sp>
         <p:sp>
@@ -6116,7 +6311,9 @@
             </a:xfrm>
             <a:custGeom>
               <a:avLst/>
+              <a:gdLst/>
               <a:ahLst/>
+              <a:cxnLst/>
               <a:rect l="l" t="t" r="r" b="b"/>
               <a:pathLst>
                 <a:path w="177800" h="317500">
@@ -6171,8 +6368,11 @@
             </a:solidFill>
           </p:spPr>
           <p:txBody>
-            <a:bodyPr bIns="0" lIns="0" rIns="0" rtlCol="0" tIns="0" wrap="square"/>
-            <a:p/>
+            <a:bodyPr wrap="square" lIns="0" tIns="0" rIns="0" bIns="0" rtlCol="0"/>
+            <a:lstStyle/>
+            <a:p>
+              <a:endParaRPr/>
+            </a:p>
           </p:txBody>
         </p:sp>
         <p:sp>
@@ -6188,7 +6388,9 @@
             </a:xfrm>
             <a:custGeom>
               <a:avLst/>
+              <a:gdLst/>
               <a:ahLst/>
+              <a:cxnLst/>
               <a:rect l="l" t="t" r="r" b="b"/>
               <a:pathLst>
                 <a:path w="177800" h="317500">
@@ -6230,8 +6432,11 @@
             </a:ln>
           </p:spPr>
           <p:txBody>
-            <a:bodyPr bIns="0" lIns="0" rIns="0" rtlCol="0" tIns="0" wrap="square"/>
-            <a:p/>
+            <a:bodyPr wrap="square" lIns="0" tIns="0" rIns="0" bIns="0" rtlCol="0"/>
+            <a:lstStyle/>
+            <a:p>
+              <a:endParaRPr/>
+            </a:p>
           </p:txBody>
         </p:sp>
         <p:sp>
@@ -6247,7 +6452,9 @@
             </a:xfrm>
             <a:custGeom>
               <a:avLst/>
+              <a:gdLst/>
               <a:ahLst/>
+              <a:cxnLst/>
               <a:rect l="l" t="t" r="r" b="b"/>
               <a:pathLst>
                 <a:path w="185420" h="317500">
@@ -6359,8 +6566,11 @@
             </a:solidFill>
           </p:spPr>
           <p:txBody>
-            <a:bodyPr bIns="0" lIns="0" rIns="0" rtlCol="0" tIns="0" wrap="square"/>
-            <a:p/>
+            <a:bodyPr wrap="square" lIns="0" tIns="0" rIns="0" bIns="0" rtlCol="0"/>
+            <a:lstStyle/>
+            <a:p>
+              <a:endParaRPr/>
+            </a:p>
           </p:txBody>
         </p:sp>
         <p:sp>
@@ -6376,7 +6586,9 @@
             </a:xfrm>
             <a:custGeom>
               <a:avLst/>
+              <a:gdLst/>
               <a:ahLst/>
+              <a:cxnLst/>
               <a:rect l="l" t="t" r="r" b="b"/>
               <a:pathLst>
                 <a:path w="185420" h="317500">
@@ -6430,8 +6642,11 @@
             </a:ln>
           </p:spPr>
           <p:txBody>
-            <a:bodyPr bIns="0" lIns="0" rIns="0" rtlCol="0" tIns="0" wrap="square"/>
-            <a:p/>
+            <a:bodyPr wrap="square" lIns="0" tIns="0" rIns="0" bIns="0" rtlCol="0"/>
+            <a:lstStyle/>
+            <a:p>
+              <a:endParaRPr/>
+            </a:p>
           </p:txBody>
         </p:sp>
         <p:sp>
@@ -6447,7 +6662,9 @@
             </a:xfrm>
             <a:custGeom>
               <a:avLst/>
+              <a:gdLst/>
               <a:ahLst/>
+              <a:cxnLst/>
               <a:rect l="l" t="t" r="r" b="b"/>
               <a:pathLst>
                 <a:path w="187959" h="317500">
@@ -6892,8 +7109,11 @@
             </a:solidFill>
           </p:spPr>
           <p:txBody>
-            <a:bodyPr bIns="0" lIns="0" rIns="0" rtlCol="0" tIns="0" wrap="square"/>
-            <a:p/>
+            <a:bodyPr wrap="square" lIns="0" tIns="0" rIns="0" bIns="0" rtlCol="0"/>
+            <a:lstStyle/>
+            <a:p>
+              <a:endParaRPr/>
+            </a:p>
           </p:txBody>
         </p:sp>
         <p:sp>
@@ -6909,7 +7129,9 @@
             </a:xfrm>
             <a:custGeom>
               <a:avLst/>
+              <a:gdLst/>
               <a:ahLst/>
+              <a:cxnLst/>
               <a:rect l="l" t="t" r="r" b="b"/>
               <a:pathLst>
                 <a:path w="187959" h="317500">
@@ -7485,8 +7707,11 @@
             </a:ln>
           </p:spPr>
           <p:txBody>
-            <a:bodyPr bIns="0" lIns="0" rIns="0" rtlCol="0" tIns="0" wrap="square"/>
-            <a:p/>
+            <a:bodyPr wrap="square" lIns="0" tIns="0" rIns="0" bIns="0" rtlCol="0"/>
+            <a:lstStyle/>
+            <a:p>
+              <a:endParaRPr/>
+            </a:p>
           </p:txBody>
         </p:sp>
         <p:sp>
@@ -7502,7 +7727,9 @@
             </a:xfrm>
             <a:custGeom>
               <a:avLst/>
+              <a:gdLst/>
               <a:ahLst/>
+              <a:cxnLst/>
               <a:rect l="l" t="t" r="r" b="b"/>
               <a:pathLst>
                 <a:path w="140970" h="317500">
@@ -7566,8 +7793,11 @@
             </a:solidFill>
           </p:spPr>
           <p:txBody>
-            <a:bodyPr bIns="0" lIns="0" rIns="0" rtlCol="0" tIns="0" wrap="square"/>
-            <a:p/>
+            <a:bodyPr wrap="square" lIns="0" tIns="0" rIns="0" bIns="0" rtlCol="0"/>
+            <a:lstStyle/>
+            <a:p>
+              <a:endParaRPr/>
+            </a:p>
           </p:txBody>
         </p:sp>
         <p:sp>
@@ -7583,7 +7813,9 @@
             </a:xfrm>
             <a:custGeom>
               <a:avLst/>
+              <a:gdLst/>
               <a:ahLst/>
+              <a:cxnLst/>
               <a:rect l="l" t="t" r="r" b="b"/>
               <a:pathLst>
                 <a:path w="140970" h="317500">
@@ -7637,8 +7869,11 @@
             </a:ln>
           </p:spPr>
           <p:txBody>
-            <a:bodyPr bIns="0" lIns="0" rIns="0" rtlCol="0" tIns="0" wrap="square"/>
-            <a:p/>
+            <a:bodyPr wrap="square" lIns="0" tIns="0" rIns="0" bIns="0" rtlCol="0"/>
+            <a:lstStyle/>
+            <a:p>
+              <a:endParaRPr/>
+            </a:p>
           </p:txBody>
         </p:sp>
         <p:sp>
@@ -7654,7 +7889,9 @@
             </a:xfrm>
             <a:custGeom>
               <a:avLst/>
+              <a:gdLst/>
               <a:ahLst/>
+              <a:cxnLst/>
               <a:rect l="l" t="t" r="r" b="b"/>
               <a:pathLst>
                 <a:path w="204470" h="317500">
@@ -7742,8 +7979,11 @@
             </a:solidFill>
           </p:spPr>
           <p:txBody>
-            <a:bodyPr bIns="0" lIns="0" rIns="0" rtlCol="0" tIns="0" wrap="square"/>
-            <a:p/>
+            <a:bodyPr wrap="square" lIns="0" tIns="0" rIns="0" bIns="0" rtlCol="0"/>
+            <a:lstStyle/>
+            <a:p>
+              <a:endParaRPr/>
+            </a:p>
           </p:txBody>
         </p:sp>
         <p:sp>
@@ -7759,7 +7999,9 @@
             </a:xfrm>
             <a:custGeom>
               <a:avLst/>
+              <a:gdLst/>
               <a:ahLst/>
+              <a:cxnLst/>
               <a:rect l="l" t="t" r="r" b="b"/>
               <a:pathLst>
                 <a:path w="204470" h="317500">
@@ -7822,8 +8064,11 @@
             </a:ln>
           </p:spPr>
           <p:txBody>
-            <a:bodyPr bIns="0" lIns="0" rIns="0" rtlCol="0" tIns="0" wrap="square"/>
-            <a:p/>
+            <a:bodyPr wrap="square" lIns="0" tIns="0" rIns="0" bIns="0" rtlCol="0"/>
+            <a:lstStyle/>
+            <a:p>
+              <a:endParaRPr/>
+            </a:p>
           </p:txBody>
         </p:sp>
         <p:sp>
@@ -7839,7 +8084,9 @@
             </a:xfrm>
             <a:custGeom>
               <a:avLst/>
+              <a:gdLst/>
               <a:ahLst/>
+              <a:cxnLst/>
               <a:rect l="l" t="t" r="r" b="b"/>
               <a:pathLst>
                 <a:path w="251459" h="317500">
@@ -7897,8 +8144,11 @@
             </a:solidFill>
           </p:spPr>
           <p:txBody>
-            <a:bodyPr bIns="0" lIns="0" rIns="0" rtlCol="0" tIns="0" wrap="square"/>
-            <a:p/>
+            <a:bodyPr wrap="square" lIns="0" tIns="0" rIns="0" bIns="0" rtlCol="0"/>
+            <a:lstStyle/>
+            <a:p>
+              <a:endParaRPr/>
+            </a:p>
           </p:txBody>
         </p:sp>
         <p:sp>
@@ -7914,7 +8164,9 @@
             </a:xfrm>
             <a:custGeom>
               <a:avLst/>
+              <a:gdLst/>
               <a:ahLst/>
+              <a:cxnLst/>
               <a:rect l="l" t="t" r="r" b="b"/>
               <a:pathLst>
                 <a:path w="251459" h="317500">
@@ -7974,8 +8226,11 @@
             </a:ln>
           </p:spPr>
           <p:txBody>
-            <a:bodyPr bIns="0" lIns="0" rIns="0" rtlCol="0" tIns="0" wrap="square"/>
-            <a:p/>
+            <a:bodyPr wrap="square" lIns="0" tIns="0" rIns="0" bIns="0" rtlCol="0"/>
+            <a:lstStyle/>
+            <a:p>
+              <a:endParaRPr/>
+            </a:p>
           </p:txBody>
         </p:sp>
         <p:sp>
@@ -7991,7 +8246,9 @@
             </a:xfrm>
             <a:custGeom>
               <a:avLst/>
+              <a:gdLst/>
               <a:ahLst/>
+              <a:cxnLst/>
               <a:rect l="l" t="t" r="r" b="b"/>
               <a:pathLst>
                 <a:path w="322579" h="317500">
@@ -8076,8 +8333,11 @@
             </a:solidFill>
           </p:spPr>
           <p:txBody>
-            <a:bodyPr bIns="0" lIns="0" rIns="0" rtlCol="0" tIns="0" wrap="square"/>
-            <a:p/>
+            <a:bodyPr wrap="square" lIns="0" tIns="0" rIns="0" bIns="0" rtlCol="0"/>
+            <a:lstStyle/>
+            <a:p>
+              <a:endParaRPr/>
+            </a:p>
           </p:txBody>
         </p:sp>
         <p:sp>
@@ -8093,7 +8353,9 @@
             </a:xfrm>
             <a:custGeom>
               <a:avLst/>
+              <a:gdLst/>
               <a:ahLst/>
+              <a:cxnLst/>
               <a:rect l="l" t="t" r="r" b="b"/>
               <a:pathLst>
                 <a:path w="322579" h="317500">
@@ -8183,8 +8445,11 @@
             </a:ln>
           </p:spPr>
           <p:txBody>
-            <a:bodyPr bIns="0" lIns="0" rIns="0" rtlCol="0" tIns="0" wrap="square"/>
-            <a:p/>
+            <a:bodyPr wrap="square" lIns="0" tIns="0" rIns="0" bIns="0" rtlCol="0"/>
+            <a:lstStyle/>
+            <a:p>
+              <a:endParaRPr/>
+            </a:p>
           </p:txBody>
         </p:sp>
         <p:sp>
@@ -8200,7 +8465,9 @@
             </a:xfrm>
             <a:custGeom>
               <a:avLst/>
+              <a:gdLst/>
               <a:ahLst/>
+              <a:cxnLst/>
               <a:rect l="l" t="t" r="r" b="b"/>
               <a:pathLst>
                 <a:path w="81279" h="317500">
@@ -8228,8 +8495,11 @@
             </a:solidFill>
           </p:spPr>
           <p:txBody>
-            <a:bodyPr bIns="0" lIns="0" rIns="0" rtlCol="0" tIns="0" wrap="square"/>
-            <a:p/>
+            <a:bodyPr wrap="square" lIns="0" tIns="0" rIns="0" bIns="0" rtlCol="0"/>
+            <a:lstStyle/>
+            <a:p>
+              <a:endParaRPr/>
+            </a:p>
           </p:txBody>
         </p:sp>
         <p:sp>
@@ -8245,7 +8515,9 @@
             </a:xfrm>
             <a:custGeom>
               <a:avLst/>
+              <a:gdLst/>
               <a:ahLst/>
+              <a:cxnLst/>
               <a:rect l="l" t="t" r="r" b="b"/>
               <a:pathLst>
                 <a:path w="81279" h="317500">
@@ -8275,8 +8547,11 @@
             </a:ln>
           </p:spPr>
           <p:txBody>
-            <a:bodyPr bIns="0" lIns="0" rIns="0" rtlCol="0" tIns="0" wrap="square"/>
-            <a:p/>
+            <a:bodyPr wrap="square" lIns="0" tIns="0" rIns="0" bIns="0" rtlCol="0"/>
+            <a:lstStyle/>
+            <a:p>
+              <a:endParaRPr/>
+            </a:p>
           </p:txBody>
         </p:sp>
         <p:sp>
@@ -8292,7 +8567,9 @@
             </a:xfrm>
             <a:custGeom>
               <a:avLst/>
+              <a:gdLst/>
               <a:ahLst/>
+              <a:cxnLst/>
               <a:rect l="l" t="t" r="r" b="b"/>
               <a:pathLst>
                 <a:path w="187959" h="317500">
@@ -8545,8 +8822,11 @@
             </a:solidFill>
           </p:spPr>
           <p:txBody>
-            <a:bodyPr bIns="0" lIns="0" rIns="0" rtlCol="0" tIns="0" wrap="square"/>
-            <a:p/>
+            <a:bodyPr wrap="square" lIns="0" tIns="0" rIns="0" bIns="0" rtlCol="0"/>
+            <a:lstStyle/>
+            <a:p>
+              <a:endParaRPr/>
+            </a:p>
           </p:txBody>
         </p:sp>
         <p:sp>
@@ -8562,7 +8842,9 @@
             </a:xfrm>
             <a:custGeom>
               <a:avLst/>
+              <a:gdLst/>
               <a:ahLst/>
+              <a:cxnLst/>
               <a:rect l="l" t="t" r="r" b="b"/>
               <a:pathLst>
                 <a:path w="187959" h="317500">
@@ -8880,8 +9162,11 @@
             </a:ln>
           </p:spPr>
           <p:txBody>
-            <a:bodyPr bIns="0" lIns="0" rIns="0" rtlCol="0" tIns="0" wrap="square"/>
-            <a:p/>
+            <a:bodyPr wrap="square" lIns="0" tIns="0" rIns="0" bIns="0" rtlCol="0"/>
+            <a:lstStyle/>
+            <a:p>
+              <a:endParaRPr/>
+            </a:p>
           </p:txBody>
         </p:sp>
         <p:sp>
@@ -8897,7 +9182,9 @@
             </a:xfrm>
             <a:custGeom>
               <a:avLst/>
+              <a:gdLst/>
               <a:ahLst/>
+              <a:cxnLst/>
               <a:rect l="l" t="t" r="r" b="b"/>
               <a:pathLst>
                 <a:path w="177800" h="317500">
@@ -8937,8 +9224,11 @@
             </a:solidFill>
           </p:spPr>
           <p:txBody>
-            <a:bodyPr bIns="0" lIns="0" rIns="0" rtlCol="0" tIns="0" wrap="square"/>
-            <a:p/>
+            <a:bodyPr wrap="square" lIns="0" tIns="0" rIns="0" bIns="0" rtlCol="0"/>
+            <a:lstStyle/>
+            <a:p>
+              <a:endParaRPr/>
+            </a:p>
           </p:txBody>
         </p:sp>
         <p:sp>
@@ -8954,7 +9244,9 @@
             </a:xfrm>
             <a:custGeom>
               <a:avLst/>
+              <a:gdLst/>
               <a:ahLst/>
+              <a:cxnLst/>
               <a:rect l="l" t="t" r="r" b="b"/>
               <a:pathLst>
                 <a:path w="177800" h="317500">
@@ -8996,8 +9288,11 @@
             </a:ln>
           </p:spPr>
           <p:txBody>
-            <a:bodyPr bIns="0" lIns="0" rIns="0" rtlCol="0" tIns="0" wrap="square"/>
-            <a:p/>
+            <a:bodyPr wrap="square" lIns="0" tIns="0" rIns="0" bIns="0" rtlCol="0"/>
+            <a:lstStyle/>
+            <a:p>
+              <a:endParaRPr/>
+            </a:p>
           </p:txBody>
         </p:sp>
         <p:sp>
@@ -9013,7 +9308,9 @@
             </a:xfrm>
             <a:custGeom>
               <a:avLst/>
+              <a:gdLst/>
               <a:ahLst/>
+              <a:cxnLst/>
               <a:rect l="l" t="t" r="r" b="b"/>
               <a:pathLst>
                 <a:path w="185420" h="317500">
@@ -9077,8 +9374,11 @@
             </a:solidFill>
           </p:spPr>
           <p:txBody>
-            <a:bodyPr bIns="0" lIns="0" rIns="0" rtlCol="0" tIns="0" wrap="square"/>
-            <a:p/>
+            <a:bodyPr wrap="square" lIns="0" tIns="0" rIns="0" bIns="0" rtlCol="0"/>
+            <a:lstStyle/>
+            <a:p>
+              <a:endParaRPr/>
+            </a:p>
           </p:txBody>
         </p:sp>
         <p:sp>
@@ -9094,7 +9394,9 @@
             </a:xfrm>
             <a:custGeom>
               <a:avLst/>
+              <a:gdLst/>
               <a:ahLst/>
+              <a:cxnLst/>
               <a:rect l="l" t="t" r="r" b="b"/>
               <a:pathLst>
                 <a:path w="185420" h="317500">
@@ -9148,8 +9450,11 @@
             </a:ln>
           </p:spPr>
           <p:txBody>
-            <a:bodyPr bIns="0" lIns="0" rIns="0" rtlCol="0" tIns="0" wrap="square"/>
-            <a:p/>
+            <a:bodyPr wrap="square" lIns="0" tIns="0" rIns="0" bIns="0" rtlCol="0"/>
+            <a:lstStyle/>
+            <a:p>
+              <a:endParaRPr/>
+            </a:p>
           </p:txBody>
         </p:sp>
         <p:sp>
@@ -9165,7 +9470,9 @@
             </a:xfrm>
             <a:custGeom>
               <a:avLst/>
+              <a:gdLst/>
               <a:ahLst/>
+              <a:cxnLst/>
               <a:rect l="l" t="t" r="r" b="b"/>
               <a:pathLst>
                 <a:path w="1972310" h="2771140">
@@ -9529,8 +9836,11 @@
             </a:ln>
           </p:spPr>
           <p:txBody>
-            <a:bodyPr bIns="0" lIns="0" rIns="0" rtlCol="0" tIns="0" wrap="square"/>
-            <a:p/>
+            <a:bodyPr wrap="square" lIns="0" tIns="0" rIns="0" bIns="0" rtlCol="0"/>
+            <a:lstStyle/>
+            <a:p>
+              <a:endParaRPr/>
+            </a:p>
           </p:txBody>
         </p:sp>
         <p:sp>
@@ -9546,7 +9856,9 @@
             </a:xfrm>
             <a:custGeom>
               <a:avLst/>
+              <a:gdLst/>
               <a:ahLst/>
+              <a:cxnLst/>
               <a:rect l="l" t="t" r="r" b="b"/>
               <a:pathLst>
                 <a:path w="2364740" h="3331210">
@@ -9582,8 +9894,11 @@
             </a:ln>
           </p:spPr>
           <p:txBody>
-            <a:bodyPr bIns="0" lIns="0" rIns="0" rtlCol="0" tIns="0" wrap="square"/>
-            <a:p/>
+            <a:bodyPr wrap="square" lIns="0" tIns="0" rIns="0" bIns="0" rtlCol="0"/>
+            <a:lstStyle/>
+            <a:p>
+              <a:endParaRPr/>
+            </a:p>
           </p:txBody>
         </p:sp>
         <p:sp>
@@ -9599,7 +9914,9 @@
             </a:xfrm>
             <a:custGeom>
               <a:avLst/>
+              <a:gdLst/>
               <a:ahLst/>
+              <a:cxnLst/>
               <a:rect l="l" t="t" r="r" b="b"/>
               <a:pathLst>
                 <a:path w="666750" h="184150">
@@ -9671,8 +9988,11 @@
             </a:ln>
           </p:spPr>
           <p:txBody>
-            <a:bodyPr bIns="0" lIns="0" rIns="0" rtlCol="0" tIns="0" wrap="square"/>
-            <a:p/>
+            <a:bodyPr wrap="square" lIns="0" tIns="0" rIns="0" bIns="0" rtlCol="0"/>
+            <a:lstStyle/>
+            <a:p>
+              <a:endParaRPr/>
+            </a:p>
           </p:txBody>
         </p:sp>
         <p:sp>
@@ -9688,7 +10008,9 @@
             </a:xfrm>
             <a:custGeom>
               <a:avLst/>
+              <a:gdLst/>
               <a:ahLst/>
+              <a:cxnLst/>
               <a:rect l="l" t="t" r="r" b="b"/>
               <a:pathLst>
                 <a:path w="789939" h="287019">
@@ -9728,8 +10050,11 @@
             </a:solidFill>
           </p:spPr>
           <p:txBody>
-            <a:bodyPr bIns="0" lIns="0" rIns="0" rtlCol="0" tIns="0" wrap="square"/>
-            <a:p/>
+            <a:bodyPr wrap="square" lIns="0" tIns="0" rIns="0" bIns="0" rtlCol="0"/>
+            <a:lstStyle/>
+            <a:p>
+              <a:endParaRPr/>
+            </a:p>
           </p:txBody>
         </p:sp>
         <p:sp>
@@ -9745,7 +10070,9 @@
             </a:xfrm>
             <a:custGeom>
               <a:avLst/>
+              <a:gdLst/>
               <a:ahLst/>
+              <a:cxnLst/>
               <a:rect l="l" t="t" r="r" b="b"/>
               <a:pathLst>
                 <a:path w="665479" h="184150">
@@ -9820,8 +10147,11 @@
             </a:ln>
           </p:spPr>
           <p:txBody>
-            <a:bodyPr bIns="0" lIns="0" rIns="0" rtlCol="0" tIns="0" wrap="square"/>
-            <a:p/>
+            <a:bodyPr wrap="square" lIns="0" tIns="0" rIns="0" bIns="0" rtlCol="0"/>
+            <a:lstStyle/>
+            <a:p>
+              <a:endParaRPr/>
+            </a:p>
           </p:txBody>
         </p:sp>
         <p:sp>
@@ -9837,7 +10167,9 @@
             </a:xfrm>
             <a:custGeom>
               <a:avLst/>
+              <a:gdLst/>
               <a:ahLst/>
+              <a:cxnLst/>
               <a:rect l="l" t="t" r="r" b="b"/>
               <a:pathLst>
                 <a:path w="788670" h="287019">
@@ -9877,8 +10209,11 @@
             </a:solidFill>
           </p:spPr>
           <p:txBody>
-            <a:bodyPr bIns="0" lIns="0" rIns="0" rtlCol="0" tIns="0" wrap="square"/>
-            <a:p/>
+            <a:bodyPr wrap="square" lIns="0" tIns="0" rIns="0" bIns="0" rtlCol="0"/>
+            <a:lstStyle/>
+            <a:p>
+              <a:endParaRPr/>
+            </a:p>
           </p:txBody>
         </p:sp>
         <p:sp>
@@ -9894,7 +10229,9 @@
             </a:xfrm>
             <a:custGeom>
               <a:avLst/>
+              <a:gdLst/>
               <a:ahLst/>
+              <a:cxnLst/>
               <a:rect l="l" t="t" r="r" b="b"/>
               <a:pathLst>
                 <a:path w="2980690" h="326389">
@@ -9933,8 +10270,11 @@
             </a:ln>
           </p:spPr>
           <p:txBody>
-            <a:bodyPr bIns="0" lIns="0" rIns="0" rtlCol="0" tIns="0" wrap="square"/>
-            <a:p/>
+            <a:bodyPr wrap="square" lIns="0" tIns="0" rIns="0" bIns="0" rtlCol="0"/>
+            <a:lstStyle/>
+            <a:p>
+              <a:endParaRPr/>
+            </a:p>
           </p:txBody>
         </p:sp>
         <p:sp>
@@ -9950,7 +10290,9 @@
             </a:xfrm>
             <a:custGeom>
               <a:avLst/>
+              <a:gdLst/>
               <a:ahLst/>
+              <a:cxnLst/>
               <a:rect l="l" t="t" r="r" b="b"/>
               <a:pathLst>
                 <a:path w="104139" h="57150">
@@ -9975,8 +10317,11 @@
             </a:solidFill>
           </p:spPr>
           <p:txBody>
-            <a:bodyPr bIns="0" lIns="0" rIns="0" rtlCol="0" tIns="0" wrap="square"/>
-            <a:p/>
+            <a:bodyPr wrap="square" lIns="0" tIns="0" rIns="0" bIns="0" rtlCol="0"/>
+            <a:lstStyle/>
+            <a:p>
+              <a:endParaRPr/>
+            </a:p>
           </p:txBody>
         </p:sp>
         <p:sp>
@@ -9992,7 +10337,9 @@
             </a:xfrm>
             <a:custGeom>
               <a:avLst/>
+              <a:gdLst/>
               <a:ahLst/>
+              <a:cxnLst/>
               <a:rect l="l" t="t" r="r" b="b"/>
               <a:pathLst>
                 <a:path w="104139" h="57150">
@@ -10035,8 +10382,11 @@
             </a:ln>
           </p:spPr>
           <p:txBody>
-            <a:bodyPr bIns="0" lIns="0" rIns="0" rtlCol="0" tIns="0" wrap="square"/>
-            <a:p/>
+            <a:bodyPr wrap="square" lIns="0" tIns="0" rIns="0" bIns="0" rtlCol="0"/>
+            <a:lstStyle/>
+            <a:p>
+              <a:endParaRPr/>
+            </a:p>
           </p:txBody>
         </p:sp>
         <p:sp>
@@ -10050,17 +10400,22 @@
               <a:off x="4694327" y="4660037"/>
               <a:ext cx="114754" cy="66494"/>
             </a:xfrm>
-            <a:prstGeom prst="rect"/>
+            <a:prstGeom prst="rect">
+              <a:avLst/>
+            </a:prstGeom>
             <a:blipFill>
-              <a:blip xmlns:r="http://schemas.openxmlformats.org/officeDocument/2006/relationships" r:embed="rId3" cstate="print"/>
+              <a:blip r:embed="rId4" cstate="print"/>
               <a:stretch>
                 <a:fillRect/>
               </a:stretch>
             </a:blipFill>
           </p:spPr>
           <p:txBody>
-            <a:bodyPr bIns="0" lIns="0" rIns="0" rtlCol="0" tIns="0" wrap="square"/>
-            <a:p/>
+            <a:bodyPr wrap="square" lIns="0" tIns="0" rIns="0" bIns="0" rtlCol="0"/>
+            <a:lstStyle/>
+            <a:p>
+              <a:endParaRPr/>
+            </a:p>
           </p:txBody>
         </p:sp>
         <p:sp>
@@ -10076,7 +10431,9 @@
             </a:xfrm>
             <a:custGeom>
               <a:avLst/>
+              <a:gdLst/>
               <a:ahLst/>
+              <a:cxnLst/>
               <a:rect l="l" t="t" r="r" b="b"/>
               <a:pathLst>
                 <a:path w="735329" h="109220">
@@ -10148,8 +10505,11 @@
             </a:ln>
           </p:spPr>
           <p:txBody>
-            <a:bodyPr bIns="0" lIns="0" rIns="0" rtlCol="0" tIns="0" wrap="square"/>
-            <a:p/>
+            <a:bodyPr wrap="square" lIns="0" tIns="0" rIns="0" bIns="0" rtlCol="0"/>
+            <a:lstStyle/>
+            <a:p>
+              <a:endParaRPr/>
+            </a:p>
           </p:txBody>
         </p:sp>
         <p:sp>
@@ -10165,7 +10525,9 @@
             </a:xfrm>
             <a:custGeom>
               <a:avLst/>
+              <a:gdLst/>
               <a:ahLst/>
+              <a:cxnLst/>
               <a:rect l="l" t="t" r="r" b="b"/>
               <a:pathLst>
                 <a:path w="85089" h="86360">
@@ -10190,8 +10552,11 @@
             </a:solidFill>
           </p:spPr>
           <p:txBody>
-            <a:bodyPr bIns="0" lIns="0" rIns="0" rtlCol="0" tIns="0" wrap="square"/>
-            <a:p/>
+            <a:bodyPr wrap="square" lIns="0" tIns="0" rIns="0" bIns="0" rtlCol="0"/>
+            <a:lstStyle/>
+            <a:p>
+              <a:endParaRPr/>
+            </a:p>
           </p:txBody>
         </p:sp>
         <p:sp>
@@ -10207,7 +10572,9 @@
             </a:xfrm>
             <a:custGeom>
               <a:avLst/>
+              <a:gdLst/>
               <a:ahLst/>
+              <a:cxnLst/>
               <a:rect l="l" t="t" r="r" b="b"/>
               <a:pathLst>
                 <a:path w="1546860" h="447039">
@@ -10330,8 +10697,11 @@
             </a:ln>
           </p:spPr>
           <p:txBody>
-            <a:bodyPr bIns="0" lIns="0" rIns="0" rtlCol="0" tIns="0" wrap="square"/>
-            <a:p/>
+            <a:bodyPr wrap="square" lIns="0" tIns="0" rIns="0" bIns="0" rtlCol="0"/>
+            <a:lstStyle/>
+            <a:p>
+              <a:endParaRPr/>
+            </a:p>
           </p:txBody>
         </p:sp>
         <p:sp>
@@ -10347,7 +10717,9 @@
             </a:xfrm>
             <a:custGeom>
               <a:avLst/>
+              <a:gdLst/>
               <a:ahLst/>
+              <a:cxnLst/>
               <a:rect l="l" t="t" r="r" b="b"/>
               <a:pathLst>
                 <a:path w="67310" h="91439">
@@ -10372,8 +10744,11 @@
             </a:solidFill>
           </p:spPr>
           <p:txBody>
-            <a:bodyPr bIns="0" lIns="0" rIns="0" rtlCol="0" tIns="0" wrap="square"/>
-            <a:p/>
+            <a:bodyPr wrap="square" lIns="0" tIns="0" rIns="0" bIns="0" rtlCol="0"/>
+            <a:lstStyle/>
+            <a:p>
+              <a:endParaRPr/>
+            </a:p>
           </p:txBody>
         </p:sp>
         <p:sp>
@@ -10389,7 +10764,9 @@
             </a:xfrm>
             <a:custGeom>
               <a:avLst/>
+              <a:gdLst/>
               <a:ahLst/>
+              <a:cxnLst/>
               <a:rect l="l" t="t" r="r" b="b"/>
               <a:pathLst>
                 <a:path w="1584960" h="477520">
@@ -10873,8 +11250,11 @@
             </a:ln>
           </p:spPr>
           <p:txBody>
-            <a:bodyPr bIns="0" lIns="0" rIns="0" rtlCol="0" tIns="0" wrap="square"/>
-            <a:p/>
+            <a:bodyPr wrap="square" lIns="0" tIns="0" rIns="0" bIns="0" rtlCol="0"/>
+            <a:lstStyle/>
+            <a:p>
+              <a:endParaRPr/>
+            </a:p>
           </p:txBody>
         </p:sp>
         <p:sp>
@@ -10888,17 +11268,22 @@
               <a:off x="3203696" y="4995666"/>
               <a:ext cx="144537" cy="131837"/>
             </a:xfrm>
-            <a:prstGeom prst="rect"/>
+            <a:prstGeom prst="rect">
+              <a:avLst/>
+            </a:prstGeom>
             <a:blipFill>
-              <a:blip xmlns:r="http://schemas.openxmlformats.org/officeDocument/2006/relationships" r:embed="rId4" cstate="print"/>
+              <a:blip r:embed="rId5" cstate="print"/>
               <a:stretch>
                 <a:fillRect/>
               </a:stretch>
             </a:blipFill>
           </p:spPr>
           <p:txBody>
-            <a:bodyPr bIns="0" lIns="0" rIns="0" rtlCol="0" tIns="0" wrap="square"/>
-            <a:p/>
+            <a:bodyPr wrap="square" lIns="0" tIns="0" rIns="0" bIns="0" rtlCol="0"/>
+            <a:lstStyle/>
+            <a:p>
+              <a:endParaRPr/>
+            </a:p>
           </p:txBody>
         </p:sp>
         <p:sp>
@@ -10914,7 +11299,9 @@
             </a:xfrm>
             <a:custGeom>
               <a:avLst/>
+              <a:gdLst/>
               <a:ahLst/>
+              <a:cxnLst/>
               <a:rect l="l" t="t" r="r" b="b"/>
               <a:pathLst>
                 <a:path w="640080" h="107950">
@@ -10983,8 +11370,11 @@
             </a:ln>
           </p:spPr>
           <p:txBody>
-            <a:bodyPr bIns="0" lIns="0" rIns="0" rtlCol="0" tIns="0" wrap="square"/>
-            <a:p/>
+            <a:bodyPr wrap="square" lIns="0" tIns="0" rIns="0" bIns="0" rtlCol="0"/>
+            <a:lstStyle/>
+            <a:p>
+              <a:endParaRPr/>
+            </a:p>
           </p:txBody>
         </p:sp>
         <p:sp>
@@ -11000,7 +11390,9 @@
             </a:xfrm>
             <a:custGeom>
               <a:avLst/>
+              <a:gdLst/>
               <a:ahLst/>
+              <a:cxnLst/>
               <a:rect l="l" t="t" r="r" b="b"/>
               <a:pathLst>
                 <a:path w="83819" h="87629">
@@ -11025,8 +11417,11 @@
             </a:solidFill>
           </p:spPr>
           <p:txBody>
-            <a:bodyPr bIns="0" lIns="0" rIns="0" rtlCol="0" tIns="0" wrap="square"/>
-            <a:p/>
+            <a:bodyPr wrap="square" lIns="0" tIns="0" rIns="0" bIns="0" rtlCol="0"/>
+            <a:lstStyle/>
+            <a:p>
+              <a:endParaRPr/>
+            </a:p>
           </p:txBody>
         </p:sp>
         <p:sp>
@@ -11042,7 +11437,9 @@
             </a:xfrm>
             <a:custGeom>
               <a:avLst/>
+              <a:gdLst/>
               <a:ahLst/>
+              <a:cxnLst/>
               <a:rect l="l" t="t" r="r" b="b"/>
               <a:pathLst>
                 <a:path w="1160779" h="436880">
@@ -11159,8 +11556,11 @@
             </a:ln>
           </p:spPr>
           <p:txBody>
-            <a:bodyPr bIns="0" lIns="0" rIns="0" rtlCol="0" tIns="0" wrap="square"/>
-            <a:p/>
+            <a:bodyPr wrap="square" lIns="0" tIns="0" rIns="0" bIns="0" rtlCol="0"/>
+            <a:lstStyle/>
+            <a:p>
+              <a:endParaRPr/>
+            </a:p>
           </p:txBody>
         </p:sp>
         <p:sp>
@@ -11176,7 +11576,9 @@
             </a:xfrm>
             <a:custGeom>
               <a:avLst/>
+              <a:gdLst/>
               <a:ahLst/>
+              <a:cxnLst/>
               <a:rect l="l" t="t" r="r" b="b"/>
               <a:pathLst>
                 <a:path w="68579" h="99060">
@@ -11201,8 +11603,11 @@
             </a:solidFill>
           </p:spPr>
           <p:txBody>
-            <a:bodyPr bIns="0" lIns="0" rIns="0" rtlCol="0" tIns="0" wrap="square"/>
-            <a:p/>
+            <a:bodyPr wrap="square" lIns="0" tIns="0" rIns="0" bIns="0" rtlCol="0"/>
+            <a:lstStyle/>
+            <a:p>
+              <a:endParaRPr/>
+            </a:p>
           </p:txBody>
         </p:sp>
         <p:sp>
@@ -11218,7 +11623,9 @@
             </a:xfrm>
             <a:custGeom>
               <a:avLst/>
+              <a:gdLst/>
               <a:ahLst/>
+              <a:cxnLst/>
               <a:rect l="l" t="t" r="r" b="b"/>
               <a:pathLst>
                 <a:path w="405130" h="539750">
@@ -11290,8 +11697,11 @@
             </a:ln>
           </p:spPr>
           <p:txBody>
-            <a:bodyPr bIns="0" lIns="0" rIns="0" rtlCol="0" tIns="0" wrap="square"/>
-            <a:p/>
+            <a:bodyPr wrap="square" lIns="0" tIns="0" rIns="0" bIns="0" rtlCol="0"/>
+            <a:lstStyle/>
+            <a:p>
+              <a:endParaRPr/>
+            </a:p>
           </p:txBody>
         </p:sp>
         <p:sp>
@@ -11307,7 +11717,9 @@
             </a:xfrm>
             <a:custGeom>
               <a:avLst/>
+              <a:gdLst/>
               <a:ahLst/>
+              <a:cxnLst/>
               <a:rect l="l" t="t" r="r" b="b"/>
               <a:pathLst>
                 <a:path w="110489" h="63500">
@@ -11332,8 +11744,11 @@
             </a:solidFill>
           </p:spPr>
           <p:txBody>
-            <a:bodyPr bIns="0" lIns="0" rIns="0" rtlCol="0" tIns="0" wrap="square"/>
-            <a:p/>
+            <a:bodyPr wrap="square" lIns="0" tIns="0" rIns="0" bIns="0" rtlCol="0"/>
+            <a:lstStyle/>
+            <a:p>
+              <a:endParaRPr/>
+            </a:p>
           </p:txBody>
         </p:sp>
         <p:sp>
@@ -11349,7 +11764,9 @@
             </a:xfrm>
             <a:custGeom>
               <a:avLst/>
+              <a:gdLst/>
               <a:ahLst/>
+              <a:cxnLst/>
               <a:rect l="l" t="t" r="r" b="b"/>
               <a:pathLst>
                 <a:path w="646429" h="288289">
@@ -12436,8 +12853,11 @@
             </a:solidFill>
           </p:spPr>
           <p:txBody>
-            <a:bodyPr bIns="0" lIns="0" rIns="0" rtlCol="0" tIns="0" wrap="square"/>
-            <a:p/>
+            <a:bodyPr wrap="square" lIns="0" tIns="0" rIns="0" bIns="0" rtlCol="0"/>
+            <a:lstStyle/>
+            <a:p>
+              <a:endParaRPr/>
+            </a:p>
           </p:txBody>
         </p:sp>
         <p:sp>
@@ -12451,17 +12871,22 @@
               <a:off x="3328670" y="1870710"/>
               <a:ext cx="194309" cy="288289"/>
             </a:xfrm>
-            <a:prstGeom prst="rect"/>
+            <a:prstGeom prst="rect">
+              <a:avLst/>
+            </a:prstGeom>
             <a:blipFill>
-              <a:blip xmlns:r="http://schemas.openxmlformats.org/officeDocument/2006/relationships" r:embed="rId5" cstate="print"/>
+              <a:blip r:embed="rId6" cstate="print"/>
               <a:stretch>
                 <a:fillRect/>
               </a:stretch>
             </a:blipFill>
           </p:spPr>
           <p:txBody>
-            <a:bodyPr bIns="0" lIns="0" rIns="0" rtlCol="0" tIns="0" wrap="square"/>
-            <a:p/>
+            <a:bodyPr wrap="square" lIns="0" tIns="0" rIns="0" bIns="0" rtlCol="0"/>
+            <a:lstStyle/>
+            <a:p>
+              <a:endParaRPr/>
+            </a:p>
           </p:txBody>
         </p:sp>
         <p:sp>
@@ -12475,17 +12900,22 @@
               <a:off x="3552189" y="1875789"/>
               <a:ext cx="190500" cy="281939"/>
             </a:xfrm>
-            <a:prstGeom prst="rect"/>
+            <a:prstGeom prst="rect">
+              <a:avLst/>
+            </a:prstGeom>
             <a:blipFill>
-              <a:blip xmlns:r="http://schemas.openxmlformats.org/officeDocument/2006/relationships" r:embed="rId6" cstate="print"/>
+              <a:blip r:embed="rId7" cstate="print"/>
               <a:stretch>
                 <a:fillRect/>
               </a:stretch>
             </a:blipFill>
           </p:spPr>
           <p:txBody>
-            <a:bodyPr bIns="0" lIns="0" rIns="0" rtlCol="0" tIns="0" wrap="square"/>
-            <a:p/>
+            <a:bodyPr wrap="square" lIns="0" tIns="0" rIns="0" bIns="0" rtlCol="0"/>
+            <a:lstStyle/>
+            <a:p>
+              <a:endParaRPr/>
+            </a:p>
           </p:txBody>
         </p:sp>
         <p:sp>
@@ -12499,17 +12929,22 @@
               <a:off x="3774439" y="1875789"/>
               <a:ext cx="200660" cy="276860"/>
             </a:xfrm>
-            <a:prstGeom prst="rect"/>
+            <a:prstGeom prst="rect">
+              <a:avLst/>
+            </a:prstGeom>
             <a:blipFill>
-              <a:blip xmlns:r="http://schemas.openxmlformats.org/officeDocument/2006/relationships" r:embed="rId7" cstate="print"/>
+              <a:blip r:embed="rId8" cstate="print"/>
               <a:stretch>
                 <a:fillRect/>
               </a:stretch>
             </a:blipFill>
           </p:spPr>
           <p:txBody>
-            <a:bodyPr bIns="0" lIns="0" rIns="0" rtlCol="0" tIns="0" wrap="square"/>
-            <a:p/>
+            <a:bodyPr wrap="square" lIns="0" tIns="0" rIns="0" bIns="0" rtlCol="0"/>
+            <a:lstStyle/>
+            <a:p>
+              <a:endParaRPr/>
+            </a:p>
           </p:txBody>
         </p:sp>
         <p:sp>
@@ -12525,7 +12960,9 @@
             </a:xfrm>
             <a:custGeom>
               <a:avLst/>
+              <a:gdLst/>
               <a:ahLst/>
+              <a:cxnLst/>
               <a:rect l="l" t="t" r="r" b="b"/>
               <a:pathLst>
                 <a:path w="728979" h="321310">
@@ -13840,8 +14277,11 @@
             </a:solidFill>
           </p:spPr>
           <p:txBody>
-            <a:bodyPr bIns="0" lIns="0" rIns="0" rtlCol="0" tIns="0" wrap="square"/>
-            <a:p/>
+            <a:bodyPr wrap="square" lIns="0" tIns="0" rIns="0" bIns="0" rtlCol="0"/>
+            <a:lstStyle/>
+            <a:p>
+              <a:endParaRPr/>
+            </a:p>
           </p:txBody>
         </p:sp>
         <p:sp>
@@ -13855,17 +14295,22 @@
               <a:off x="4351019" y="2941320"/>
               <a:ext cx="101600" cy="50800"/>
             </a:xfrm>
-            <a:prstGeom prst="rect"/>
+            <a:prstGeom prst="rect">
+              <a:avLst/>
+            </a:prstGeom>
             <a:blipFill>
-              <a:blip xmlns:r="http://schemas.openxmlformats.org/officeDocument/2006/relationships" r:embed="rId8" cstate="print"/>
+              <a:blip r:embed="rId9" cstate="print"/>
               <a:stretch>
                 <a:fillRect/>
               </a:stretch>
             </a:blipFill>
           </p:spPr>
           <p:txBody>
-            <a:bodyPr bIns="0" lIns="0" rIns="0" rtlCol="0" tIns="0" wrap="square"/>
-            <a:p/>
+            <a:bodyPr wrap="square" lIns="0" tIns="0" rIns="0" bIns="0" rtlCol="0"/>
+            <a:lstStyle/>
+            <a:p>
+              <a:endParaRPr/>
+            </a:p>
           </p:txBody>
         </p:sp>
         <p:sp>
@@ -13879,17 +14324,22 @@
               <a:off x="4471669" y="2777489"/>
               <a:ext cx="182879" cy="321310"/>
             </a:xfrm>
-            <a:prstGeom prst="rect"/>
+            <a:prstGeom prst="rect">
+              <a:avLst/>
+            </a:prstGeom>
             <a:blipFill>
-              <a:blip xmlns:r="http://schemas.openxmlformats.org/officeDocument/2006/relationships" r:embed="rId9" cstate="print"/>
+              <a:blip r:embed="rId10" cstate="print"/>
               <a:stretch>
                 <a:fillRect/>
               </a:stretch>
             </a:blipFill>
           </p:spPr>
           <p:txBody>
-            <a:bodyPr bIns="0" lIns="0" rIns="0" rtlCol="0" tIns="0" wrap="square"/>
-            <a:p/>
+            <a:bodyPr wrap="square" lIns="0" tIns="0" rIns="0" bIns="0" rtlCol="0"/>
+            <a:lstStyle/>
+            <a:p>
+              <a:endParaRPr/>
+            </a:p>
           </p:txBody>
         </p:sp>
         <p:sp>
@@ -13903,17 +14353,22 @@
               <a:off x="4681219" y="2781300"/>
               <a:ext cx="179069" cy="316229"/>
             </a:xfrm>
-            <a:prstGeom prst="rect"/>
+            <a:prstGeom prst="rect">
+              <a:avLst/>
+            </a:prstGeom>
             <a:blipFill>
-              <a:blip xmlns:r="http://schemas.openxmlformats.org/officeDocument/2006/relationships" r:embed="rId10" cstate="print"/>
+              <a:blip r:embed="rId11" cstate="print"/>
               <a:stretch>
                 <a:fillRect/>
               </a:stretch>
             </a:blipFill>
           </p:spPr>
           <p:txBody>
-            <a:bodyPr bIns="0" lIns="0" rIns="0" rtlCol="0" tIns="0" wrap="square"/>
-            <a:p/>
+            <a:bodyPr wrap="square" lIns="0" tIns="0" rIns="0" bIns="0" rtlCol="0"/>
+            <a:lstStyle/>
+            <a:p>
+              <a:endParaRPr/>
+            </a:p>
           </p:txBody>
         </p:sp>
         <p:sp>
@@ -13927,17 +14382,22 @@
               <a:off x="4890769" y="2782570"/>
               <a:ext cx="189229" cy="311150"/>
             </a:xfrm>
-            <a:prstGeom prst="rect"/>
+            <a:prstGeom prst="rect">
+              <a:avLst/>
+            </a:prstGeom>
             <a:blipFill>
-              <a:blip xmlns:r="http://schemas.openxmlformats.org/officeDocument/2006/relationships" r:embed="rId11" cstate="print"/>
+              <a:blip r:embed="rId12" cstate="print"/>
               <a:stretch>
                 <a:fillRect/>
               </a:stretch>
             </a:blipFill>
           </p:spPr>
           <p:txBody>
-            <a:bodyPr bIns="0" lIns="0" rIns="0" rtlCol="0" tIns="0" wrap="square"/>
-            <a:p/>
+            <a:bodyPr wrap="square" lIns="0" tIns="0" rIns="0" bIns="0" rtlCol="0"/>
+            <a:lstStyle/>
+            <a:p>
+              <a:endParaRPr/>
+            </a:p>
           </p:txBody>
         </p:sp>
         <p:sp>
@@ -13953,7 +14413,9 @@
             </a:xfrm>
             <a:custGeom>
               <a:avLst/>
+              <a:gdLst/>
               <a:ahLst/>
+              <a:cxnLst/>
               <a:rect l="l" t="t" r="r" b="b"/>
               <a:pathLst>
                 <a:path w="151130" h="257810">
@@ -14175,8 +14637,11 @@
             </a:solidFill>
           </p:spPr>
           <p:txBody>
-            <a:bodyPr bIns="0" lIns="0" rIns="0" rtlCol="0" tIns="0" wrap="square"/>
-            <a:p/>
+            <a:bodyPr wrap="square" lIns="0" tIns="0" rIns="0" bIns="0" rtlCol="0"/>
+            <a:lstStyle/>
+            <a:p>
+              <a:endParaRPr/>
+            </a:p>
           </p:txBody>
         </p:sp>
         <p:sp>
@@ -14192,7 +14657,9 @@
             </a:xfrm>
             <a:custGeom>
               <a:avLst/>
+              <a:gdLst/>
               <a:ahLst/>
+              <a:cxnLst/>
               <a:rect l="l" t="t" r="r" b="b"/>
               <a:pathLst>
                 <a:path w="151130" h="257810">
@@ -14510,8 +14977,11 @@
             </a:ln>
           </p:spPr>
           <p:txBody>
-            <a:bodyPr bIns="0" lIns="0" rIns="0" rtlCol="0" tIns="0" wrap="square"/>
-            <a:p/>
+            <a:bodyPr wrap="square" lIns="0" tIns="0" rIns="0" bIns="0" rtlCol="0"/>
+            <a:lstStyle/>
+            <a:p>
+              <a:endParaRPr/>
+            </a:p>
           </p:txBody>
         </p:sp>
         <p:sp>
@@ -14527,7 +14997,9 @@
             </a:xfrm>
             <a:custGeom>
               <a:avLst/>
+              <a:gdLst/>
               <a:ahLst/>
+              <a:cxnLst/>
               <a:rect l="l" t="t" r="r" b="b"/>
               <a:pathLst>
                 <a:path w="123190" h="257810">
@@ -14593,8 +15065,11 @@
             </a:solidFill>
           </p:spPr>
           <p:txBody>
-            <a:bodyPr bIns="0" lIns="0" rIns="0" rtlCol="0" tIns="0" wrap="square"/>
-            <a:p/>
+            <a:bodyPr wrap="square" lIns="0" tIns="0" rIns="0" bIns="0" rtlCol="0"/>
+            <a:lstStyle/>
+            <a:p>
+              <a:endParaRPr/>
+            </a:p>
           </p:txBody>
         </p:sp>
         <p:sp>
@@ -14610,7 +15085,9 @@
             </a:xfrm>
             <a:custGeom>
               <a:avLst/>
+              <a:gdLst/>
               <a:ahLst/>
+              <a:cxnLst/>
               <a:rect l="l" t="t" r="r" b="b"/>
               <a:pathLst>
                 <a:path w="123190" h="257810">
@@ -14664,8 +15141,11 @@
             </a:ln>
           </p:spPr>
           <p:txBody>
-            <a:bodyPr bIns="0" lIns="0" rIns="0" rtlCol="0" tIns="0" wrap="square"/>
-            <a:p/>
+            <a:bodyPr wrap="square" lIns="0" tIns="0" rIns="0" bIns="0" rtlCol="0"/>
+            <a:lstStyle/>
+            <a:p>
+              <a:endParaRPr/>
+            </a:p>
           </p:txBody>
         </p:sp>
         <p:sp>
@@ -14681,7 +15161,9 @@
             </a:xfrm>
             <a:custGeom>
               <a:avLst/>
+              <a:gdLst/>
               <a:ahLst/>
+              <a:cxnLst/>
               <a:rect l="l" t="t" r="r" b="b"/>
               <a:pathLst>
                 <a:path w="176530" h="257810">
@@ -14771,8 +15253,11 @@
             </a:solidFill>
           </p:spPr>
           <p:txBody>
-            <a:bodyPr bIns="0" lIns="0" rIns="0" rtlCol="0" tIns="0" wrap="square"/>
-            <a:p/>
+            <a:bodyPr wrap="square" lIns="0" tIns="0" rIns="0" bIns="0" rtlCol="0"/>
+            <a:lstStyle/>
+            <a:p>
+              <a:endParaRPr/>
+            </a:p>
           </p:txBody>
         </p:sp>
         <p:sp>
@@ -14788,7 +15273,9 @@
             </a:xfrm>
             <a:custGeom>
               <a:avLst/>
+              <a:gdLst/>
               <a:ahLst/>
+              <a:cxnLst/>
               <a:rect l="l" t="t" r="r" b="b"/>
               <a:pathLst>
                 <a:path w="176530" h="257810">
@@ -14851,8 +15338,11 @@
             </a:ln>
           </p:spPr>
           <p:txBody>
-            <a:bodyPr bIns="0" lIns="0" rIns="0" rtlCol="0" tIns="0" wrap="square"/>
-            <a:p/>
+            <a:bodyPr wrap="square" lIns="0" tIns="0" rIns="0" bIns="0" rtlCol="0"/>
+            <a:lstStyle/>
+            <a:p>
+              <a:endParaRPr/>
+            </a:p>
           </p:txBody>
         </p:sp>
         <p:sp>
@@ -14868,7 +15358,9 @@
             </a:xfrm>
             <a:custGeom>
               <a:avLst/>
+              <a:gdLst/>
               <a:ahLst/>
+              <a:cxnLst/>
               <a:rect l="l" t="t" r="r" b="b"/>
               <a:pathLst>
                 <a:path w="170180" h="257810">
@@ -14919,8 +15411,11 @@
             </a:solidFill>
           </p:spPr>
           <p:txBody>
-            <a:bodyPr bIns="0" lIns="0" rIns="0" rtlCol="0" tIns="0" wrap="square"/>
-            <a:p/>
+            <a:bodyPr wrap="square" lIns="0" tIns="0" rIns="0" bIns="0" rtlCol="0"/>
+            <a:lstStyle/>
+            <a:p>
+              <a:endParaRPr/>
+            </a:p>
           </p:txBody>
         </p:sp>
         <p:sp>
@@ -14936,7 +15431,9 @@
             </a:xfrm>
             <a:custGeom>
               <a:avLst/>
+              <a:gdLst/>
               <a:ahLst/>
+              <a:cxnLst/>
               <a:rect l="l" t="t" r="r" b="b"/>
               <a:pathLst>
                 <a:path w="170180" h="257810">
@@ -14987,8 +15484,11 @@
             </a:ln>
           </p:spPr>
           <p:txBody>
-            <a:bodyPr bIns="0" lIns="0" rIns="0" rtlCol="0" tIns="0" wrap="square"/>
-            <a:p/>
+            <a:bodyPr wrap="square" lIns="0" tIns="0" rIns="0" bIns="0" rtlCol="0"/>
+            <a:lstStyle/>
+            <a:p>
+              <a:endParaRPr/>
+            </a:p>
           </p:txBody>
         </p:sp>
         <p:sp>
@@ -15004,7 +15504,9 @@
             </a:xfrm>
             <a:custGeom>
               <a:avLst/>
+              <a:gdLst/>
               <a:ahLst/>
+              <a:cxnLst/>
               <a:rect l="l" t="t" r="r" b="b"/>
               <a:pathLst>
                 <a:path w="151130" h="257810">
@@ -15229,8 +15731,11 @@
             </a:solidFill>
           </p:spPr>
           <p:txBody>
-            <a:bodyPr bIns="0" lIns="0" rIns="0" rtlCol="0" tIns="0" wrap="square"/>
-            <a:p/>
+            <a:bodyPr wrap="square" lIns="0" tIns="0" rIns="0" bIns="0" rtlCol="0"/>
+            <a:lstStyle/>
+            <a:p>
+              <a:endParaRPr/>
+            </a:p>
           </p:txBody>
         </p:sp>
         <p:sp>
@@ -15246,7 +15751,9 @@
             </a:xfrm>
             <a:custGeom>
               <a:avLst/>
+              <a:gdLst/>
               <a:ahLst/>
+              <a:cxnLst/>
               <a:rect l="l" t="t" r="r" b="b"/>
               <a:pathLst>
                 <a:path w="151130" h="257810">
@@ -15555,8 +16062,11 @@
             </a:ln>
           </p:spPr>
           <p:txBody>
-            <a:bodyPr bIns="0" lIns="0" rIns="0" rtlCol="0" tIns="0" wrap="square"/>
-            <a:p/>
+            <a:bodyPr wrap="square" lIns="0" tIns="0" rIns="0" bIns="0" rtlCol="0"/>
+            <a:lstStyle/>
+            <a:p>
+              <a:endParaRPr/>
+            </a:p>
           </p:txBody>
         </p:sp>
         <p:sp>
@@ -15572,7 +16082,9 @@
             </a:xfrm>
             <a:custGeom>
               <a:avLst/>
+              <a:gdLst/>
               <a:ahLst/>
+              <a:cxnLst/>
               <a:rect l="l" t="t" r="r" b="b"/>
               <a:pathLst>
                 <a:path w="121919" h="257810">
@@ -15638,8 +16150,11 @@
             </a:solidFill>
           </p:spPr>
           <p:txBody>
-            <a:bodyPr bIns="0" lIns="0" rIns="0" rtlCol="0" tIns="0" wrap="square"/>
-            <a:p/>
+            <a:bodyPr wrap="square" lIns="0" tIns="0" rIns="0" bIns="0" rtlCol="0"/>
+            <a:lstStyle/>
+            <a:p>
+              <a:endParaRPr/>
+            </a:p>
           </p:txBody>
         </p:sp>
         <p:sp>
@@ -15655,7 +16170,9 @@
             </a:xfrm>
             <a:custGeom>
               <a:avLst/>
+              <a:gdLst/>
               <a:ahLst/>
+              <a:cxnLst/>
               <a:rect l="l" t="t" r="r" b="b"/>
               <a:pathLst>
                 <a:path w="121919" h="257810">
@@ -15709,8 +16226,11 @@
             </a:ln>
           </p:spPr>
           <p:txBody>
-            <a:bodyPr bIns="0" lIns="0" rIns="0" rtlCol="0" tIns="0" wrap="square"/>
-            <a:p/>
+            <a:bodyPr wrap="square" lIns="0" tIns="0" rIns="0" bIns="0" rtlCol="0"/>
+            <a:lstStyle/>
+            <a:p>
+              <a:endParaRPr/>
+            </a:p>
           </p:txBody>
         </p:sp>
         <p:sp>
@@ -15726,7 +16246,9 @@
             </a:xfrm>
             <a:custGeom>
               <a:avLst/>
+              <a:gdLst/>
               <a:ahLst/>
+              <a:cxnLst/>
               <a:rect l="l" t="t" r="r" b="b"/>
               <a:pathLst>
                 <a:path w="177800" h="257810">
@@ -15816,8 +16338,11 @@
             </a:solidFill>
           </p:spPr>
           <p:txBody>
-            <a:bodyPr bIns="0" lIns="0" rIns="0" rtlCol="0" tIns="0" wrap="square"/>
-            <a:p/>
+            <a:bodyPr wrap="square" lIns="0" tIns="0" rIns="0" bIns="0" rtlCol="0"/>
+            <a:lstStyle/>
+            <a:p>
+              <a:endParaRPr/>
+            </a:p>
           </p:txBody>
         </p:sp>
         <p:sp>
@@ -15833,7 +16358,9 @@
             </a:xfrm>
             <a:custGeom>
               <a:avLst/>
+              <a:gdLst/>
               <a:ahLst/>
+              <a:cxnLst/>
               <a:rect l="l" t="t" r="r" b="b"/>
               <a:pathLst>
                 <a:path w="177800" h="257810">
@@ -15896,8 +16423,11 @@
             </a:ln>
           </p:spPr>
           <p:txBody>
-            <a:bodyPr bIns="0" lIns="0" rIns="0" rtlCol="0" tIns="0" wrap="square"/>
-            <a:p/>
+            <a:bodyPr wrap="square" lIns="0" tIns="0" rIns="0" bIns="0" rtlCol="0"/>
+            <a:lstStyle/>
+            <a:p>
+              <a:endParaRPr/>
+            </a:p>
           </p:txBody>
         </p:sp>
         <p:sp>
@@ -15913,7 +16443,9 @@
             </a:xfrm>
             <a:custGeom>
               <a:avLst/>
+              <a:gdLst/>
               <a:ahLst/>
+              <a:cxnLst/>
               <a:rect l="l" t="t" r="r" b="b"/>
               <a:pathLst>
                 <a:path w="170180" h="257810">
@@ -15964,8 +16496,11 @@
             </a:solidFill>
           </p:spPr>
           <p:txBody>
-            <a:bodyPr bIns="0" lIns="0" rIns="0" rtlCol="0" tIns="0" wrap="square"/>
-            <a:p/>
+            <a:bodyPr wrap="square" lIns="0" tIns="0" rIns="0" bIns="0" rtlCol="0"/>
+            <a:lstStyle/>
+            <a:p>
+              <a:endParaRPr/>
+            </a:p>
           </p:txBody>
         </p:sp>
         <p:sp>
@@ -15981,7 +16516,9 @@
             </a:xfrm>
             <a:custGeom>
               <a:avLst/>
+              <a:gdLst/>
               <a:ahLst/>
+              <a:cxnLst/>
               <a:rect l="l" t="t" r="r" b="b"/>
               <a:pathLst>
                 <a:path w="170180" h="257810">
@@ -16032,8 +16569,11 @@
             </a:ln>
           </p:spPr>
           <p:txBody>
-            <a:bodyPr bIns="0" lIns="0" rIns="0" rtlCol="0" tIns="0" wrap="square"/>
-            <a:p/>
+            <a:bodyPr wrap="square" lIns="0" tIns="0" rIns="0" bIns="0" rtlCol="0"/>
+            <a:lstStyle/>
+            <a:p>
+              <a:endParaRPr/>
+            </a:p>
           </p:txBody>
         </p:sp>
         <p:sp>
@@ -16049,7 +16589,9 @@
             </a:xfrm>
             <a:custGeom>
               <a:avLst/>
+              <a:gdLst/>
               <a:ahLst/>
+              <a:cxnLst/>
               <a:rect l="l" t="t" r="r" b="b"/>
               <a:pathLst>
                 <a:path w="162560" h="257810">
@@ -16604,8 +17146,11 @@
             </a:solidFill>
           </p:spPr>
           <p:txBody>
-            <a:bodyPr bIns="0" lIns="0" rIns="0" rtlCol="0" tIns="0" wrap="square"/>
-            <a:p/>
+            <a:bodyPr wrap="square" lIns="0" tIns="0" rIns="0" bIns="0" rtlCol="0"/>
+            <a:lstStyle/>
+            <a:p>
+              <a:endParaRPr/>
+            </a:p>
           </p:txBody>
         </p:sp>
         <p:sp>
@@ -16621,7 +17166,9 @@
             </a:xfrm>
             <a:custGeom>
               <a:avLst/>
+              <a:gdLst/>
               <a:ahLst/>
+              <a:cxnLst/>
               <a:rect l="l" t="t" r="r" b="b"/>
               <a:pathLst>
                 <a:path w="162560" h="257810">
@@ -17347,8 +17894,11 @@
             </a:ln>
           </p:spPr>
           <p:txBody>
-            <a:bodyPr bIns="0" lIns="0" rIns="0" rtlCol="0" tIns="0" wrap="square"/>
-            <a:p/>
+            <a:bodyPr wrap="square" lIns="0" tIns="0" rIns="0" bIns="0" rtlCol="0"/>
+            <a:lstStyle/>
+            <a:p>
+              <a:endParaRPr/>
+            </a:p>
           </p:txBody>
         </p:sp>
         <p:sp>
@@ -17364,7 +17914,9 @@
             </a:xfrm>
             <a:custGeom>
               <a:avLst/>
+              <a:gdLst/>
               <a:ahLst/>
+              <a:cxnLst/>
               <a:rect l="l" t="t" r="r" b="b"/>
               <a:pathLst>
                 <a:path w="71119" h="248920">
@@ -17400,8 +17952,11 @@
             </a:solidFill>
           </p:spPr>
           <p:txBody>
-            <a:bodyPr bIns="0" lIns="0" rIns="0" rtlCol="0" tIns="0" wrap="square"/>
-            <a:p/>
+            <a:bodyPr wrap="square" lIns="0" tIns="0" rIns="0" bIns="0" rtlCol="0"/>
+            <a:lstStyle/>
+            <a:p>
+              <a:endParaRPr/>
+            </a:p>
           </p:txBody>
         </p:sp>
         <p:sp>
@@ -17417,7 +17972,9 @@
             </a:xfrm>
             <a:custGeom>
               <a:avLst/>
+              <a:gdLst/>
               <a:ahLst/>
+              <a:cxnLst/>
               <a:rect l="l" t="t" r="r" b="b"/>
               <a:pathLst>
                 <a:path w="71119" h="248920">
@@ -17447,8 +18004,11 @@
             </a:ln>
           </p:spPr>
           <p:txBody>
-            <a:bodyPr bIns="0" lIns="0" rIns="0" rtlCol="0" tIns="0" wrap="square"/>
-            <a:p/>
+            <a:bodyPr wrap="square" lIns="0" tIns="0" rIns="0" bIns="0" rtlCol="0"/>
+            <a:lstStyle/>
+            <a:p>
+              <a:endParaRPr/>
+            </a:p>
           </p:txBody>
         </p:sp>
         <p:sp>
@@ -17462,17 +18022,22 @@
               <a:off x="2094230" y="5706109"/>
               <a:ext cx="165100" cy="248920"/>
             </a:xfrm>
-            <a:prstGeom prst="rect"/>
+            <a:prstGeom prst="rect">
+              <a:avLst/>
+            </a:prstGeom>
             <a:blipFill>
-              <a:blip xmlns:r="http://schemas.openxmlformats.org/officeDocument/2006/relationships" r:embed="rId12" cstate="print"/>
+              <a:blip r:embed="rId13" cstate="print"/>
               <a:stretch>
                 <a:fillRect/>
               </a:stretch>
             </a:blipFill>
           </p:spPr>
           <p:txBody>
-            <a:bodyPr bIns="0" lIns="0" rIns="0" rtlCol="0" tIns="0" wrap="square"/>
-            <a:p/>
+            <a:bodyPr wrap="square" lIns="0" tIns="0" rIns="0" bIns="0" rtlCol="0"/>
+            <a:lstStyle/>
+            <a:p>
+              <a:endParaRPr/>
+            </a:p>
           </p:txBody>
         </p:sp>
         <p:sp>
@@ -17488,7 +18053,9 @@
             </a:xfrm>
             <a:custGeom>
               <a:avLst/>
+              <a:gdLst/>
               <a:ahLst/>
+              <a:cxnLst/>
               <a:rect l="l" t="t" r="r" b="b"/>
               <a:pathLst>
                 <a:path w="165100" h="248920">
@@ -17809,8 +18376,11 @@
             </a:ln>
           </p:spPr>
           <p:txBody>
-            <a:bodyPr bIns="0" lIns="0" rIns="0" rtlCol="0" tIns="0" wrap="square"/>
-            <a:p/>
+            <a:bodyPr wrap="square" lIns="0" tIns="0" rIns="0" bIns="0" rtlCol="0"/>
+            <a:lstStyle/>
+            <a:p>
+              <a:endParaRPr/>
+            </a:p>
           </p:txBody>
         </p:sp>
         <p:sp>
@@ -17826,7 +18396,9 @@
             </a:xfrm>
             <a:custGeom>
               <a:avLst/>
+              <a:gdLst/>
               <a:ahLst/>
+              <a:cxnLst/>
               <a:rect l="l" t="t" r="r" b="b"/>
               <a:pathLst>
                 <a:path w="124460" h="248920">
@@ -17892,8 +18464,11 @@
             </a:solidFill>
           </p:spPr>
           <p:txBody>
-            <a:bodyPr bIns="0" lIns="0" rIns="0" rtlCol="0" tIns="0" wrap="square"/>
-            <a:p/>
+            <a:bodyPr wrap="square" lIns="0" tIns="0" rIns="0" bIns="0" rtlCol="0"/>
+            <a:lstStyle/>
+            <a:p>
+              <a:endParaRPr/>
+            </a:p>
           </p:txBody>
         </p:sp>
         <p:sp>
@@ -17909,7 +18484,9 @@
             </a:xfrm>
             <a:custGeom>
               <a:avLst/>
+              <a:gdLst/>
               <a:ahLst/>
+              <a:cxnLst/>
               <a:rect l="l" t="t" r="r" b="b"/>
               <a:pathLst>
                 <a:path w="124460" h="248920">
@@ -17963,8 +18540,11 @@
             </a:ln>
           </p:spPr>
           <p:txBody>
-            <a:bodyPr bIns="0" lIns="0" rIns="0" rtlCol="0" tIns="0" wrap="square"/>
-            <a:p/>
+            <a:bodyPr wrap="square" lIns="0" tIns="0" rIns="0" bIns="0" rtlCol="0"/>
+            <a:lstStyle/>
+            <a:p>
+              <a:endParaRPr/>
+            </a:p>
           </p:txBody>
         </p:sp>
         <p:sp>
@@ -17980,7 +18560,9 @@
             </a:xfrm>
             <a:custGeom>
               <a:avLst/>
+              <a:gdLst/>
               <a:ahLst/>
+              <a:cxnLst/>
               <a:rect l="l" t="t" r="r" b="b"/>
               <a:pathLst>
                 <a:path w="114300" h="248920">
@@ -18025,8 +18607,11 @@
             </a:solidFill>
           </p:spPr>
           <p:txBody>
-            <a:bodyPr bIns="0" lIns="0" rIns="0" rtlCol="0" tIns="0" wrap="square"/>
-            <a:p/>
+            <a:bodyPr wrap="square" lIns="0" tIns="0" rIns="0" bIns="0" rtlCol="0"/>
+            <a:lstStyle/>
+            <a:p>
+              <a:endParaRPr/>
+            </a:p>
           </p:txBody>
         </p:sp>
         <p:sp>
@@ -18042,7 +18627,9 @@
             </a:xfrm>
             <a:custGeom>
               <a:avLst/>
+              <a:gdLst/>
               <a:ahLst/>
+              <a:cxnLst/>
               <a:rect l="l" t="t" r="r" b="b"/>
               <a:pathLst>
                 <a:path w="114300" h="248920">
@@ -18078,8 +18665,11 @@
             </a:ln>
           </p:spPr>
           <p:txBody>
-            <a:bodyPr bIns="0" lIns="0" rIns="0" rtlCol="0" tIns="0" wrap="square"/>
-            <a:p/>
+            <a:bodyPr wrap="square" lIns="0" tIns="0" rIns="0" bIns="0" rtlCol="0"/>
+            <a:lstStyle/>
+            <a:p>
+              <a:endParaRPr/>
+            </a:p>
           </p:txBody>
         </p:sp>
         <p:sp>
@@ -18095,7 +18685,9 @@
             </a:xfrm>
             <a:custGeom>
               <a:avLst/>
+              <a:gdLst/>
               <a:ahLst/>
+              <a:cxnLst/>
               <a:rect l="l" t="t" r="r" b="b"/>
               <a:pathLst>
                 <a:path w="165100" h="257810">
@@ -18509,8 +19101,11 @@
             </a:solidFill>
           </p:spPr>
           <p:txBody>
-            <a:bodyPr bIns="0" lIns="0" rIns="0" rtlCol="0" tIns="0" wrap="square"/>
-            <a:p/>
+            <a:bodyPr wrap="square" lIns="0" tIns="0" rIns="0" bIns="0" rtlCol="0"/>
+            <a:lstStyle/>
+            <a:p>
+              <a:endParaRPr/>
+            </a:p>
           </p:txBody>
         </p:sp>
         <p:sp>
@@ -18526,7 +19121,9 @@
             </a:xfrm>
             <a:custGeom>
               <a:avLst/>
+              <a:gdLst/>
               <a:ahLst/>
+              <a:cxnLst/>
               <a:rect l="l" t="t" r="r" b="b"/>
               <a:pathLst>
                 <a:path w="165100" h="257810">
@@ -19051,8 +19648,11 @@
             </a:ln>
           </p:spPr>
           <p:txBody>
-            <a:bodyPr bIns="0" lIns="0" rIns="0" rtlCol="0" tIns="0" wrap="square"/>
-            <a:p/>
+            <a:bodyPr wrap="square" lIns="0" tIns="0" rIns="0" bIns="0" rtlCol="0"/>
+            <a:lstStyle/>
+            <a:p>
+              <a:endParaRPr/>
+            </a:p>
           </p:txBody>
         </p:sp>
         <p:sp>
@@ -19066,17 +19666,22 @@
               <a:off x="2813050" y="5706109"/>
               <a:ext cx="165100" cy="248920"/>
             </a:xfrm>
-            <a:prstGeom prst="rect"/>
+            <a:prstGeom prst="rect">
+              <a:avLst/>
+            </a:prstGeom>
             <a:blipFill>
-              <a:blip xmlns:r="http://schemas.openxmlformats.org/officeDocument/2006/relationships" r:embed="rId13" cstate="print"/>
+              <a:blip r:embed="rId14" cstate="print"/>
               <a:stretch>
                 <a:fillRect/>
               </a:stretch>
             </a:blipFill>
           </p:spPr>
           <p:txBody>
-            <a:bodyPr bIns="0" lIns="0" rIns="0" rtlCol="0" tIns="0" wrap="square"/>
-            <a:p/>
+            <a:bodyPr wrap="square" lIns="0" tIns="0" rIns="0" bIns="0" rtlCol="0"/>
+            <a:lstStyle/>
+            <a:p>
+              <a:endParaRPr/>
+            </a:p>
           </p:txBody>
         </p:sp>
         <p:sp>
@@ -19092,7 +19697,9 @@
             </a:xfrm>
             <a:custGeom>
               <a:avLst/>
+              <a:gdLst/>
               <a:ahLst/>
+              <a:cxnLst/>
               <a:rect l="l" t="t" r="r" b="b"/>
               <a:pathLst>
                 <a:path w="165100" h="248920">
@@ -19602,8 +20209,11 @@
             </a:ln>
           </p:spPr>
           <p:txBody>
-            <a:bodyPr bIns="0" lIns="0" rIns="0" rtlCol="0" tIns="0" wrap="square"/>
-            <a:p/>
+            <a:bodyPr wrap="square" lIns="0" tIns="0" rIns="0" bIns="0" rtlCol="0"/>
+            <a:lstStyle/>
+            <a:p>
+              <a:endParaRPr/>
+            </a:p>
           </p:txBody>
         </p:sp>
         <p:sp>
@@ -19619,7 +20229,9 @@
             </a:xfrm>
             <a:custGeom>
               <a:avLst/>
+              <a:gdLst/>
               <a:ahLst/>
+              <a:cxnLst/>
               <a:rect l="l" t="t" r="r" b="b"/>
               <a:pathLst>
                 <a:path w="123189" h="248920">
@@ -19685,8 +20297,11 @@
             </a:solidFill>
           </p:spPr>
           <p:txBody>
-            <a:bodyPr bIns="0" lIns="0" rIns="0" rtlCol="0" tIns="0" wrap="square"/>
-            <a:p/>
+            <a:bodyPr wrap="square" lIns="0" tIns="0" rIns="0" bIns="0" rtlCol="0"/>
+            <a:lstStyle/>
+            <a:p>
+              <a:endParaRPr/>
+            </a:p>
           </p:txBody>
         </p:sp>
         <p:sp>
@@ -19702,7 +20317,9 @@
             </a:xfrm>
             <a:custGeom>
               <a:avLst/>
+              <a:gdLst/>
               <a:ahLst/>
+              <a:cxnLst/>
               <a:rect l="l" t="t" r="r" b="b"/>
               <a:pathLst>
                 <a:path w="123189" h="248920">
@@ -19756,8 +20373,11 @@
             </a:ln>
           </p:spPr>
           <p:txBody>
-            <a:bodyPr bIns="0" lIns="0" rIns="0" rtlCol="0" tIns="0" wrap="square"/>
-            <a:p/>
+            <a:bodyPr wrap="square" lIns="0" tIns="0" rIns="0" bIns="0" rtlCol="0"/>
+            <a:lstStyle/>
+            <a:p>
+              <a:endParaRPr/>
+            </a:p>
           </p:txBody>
         </p:sp>
         <p:sp>
@@ -19773,7 +20393,9 @@
             </a:xfrm>
             <a:custGeom>
               <a:avLst/>
+              <a:gdLst/>
               <a:ahLst/>
+              <a:cxnLst/>
               <a:rect l="l" t="t" r="r" b="b"/>
               <a:pathLst>
                 <a:path w="114300" h="248920">
@@ -19818,8 +20440,11 @@
             </a:solidFill>
           </p:spPr>
           <p:txBody>
-            <a:bodyPr bIns="0" lIns="0" rIns="0" rtlCol="0" tIns="0" wrap="square"/>
-            <a:p/>
+            <a:bodyPr wrap="square" lIns="0" tIns="0" rIns="0" bIns="0" rtlCol="0"/>
+            <a:lstStyle/>
+            <a:p>
+              <a:endParaRPr/>
+            </a:p>
           </p:txBody>
         </p:sp>
         <p:sp>
@@ -19835,7 +20460,9 @@
             </a:xfrm>
             <a:custGeom>
               <a:avLst/>
+              <a:gdLst/>
               <a:ahLst/>
+              <a:cxnLst/>
               <a:rect l="l" t="t" r="r" b="b"/>
               <a:pathLst>
                 <a:path w="114300" h="248920">
@@ -19871,8 +20498,11 @@
             </a:ln>
           </p:spPr>
           <p:txBody>
-            <a:bodyPr bIns="0" lIns="0" rIns="0" rtlCol="0" tIns="0" wrap="square"/>
-            <a:p/>
+            <a:bodyPr wrap="square" lIns="0" tIns="0" rIns="0" bIns="0" rtlCol="0"/>
+            <a:lstStyle/>
+            <a:p>
+              <a:endParaRPr/>
+            </a:p>
           </p:txBody>
         </p:sp>
         <p:sp>
@@ -19888,7 +20518,9 @@
             </a:xfrm>
             <a:custGeom>
               <a:avLst/>
+              <a:gdLst/>
               <a:ahLst/>
+              <a:cxnLst/>
               <a:rect l="l" t="t" r="r" b="b"/>
               <a:pathLst>
                 <a:path w="123189" h="248920">
@@ -19954,8 +20586,11 @@
             </a:solidFill>
           </p:spPr>
           <p:txBody>
-            <a:bodyPr bIns="0" lIns="0" rIns="0" rtlCol="0" tIns="0" wrap="square"/>
-            <a:p/>
+            <a:bodyPr wrap="square" lIns="0" tIns="0" rIns="0" bIns="0" rtlCol="0"/>
+            <a:lstStyle/>
+            <a:p>
+              <a:endParaRPr/>
+            </a:p>
           </p:txBody>
         </p:sp>
         <p:sp>
@@ -19971,7 +20606,9 @@
             </a:xfrm>
             <a:custGeom>
               <a:avLst/>
+              <a:gdLst/>
               <a:ahLst/>
+              <a:cxnLst/>
               <a:rect l="l" t="t" r="r" b="b"/>
               <a:pathLst>
                 <a:path w="123189" h="248920">
@@ -20025,8 +20662,11 @@
             </a:ln>
           </p:spPr>
           <p:txBody>
-            <a:bodyPr bIns="0" lIns="0" rIns="0" rtlCol="0" tIns="0" wrap="square"/>
-            <a:p/>
+            <a:bodyPr wrap="square" lIns="0" tIns="0" rIns="0" bIns="0" rtlCol="0"/>
+            <a:lstStyle/>
+            <a:p>
+              <a:endParaRPr/>
+            </a:p>
           </p:txBody>
         </p:sp>
         <p:sp>
@@ -20040,17 +20680,22 @@
               <a:off x="3469639" y="5706109"/>
               <a:ext cx="185420" cy="248920"/>
             </a:xfrm>
-            <a:prstGeom prst="rect"/>
+            <a:prstGeom prst="rect">
+              <a:avLst/>
+            </a:prstGeom>
             <a:blipFill>
-              <a:blip xmlns:r="http://schemas.openxmlformats.org/officeDocument/2006/relationships" r:embed="rId14" cstate="print"/>
+              <a:blip r:embed="rId15" cstate="print"/>
               <a:stretch>
                 <a:fillRect/>
               </a:stretch>
             </a:blipFill>
           </p:spPr>
           <p:txBody>
-            <a:bodyPr bIns="0" lIns="0" rIns="0" rtlCol="0" tIns="0" wrap="square"/>
-            <a:p/>
+            <a:bodyPr wrap="square" lIns="0" tIns="0" rIns="0" bIns="0" rtlCol="0"/>
+            <a:lstStyle/>
+            <a:p>
+              <a:endParaRPr/>
+            </a:p>
           </p:txBody>
         </p:sp>
         <p:sp>
@@ -20066,7 +20711,9 @@
             </a:xfrm>
             <a:custGeom>
               <a:avLst/>
+              <a:gdLst/>
               <a:ahLst/>
+              <a:cxnLst/>
               <a:rect l="l" t="t" r="r" b="b"/>
               <a:pathLst>
                 <a:path w="185420" h="248920">
@@ -20108,8 +20755,11 @@
             </a:ln>
           </p:spPr>
           <p:txBody>
-            <a:bodyPr bIns="0" lIns="0" rIns="0" rtlCol="0" tIns="0" wrap="square"/>
-            <a:p/>
+            <a:bodyPr wrap="square" lIns="0" tIns="0" rIns="0" bIns="0" rtlCol="0"/>
+            <a:lstStyle/>
+            <a:p>
+              <a:endParaRPr/>
+            </a:p>
           </p:txBody>
         </p:sp>
         <p:sp>
@@ -20125,7 +20775,9 @@
             </a:xfrm>
             <a:custGeom>
               <a:avLst/>
+              <a:gdLst/>
               <a:ahLst/>
+              <a:cxnLst/>
               <a:rect l="l" t="t" r="r" b="b"/>
               <a:pathLst>
                 <a:path w="124460" h="248920">
@@ -20191,8 +20843,11 @@
             </a:solidFill>
           </p:spPr>
           <p:txBody>
-            <a:bodyPr bIns="0" lIns="0" rIns="0" rtlCol="0" tIns="0" wrap="square"/>
-            <a:p/>
+            <a:bodyPr wrap="square" lIns="0" tIns="0" rIns="0" bIns="0" rtlCol="0"/>
+            <a:lstStyle/>
+            <a:p>
+              <a:endParaRPr/>
+            </a:p>
           </p:txBody>
         </p:sp>
         <p:sp>
@@ -20208,7 +20863,9 @@
             </a:xfrm>
             <a:custGeom>
               <a:avLst/>
+              <a:gdLst/>
               <a:ahLst/>
+              <a:cxnLst/>
               <a:rect l="l" t="t" r="r" b="b"/>
               <a:pathLst>
                 <a:path w="124460" h="248920">
@@ -20262,8 +20919,11 @@
             </a:ln>
           </p:spPr>
           <p:txBody>
-            <a:bodyPr bIns="0" lIns="0" rIns="0" rtlCol="0" tIns="0" wrap="square"/>
-            <a:p/>
+            <a:bodyPr wrap="square" lIns="0" tIns="0" rIns="0" bIns="0" rtlCol="0"/>
+            <a:lstStyle/>
+            <a:p>
+              <a:endParaRPr/>
+            </a:p>
           </p:txBody>
         </p:sp>
         <p:sp>
@@ -20279,7 +20939,9 @@
             </a:xfrm>
             <a:custGeom>
               <a:avLst/>
+              <a:gdLst/>
               <a:ahLst/>
+              <a:cxnLst/>
               <a:rect l="l" t="t" r="r" b="b"/>
               <a:pathLst>
                 <a:path w="114300" h="248920">
@@ -20324,8 +20986,11 @@
             </a:solidFill>
           </p:spPr>
           <p:txBody>
-            <a:bodyPr bIns="0" lIns="0" rIns="0" rtlCol="0" tIns="0" wrap="square"/>
-            <a:p/>
+            <a:bodyPr wrap="square" lIns="0" tIns="0" rIns="0" bIns="0" rtlCol="0"/>
+            <a:lstStyle/>
+            <a:p>
+              <a:endParaRPr/>
+            </a:p>
           </p:txBody>
         </p:sp>
         <p:sp>
@@ -20341,7 +21006,9 @@
             </a:xfrm>
             <a:custGeom>
               <a:avLst/>
+              <a:gdLst/>
               <a:ahLst/>
+              <a:cxnLst/>
               <a:rect l="l" t="t" r="r" b="b"/>
               <a:pathLst>
                 <a:path w="114300" h="248920">
@@ -20377,8 +21044,11 @@
             </a:ln>
           </p:spPr>
           <p:txBody>
-            <a:bodyPr bIns="0" lIns="0" rIns="0" rtlCol="0" tIns="0" wrap="square"/>
-            <a:p/>
+            <a:bodyPr wrap="square" lIns="0" tIns="0" rIns="0" bIns="0" rtlCol="0"/>
+            <a:lstStyle/>
+            <a:p>
+              <a:endParaRPr/>
+            </a:p>
           </p:txBody>
         </p:sp>
         <p:sp>
@@ -20394,7 +21064,9 @@
             </a:xfrm>
             <a:custGeom>
               <a:avLst/>
+              <a:gdLst/>
               <a:ahLst/>
+              <a:cxnLst/>
               <a:rect l="l" t="t" r="r" b="b"/>
               <a:pathLst>
                 <a:path w="162560" h="257810">
@@ -20946,8 +21618,11 @@
             </a:solidFill>
           </p:spPr>
           <p:txBody>
-            <a:bodyPr bIns="0" lIns="0" rIns="0" rtlCol="0" tIns="0" wrap="square"/>
-            <a:p/>
+            <a:bodyPr wrap="square" lIns="0" tIns="0" rIns="0" bIns="0" rtlCol="0"/>
+            <a:lstStyle/>
+            <a:p>
+              <a:endParaRPr/>
+            </a:p>
           </p:txBody>
         </p:sp>
         <p:sp>
@@ -20963,7 +21638,9 @@
             </a:xfrm>
             <a:custGeom>
               <a:avLst/>
+              <a:gdLst/>
               <a:ahLst/>
+              <a:cxnLst/>
               <a:rect l="l" t="t" r="r" b="b"/>
               <a:pathLst>
                 <a:path w="162560" h="257810">
@@ -21674,8 +22351,11 @@
             </a:ln>
           </p:spPr>
           <p:txBody>
-            <a:bodyPr bIns="0" lIns="0" rIns="0" rtlCol="0" tIns="0" wrap="square"/>
-            <a:p/>
+            <a:bodyPr wrap="square" lIns="0" tIns="0" rIns="0" bIns="0" rtlCol="0"/>
+            <a:lstStyle/>
+            <a:p>
+              <a:endParaRPr/>
+            </a:p>
           </p:txBody>
         </p:sp>
         <p:sp>
@@ -21691,7 +22371,9 @@
             </a:xfrm>
             <a:custGeom>
               <a:avLst/>
+              <a:gdLst/>
               <a:ahLst/>
+              <a:cxnLst/>
               <a:rect l="l" t="t" r="r" b="b"/>
               <a:pathLst>
                 <a:path w="71119" h="247650">
@@ -21721,8 +22403,11 @@
             </a:solidFill>
           </p:spPr>
           <p:txBody>
-            <a:bodyPr bIns="0" lIns="0" rIns="0" rtlCol="0" tIns="0" wrap="square"/>
-            <a:p/>
+            <a:bodyPr wrap="square" lIns="0" tIns="0" rIns="0" bIns="0" rtlCol="0"/>
+            <a:lstStyle/>
+            <a:p>
+              <a:endParaRPr/>
+            </a:p>
           </p:txBody>
         </p:sp>
         <p:sp>
@@ -21738,7 +22423,9 @@
             </a:xfrm>
             <a:custGeom>
               <a:avLst/>
+              <a:gdLst/>
               <a:ahLst/>
+              <a:cxnLst/>
               <a:rect l="l" t="t" r="r" b="b"/>
               <a:pathLst>
                 <a:path w="71119" h="247650">
@@ -21768,8 +22455,11 @@
             </a:ln>
           </p:spPr>
           <p:txBody>
-            <a:bodyPr bIns="0" lIns="0" rIns="0" rtlCol="0" tIns="0" wrap="square"/>
-            <a:p/>
+            <a:bodyPr wrap="square" lIns="0" tIns="0" rIns="0" bIns="0" rtlCol="0"/>
+            <a:lstStyle/>
+            <a:p>
+              <a:endParaRPr/>
+            </a:p>
           </p:txBody>
         </p:sp>
         <p:sp>
@@ -21783,17 +22473,22 @@
               <a:off x="2081530" y="5694679"/>
               <a:ext cx="165100" cy="247650"/>
             </a:xfrm>
-            <a:prstGeom prst="rect"/>
+            <a:prstGeom prst="rect">
+              <a:avLst/>
+            </a:prstGeom>
             <a:blipFill>
-              <a:blip xmlns:r="http://schemas.openxmlformats.org/officeDocument/2006/relationships" r:embed="rId15" cstate="print"/>
+              <a:blip r:embed="rId16" cstate="print"/>
               <a:stretch>
                 <a:fillRect/>
               </a:stretch>
             </a:blipFill>
           </p:spPr>
           <p:txBody>
-            <a:bodyPr bIns="0" lIns="0" rIns="0" rtlCol="0" tIns="0" wrap="square"/>
-            <a:p/>
+            <a:bodyPr wrap="square" lIns="0" tIns="0" rIns="0" bIns="0" rtlCol="0"/>
+            <a:lstStyle/>
+            <a:p>
+              <a:endParaRPr/>
+            </a:p>
           </p:txBody>
         </p:sp>
         <p:sp>
@@ -21809,7 +22504,9 @@
             </a:xfrm>
             <a:custGeom>
               <a:avLst/>
+              <a:gdLst/>
               <a:ahLst/>
+              <a:cxnLst/>
               <a:rect l="l" t="t" r="r" b="b"/>
               <a:pathLst>
                 <a:path w="165100" h="247650">
@@ -22127,8 +22824,11 @@
             </a:ln>
           </p:spPr>
           <p:txBody>
-            <a:bodyPr bIns="0" lIns="0" rIns="0" rtlCol="0" tIns="0" wrap="square"/>
-            <a:p/>
+            <a:bodyPr wrap="square" lIns="0" tIns="0" rIns="0" bIns="0" rtlCol="0"/>
+            <a:lstStyle/>
+            <a:p>
+              <a:endParaRPr/>
+            </a:p>
           </p:txBody>
         </p:sp>
         <p:sp>
@@ -22144,7 +22844,9 @@
             </a:xfrm>
             <a:custGeom>
               <a:avLst/>
+              <a:gdLst/>
               <a:ahLst/>
+              <a:cxnLst/>
               <a:rect l="l" t="t" r="r" b="b"/>
               <a:pathLst>
                 <a:path w="124460" h="247650">
@@ -22210,8 +22912,11 @@
             </a:solidFill>
           </p:spPr>
           <p:txBody>
-            <a:bodyPr bIns="0" lIns="0" rIns="0" rtlCol="0" tIns="0" wrap="square"/>
-            <a:p/>
+            <a:bodyPr wrap="square" lIns="0" tIns="0" rIns="0" bIns="0" rtlCol="0"/>
+            <a:lstStyle/>
+            <a:p>
+              <a:endParaRPr/>
+            </a:p>
           </p:txBody>
         </p:sp>
         <p:sp>
@@ -22227,7 +22932,9 @@
             </a:xfrm>
             <a:custGeom>
               <a:avLst/>
+              <a:gdLst/>
               <a:ahLst/>
+              <a:cxnLst/>
               <a:rect l="l" t="t" r="r" b="b"/>
               <a:pathLst>
                 <a:path w="124460" h="247650">
@@ -22281,8 +22988,11 @@
             </a:ln>
           </p:spPr>
           <p:txBody>
-            <a:bodyPr bIns="0" lIns="0" rIns="0" rtlCol="0" tIns="0" wrap="square"/>
-            <a:p/>
+            <a:bodyPr wrap="square" lIns="0" tIns="0" rIns="0" bIns="0" rtlCol="0"/>
+            <a:lstStyle/>
+            <a:p>
+              <a:endParaRPr/>
+            </a:p>
           </p:txBody>
         </p:sp>
         <p:sp>
@@ -22298,7 +23008,9 @@
             </a:xfrm>
             <a:custGeom>
               <a:avLst/>
+              <a:gdLst/>
               <a:ahLst/>
+              <a:cxnLst/>
               <a:rect l="l" t="t" r="r" b="b"/>
               <a:pathLst>
                 <a:path w="114300" h="247650">
@@ -22337,8 +23049,11 @@
             </a:solidFill>
           </p:spPr>
           <p:txBody>
-            <a:bodyPr bIns="0" lIns="0" rIns="0" rtlCol="0" tIns="0" wrap="square"/>
-            <a:p/>
+            <a:bodyPr wrap="square" lIns="0" tIns="0" rIns="0" bIns="0" rtlCol="0"/>
+            <a:lstStyle/>
+            <a:p>
+              <a:endParaRPr/>
+            </a:p>
           </p:txBody>
         </p:sp>
         <p:sp>
@@ -22354,7 +23069,9 @@
             </a:xfrm>
             <a:custGeom>
               <a:avLst/>
+              <a:gdLst/>
               <a:ahLst/>
+              <a:cxnLst/>
               <a:rect l="l" t="t" r="r" b="b"/>
               <a:pathLst>
                 <a:path w="114300" h="247650">
@@ -22390,8 +23107,11 @@
             </a:ln>
           </p:spPr>
           <p:txBody>
-            <a:bodyPr bIns="0" lIns="0" rIns="0" rtlCol="0" tIns="0" wrap="square"/>
-            <a:p/>
+            <a:bodyPr wrap="square" lIns="0" tIns="0" rIns="0" bIns="0" rtlCol="0"/>
+            <a:lstStyle/>
+            <a:p>
+              <a:endParaRPr/>
+            </a:p>
           </p:txBody>
         </p:sp>
         <p:sp>
@@ -22407,7 +23127,9 @@
             </a:xfrm>
             <a:custGeom>
               <a:avLst/>
+              <a:gdLst/>
               <a:ahLst/>
+              <a:cxnLst/>
               <a:rect l="l" t="t" r="r" b="b"/>
               <a:pathLst>
                 <a:path w="165100" h="257810">
@@ -22803,8 +23525,11 @@
             </a:solidFill>
           </p:spPr>
           <p:txBody>
-            <a:bodyPr bIns="0" lIns="0" rIns="0" rtlCol="0" tIns="0" wrap="square"/>
-            <a:p/>
+            <a:bodyPr wrap="square" lIns="0" tIns="0" rIns="0" bIns="0" rtlCol="0"/>
+            <a:lstStyle/>
+            <a:p>
+              <a:endParaRPr/>
+            </a:p>
           </p:txBody>
         </p:sp>
         <p:sp>
@@ -22820,7 +23545,9 @@
             </a:xfrm>
             <a:custGeom>
               <a:avLst/>
+              <a:gdLst/>
               <a:ahLst/>
+              <a:cxnLst/>
               <a:rect l="l" t="t" r="r" b="b"/>
               <a:pathLst>
                 <a:path w="165100" h="257810">
@@ -23342,8 +24069,11 @@
             </a:ln>
           </p:spPr>
           <p:txBody>
-            <a:bodyPr bIns="0" lIns="0" rIns="0" rtlCol="0" tIns="0" wrap="square"/>
-            <a:p/>
+            <a:bodyPr wrap="square" lIns="0" tIns="0" rIns="0" bIns="0" rtlCol="0"/>
+            <a:lstStyle/>
+            <a:p>
+              <a:endParaRPr/>
+            </a:p>
           </p:txBody>
         </p:sp>
         <p:sp>
@@ -23357,17 +24087,22 @@
               <a:off x="2800350" y="5694679"/>
               <a:ext cx="165100" cy="247650"/>
             </a:xfrm>
-            <a:prstGeom prst="rect"/>
+            <a:prstGeom prst="rect">
+              <a:avLst/>
+            </a:prstGeom>
             <a:blipFill>
-              <a:blip xmlns:r="http://schemas.openxmlformats.org/officeDocument/2006/relationships" r:embed="rId16" cstate="print"/>
+              <a:blip r:embed="rId17" cstate="print"/>
               <a:stretch>
                 <a:fillRect/>
               </a:stretch>
             </a:blipFill>
           </p:spPr>
           <p:txBody>
-            <a:bodyPr bIns="0" lIns="0" rIns="0" rtlCol="0" tIns="0" wrap="square"/>
-            <a:p/>
+            <a:bodyPr wrap="square" lIns="0" tIns="0" rIns="0" bIns="0" rtlCol="0"/>
+            <a:lstStyle/>
+            <a:p>
+              <a:endParaRPr/>
+            </a:p>
           </p:txBody>
         </p:sp>
         <p:sp>
@@ -23383,7 +24118,9 @@
             </a:xfrm>
             <a:custGeom>
               <a:avLst/>
+              <a:gdLst/>
               <a:ahLst/>
+              <a:cxnLst/>
               <a:rect l="l" t="t" r="r" b="b"/>
               <a:pathLst>
                 <a:path w="165100" h="247650">
@@ -23902,8 +24639,11 @@
             </a:ln>
           </p:spPr>
           <p:txBody>
-            <a:bodyPr bIns="0" lIns="0" rIns="0" rtlCol="0" tIns="0" wrap="square"/>
-            <a:p/>
+            <a:bodyPr wrap="square" lIns="0" tIns="0" rIns="0" bIns="0" rtlCol="0"/>
+            <a:lstStyle/>
+            <a:p>
+              <a:endParaRPr/>
+            </a:p>
           </p:txBody>
         </p:sp>
         <p:sp>
@@ -23919,7 +24659,9 @@
             </a:xfrm>
             <a:custGeom>
               <a:avLst/>
+              <a:gdLst/>
               <a:ahLst/>
+              <a:cxnLst/>
               <a:rect l="l" t="t" r="r" b="b"/>
               <a:pathLst>
                 <a:path w="123189" h="247650">
@@ -23985,8 +24727,11 @@
             </a:solidFill>
           </p:spPr>
           <p:txBody>
-            <a:bodyPr bIns="0" lIns="0" rIns="0" rtlCol="0" tIns="0" wrap="square"/>
-            <a:p/>
+            <a:bodyPr wrap="square" lIns="0" tIns="0" rIns="0" bIns="0" rtlCol="0"/>
+            <a:lstStyle/>
+            <a:p>
+              <a:endParaRPr/>
+            </a:p>
           </p:txBody>
         </p:sp>
         <p:sp>
@@ -24002,7 +24747,9 @@
             </a:xfrm>
             <a:custGeom>
               <a:avLst/>
+              <a:gdLst/>
               <a:ahLst/>
+              <a:cxnLst/>
               <a:rect l="l" t="t" r="r" b="b"/>
               <a:pathLst>
                 <a:path w="123189" h="247650">
@@ -24056,8 +24803,11 @@
             </a:ln>
           </p:spPr>
           <p:txBody>
-            <a:bodyPr bIns="0" lIns="0" rIns="0" rtlCol="0" tIns="0" wrap="square"/>
-            <a:p/>
+            <a:bodyPr wrap="square" lIns="0" tIns="0" rIns="0" bIns="0" rtlCol="0"/>
+            <a:lstStyle/>
+            <a:p>
+              <a:endParaRPr/>
+            </a:p>
           </p:txBody>
         </p:sp>
         <p:sp>
@@ -24073,7 +24823,9 @@
             </a:xfrm>
             <a:custGeom>
               <a:avLst/>
+              <a:gdLst/>
               <a:ahLst/>
+              <a:cxnLst/>
               <a:rect l="l" t="t" r="r" b="b"/>
               <a:pathLst>
                 <a:path w="114300" h="247650">
@@ -24112,8 +24864,11 @@
             </a:solidFill>
           </p:spPr>
           <p:txBody>
-            <a:bodyPr bIns="0" lIns="0" rIns="0" rtlCol="0" tIns="0" wrap="square"/>
-            <a:p/>
+            <a:bodyPr wrap="square" lIns="0" tIns="0" rIns="0" bIns="0" rtlCol="0"/>
+            <a:lstStyle/>
+            <a:p>
+              <a:endParaRPr/>
+            </a:p>
           </p:txBody>
         </p:sp>
         <p:sp>
@@ -24129,7 +24884,9 @@
             </a:xfrm>
             <a:custGeom>
               <a:avLst/>
+              <a:gdLst/>
               <a:ahLst/>
+              <a:cxnLst/>
               <a:rect l="l" t="t" r="r" b="b"/>
               <a:pathLst>
                 <a:path w="114300" h="247650">
@@ -24165,8 +24922,11 @@
             </a:ln>
           </p:spPr>
           <p:txBody>
-            <a:bodyPr bIns="0" lIns="0" rIns="0" rtlCol="0" tIns="0" wrap="square"/>
-            <a:p/>
+            <a:bodyPr wrap="square" lIns="0" tIns="0" rIns="0" bIns="0" rtlCol="0"/>
+            <a:lstStyle/>
+            <a:p>
+              <a:endParaRPr/>
+            </a:p>
           </p:txBody>
         </p:sp>
         <p:sp>
@@ -24182,7 +24942,9 @@
             </a:xfrm>
             <a:custGeom>
               <a:avLst/>
+              <a:gdLst/>
               <a:ahLst/>
+              <a:cxnLst/>
               <a:rect l="l" t="t" r="r" b="b"/>
               <a:pathLst>
                 <a:path w="123189" h="247650">
@@ -24248,8 +25010,11 @@
             </a:solidFill>
           </p:spPr>
           <p:txBody>
-            <a:bodyPr bIns="0" lIns="0" rIns="0" rtlCol="0" tIns="0" wrap="square"/>
-            <a:p/>
+            <a:bodyPr wrap="square" lIns="0" tIns="0" rIns="0" bIns="0" rtlCol="0"/>
+            <a:lstStyle/>
+            <a:p>
+              <a:endParaRPr/>
+            </a:p>
           </p:txBody>
         </p:sp>
         <p:sp>
@@ -24265,7 +25030,9 @@
             </a:xfrm>
             <a:custGeom>
               <a:avLst/>
+              <a:gdLst/>
               <a:ahLst/>
+              <a:cxnLst/>
               <a:rect l="l" t="t" r="r" b="b"/>
               <a:pathLst>
                 <a:path w="123189" h="247650">
@@ -24319,8 +25086,11 @@
             </a:ln>
           </p:spPr>
           <p:txBody>
-            <a:bodyPr bIns="0" lIns="0" rIns="0" rtlCol="0" tIns="0" wrap="square"/>
-            <a:p/>
+            <a:bodyPr wrap="square" lIns="0" tIns="0" rIns="0" bIns="0" rtlCol="0"/>
+            <a:lstStyle/>
+            <a:p>
+              <a:endParaRPr/>
+            </a:p>
           </p:txBody>
         </p:sp>
         <p:sp>
@@ -24334,17 +25104,22 @@
               <a:off x="3456939" y="5694679"/>
               <a:ext cx="185420" cy="247650"/>
             </a:xfrm>
-            <a:prstGeom prst="rect"/>
+            <a:prstGeom prst="rect">
+              <a:avLst/>
+            </a:prstGeom>
             <a:blipFill>
-              <a:blip xmlns:r="http://schemas.openxmlformats.org/officeDocument/2006/relationships" r:embed="rId17" cstate="print"/>
+              <a:blip r:embed="rId18" cstate="print"/>
               <a:stretch>
                 <a:fillRect/>
               </a:stretch>
             </a:blipFill>
           </p:spPr>
           <p:txBody>
-            <a:bodyPr bIns="0" lIns="0" rIns="0" rtlCol="0" tIns="0" wrap="square"/>
-            <a:p/>
+            <a:bodyPr wrap="square" lIns="0" tIns="0" rIns="0" bIns="0" rtlCol="0"/>
+            <a:lstStyle/>
+            <a:p>
+              <a:endParaRPr/>
+            </a:p>
           </p:txBody>
         </p:sp>
         <p:sp>
@@ -24360,7 +25135,9 @@
             </a:xfrm>
             <a:custGeom>
               <a:avLst/>
+              <a:gdLst/>
               <a:ahLst/>
+              <a:cxnLst/>
               <a:rect l="l" t="t" r="r" b="b"/>
               <a:pathLst>
                 <a:path w="185420" h="247650">
@@ -24402,8 +25179,11 @@
             </a:ln>
           </p:spPr>
           <p:txBody>
-            <a:bodyPr bIns="0" lIns="0" rIns="0" rtlCol="0" tIns="0" wrap="square"/>
-            <a:p/>
+            <a:bodyPr wrap="square" lIns="0" tIns="0" rIns="0" bIns="0" rtlCol="0"/>
+            <a:lstStyle/>
+            <a:p>
+              <a:endParaRPr/>
+            </a:p>
           </p:txBody>
         </p:sp>
         <p:sp>
@@ -24419,7 +25199,9 @@
             </a:xfrm>
             <a:custGeom>
               <a:avLst/>
+              <a:gdLst/>
               <a:ahLst/>
+              <a:cxnLst/>
               <a:rect l="l" t="t" r="r" b="b"/>
               <a:pathLst>
                 <a:path w="124460" h="247650">
@@ -24485,8 +25267,11 @@
             </a:solidFill>
           </p:spPr>
           <p:txBody>
-            <a:bodyPr bIns="0" lIns="0" rIns="0" rtlCol="0" tIns="0" wrap="square"/>
-            <a:p/>
+            <a:bodyPr wrap="square" lIns="0" tIns="0" rIns="0" bIns="0" rtlCol="0"/>
+            <a:lstStyle/>
+            <a:p>
+              <a:endParaRPr/>
+            </a:p>
           </p:txBody>
         </p:sp>
         <p:sp>
@@ -24502,7 +25287,9 @@
             </a:xfrm>
             <a:custGeom>
               <a:avLst/>
+              <a:gdLst/>
               <a:ahLst/>
+              <a:cxnLst/>
               <a:rect l="l" t="t" r="r" b="b"/>
               <a:pathLst>
                 <a:path w="124460" h="247650">
@@ -24556,8 +25343,11 @@
             </a:ln>
           </p:spPr>
           <p:txBody>
-            <a:bodyPr bIns="0" lIns="0" rIns="0" rtlCol="0" tIns="0" wrap="square"/>
-            <a:p/>
+            <a:bodyPr wrap="square" lIns="0" tIns="0" rIns="0" bIns="0" rtlCol="0"/>
+            <a:lstStyle/>
+            <a:p>
+              <a:endParaRPr/>
+            </a:p>
           </p:txBody>
         </p:sp>
         <p:sp>
@@ -24573,7 +25363,9 @@
             </a:xfrm>
             <a:custGeom>
               <a:avLst/>
+              <a:gdLst/>
               <a:ahLst/>
+              <a:cxnLst/>
               <a:rect l="l" t="t" r="r" b="b"/>
               <a:pathLst>
                 <a:path w="114300" h="247650">
@@ -24612,8 +25404,11 @@
             </a:solidFill>
           </p:spPr>
           <p:txBody>
-            <a:bodyPr bIns="0" lIns="0" rIns="0" rtlCol="0" tIns="0" wrap="square"/>
-            <a:p/>
+            <a:bodyPr wrap="square" lIns="0" tIns="0" rIns="0" bIns="0" rtlCol="0"/>
+            <a:lstStyle/>
+            <a:p>
+              <a:endParaRPr/>
+            </a:p>
           </p:txBody>
         </p:sp>
         <p:sp>
@@ -24629,7 +25424,9 @@
             </a:xfrm>
             <a:custGeom>
               <a:avLst/>
+              <a:gdLst/>
               <a:ahLst/>
+              <a:cxnLst/>
               <a:rect l="l" t="t" r="r" b="b"/>
               <a:pathLst>
                 <a:path w="114300" h="247650">
@@ -24665,8 +25462,11 @@
             </a:ln>
           </p:spPr>
           <p:txBody>
-            <a:bodyPr bIns="0" lIns="0" rIns="0" rtlCol="0" tIns="0" wrap="square"/>
-            <a:p/>
+            <a:bodyPr wrap="square" lIns="0" tIns="0" rIns="0" bIns="0" rtlCol="0"/>
+            <a:lstStyle/>
+            <a:p>
+              <a:endParaRPr/>
+            </a:p>
           </p:txBody>
         </p:sp>
         <p:sp>
@@ -24680,17 +25480,22 @@
               <a:off x="1445260" y="6159500"/>
               <a:ext cx="92709" cy="247650"/>
             </a:xfrm>
-            <a:prstGeom prst="rect"/>
+            <a:prstGeom prst="rect">
+              <a:avLst/>
+            </a:prstGeom>
             <a:blipFill>
-              <a:blip xmlns:r="http://schemas.openxmlformats.org/officeDocument/2006/relationships" r:embed="rId18" cstate="print"/>
+              <a:blip r:embed="rId19" cstate="print"/>
               <a:stretch>
                 <a:fillRect/>
               </a:stretch>
             </a:blipFill>
           </p:spPr>
           <p:txBody>
-            <a:bodyPr bIns="0" lIns="0" rIns="0" rtlCol="0" tIns="0" wrap="square"/>
-            <a:p/>
+            <a:bodyPr wrap="square" lIns="0" tIns="0" rIns="0" bIns="0" rtlCol="0"/>
+            <a:lstStyle/>
+            <a:p>
+              <a:endParaRPr/>
+            </a:p>
           </p:txBody>
         </p:sp>
         <p:sp>
@@ -24706,7 +25511,9 @@
             </a:xfrm>
             <a:custGeom>
               <a:avLst/>
+              <a:gdLst/>
               <a:ahLst/>
+              <a:cxnLst/>
               <a:rect l="l" t="t" r="r" b="b"/>
               <a:pathLst>
                 <a:path w="92709" h="247650">
@@ -25000,8 +25807,11 @@
             </a:ln>
           </p:spPr>
           <p:txBody>
-            <a:bodyPr bIns="0" lIns="0" rIns="0" rtlCol="0" tIns="0" wrap="square"/>
-            <a:p/>
+            <a:bodyPr wrap="square" lIns="0" tIns="0" rIns="0" bIns="0" rtlCol="0"/>
+            <a:lstStyle/>
+            <a:p>
+              <a:endParaRPr/>
+            </a:p>
           </p:txBody>
         </p:sp>
         <p:sp>
@@ -25017,7 +25827,9 @@
             </a:xfrm>
             <a:custGeom>
               <a:avLst/>
+              <a:gdLst/>
               <a:ahLst/>
+              <a:cxnLst/>
               <a:rect l="l" t="t" r="r" b="b"/>
               <a:pathLst>
                 <a:path w="173989" h="259079">
@@ -25584,8 +26396,11 @@
             </a:solidFill>
           </p:spPr>
           <p:txBody>
-            <a:bodyPr bIns="0" lIns="0" rIns="0" rtlCol="0" tIns="0" wrap="square"/>
-            <a:p/>
+            <a:bodyPr wrap="square" lIns="0" tIns="0" rIns="0" bIns="0" rtlCol="0"/>
+            <a:lstStyle/>
+            <a:p>
+              <a:endParaRPr/>
+            </a:p>
           </p:txBody>
         </p:sp>
         <p:sp>
@@ -25601,7 +26416,9 @@
             </a:xfrm>
             <a:custGeom>
               <a:avLst/>
+              <a:gdLst/>
               <a:ahLst/>
+              <a:cxnLst/>
               <a:rect l="l" t="t" r="r" b="b"/>
               <a:pathLst>
                 <a:path w="173989" h="259079">
@@ -26321,8 +27138,11 @@
             </a:ln>
           </p:spPr>
           <p:txBody>
-            <a:bodyPr bIns="0" lIns="0" rIns="0" rtlCol="0" tIns="0" wrap="square"/>
-            <a:p/>
+            <a:bodyPr wrap="square" lIns="0" tIns="0" rIns="0" bIns="0" rtlCol="0"/>
+            <a:lstStyle/>
+            <a:p>
+              <a:endParaRPr/>
+            </a:p>
           </p:txBody>
         </p:sp>
         <p:sp>
@@ -26338,7 +27158,9 @@
             </a:xfrm>
             <a:custGeom>
               <a:avLst/>
+              <a:gdLst/>
               <a:ahLst/>
+              <a:cxnLst/>
               <a:rect l="l" t="t" r="r" b="b"/>
               <a:pathLst>
                 <a:path w="121919" h="247650">
@@ -26383,8 +27205,11 @@
             </a:solidFill>
           </p:spPr>
           <p:txBody>
-            <a:bodyPr bIns="0" lIns="0" rIns="0" rtlCol="0" tIns="0" wrap="square"/>
-            <a:p/>
+            <a:bodyPr wrap="square" lIns="0" tIns="0" rIns="0" bIns="0" rtlCol="0"/>
+            <a:lstStyle/>
+            <a:p>
+              <a:endParaRPr/>
+            </a:p>
           </p:txBody>
         </p:sp>
         <p:sp>
@@ -26400,7 +27225,9 @@
             </a:xfrm>
             <a:custGeom>
               <a:avLst/>
+              <a:gdLst/>
               <a:ahLst/>
+              <a:cxnLst/>
               <a:rect l="l" t="t" r="r" b="b"/>
               <a:pathLst>
                 <a:path w="121919" h="247650">
@@ -26436,8 +27263,11 @@
             </a:ln>
           </p:spPr>
           <p:txBody>
-            <a:bodyPr bIns="0" lIns="0" rIns="0" rtlCol="0" tIns="0" wrap="square"/>
-            <a:p/>
+            <a:bodyPr wrap="square" lIns="0" tIns="0" rIns="0" bIns="0" rtlCol="0"/>
+            <a:lstStyle/>
+            <a:p>
+              <a:endParaRPr/>
+            </a:p>
           </p:txBody>
         </p:sp>
         <p:sp>
@@ -26453,7 +27283,9 @@
             </a:xfrm>
             <a:custGeom>
               <a:avLst/>
+              <a:gdLst/>
               <a:ahLst/>
+              <a:cxnLst/>
               <a:rect l="l" t="t" r="r" b="b"/>
               <a:pathLst>
                 <a:path w="121919" h="247650">
@@ -26498,8 +27330,11 @@
             </a:solidFill>
           </p:spPr>
           <p:txBody>
-            <a:bodyPr bIns="0" lIns="0" rIns="0" rtlCol="0" tIns="0" wrap="square"/>
-            <a:p/>
+            <a:bodyPr wrap="square" lIns="0" tIns="0" rIns="0" bIns="0" rtlCol="0"/>
+            <a:lstStyle/>
+            <a:p>
+              <a:endParaRPr/>
+            </a:p>
           </p:txBody>
         </p:sp>
         <p:sp>
@@ -26515,7 +27350,9 @@
             </a:xfrm>
             <a:custGeom>
               <a:avLst/>
+              <a:gdLst/>
               <a:ahLst/>
+              <a:cxnLst/>
               <a:rect l="l" t="t" r="r" b="b"/>
               <a:pathLst>
                 <a:path w="121919" h="247650">
@@ -26551,8 +27388,11 @@
             </a:ln>
           </p:spPr>
           <p:txBody>
-            <a:bodyPr bIns="0" lIns="0" rIns="0" rtlCol="0" tIns="0" wrap="square"/>
-            <a:p/>
+            <a:bodyPr wrap="square" lIns="0" tIns="0" rIns="0" bIns="0" rtlCol="0"/>
+            <a:lstStyle/>
+            <a:p>
+              <a:endParaRPr/>
+            </a:p>
           </p:txBody>
         </p:sp>
         <p:sp>
@@ -26566,17 +27406,22 @@
               <a:off x="2152650" y="6159500"/>
               <a:ext cx="92710" cy="247650"/>
             </a:xfrm>
-            <a:prstGeom prst="rect"/>
+            <a:prstGeom prst="rect">
+              <a:avLst/>
+            </a:prstGeom>
             <a:blipFill>
-              <a:blip xmlns:r="http://schemas.openxmlformats.org/officeDocument/2006/relationships" r:embed="rId19" cstate="print"/>
+              <a:blip r:embed="rId20" cstate="print"/>
               <a:stretch>
                 <a:fillRect/>
               </a:stretch>
             </a:blipFill>
           </p:spPr>
           <p:txBody>
-            <a:bodyPr bIns="0" lIns="0" rIns="0" rtlCol="0" tIns="0" wrap="square"/>
-            <a:p/>
+            <a:bodyPr wrap="square" lIns="0" tIns="0" rIns="0" bIns="0" rtlCol="0"/>
+            <a:lstStyle/>
+            <a:p>
+              <a:endParaRPr/>
+            </a:p>
           </p:txBody>
         </p:sp>
         <p:sp>
@@ -26592,7 +27437,9 @@
             </a:xfrm>
             <a:custGeom>
               <a:avLst/>
+              <a:gdLst/>
               <a:ahLst/>
+              <a:cxnLst/>
               <a:rect l="l" t="t" r="r" b="b"/>
               <a:pathLst>
                 <a:path w="92710" h="247650">
@@ -26889,8 +27736,11 @@
             </a:ln>
           </p:spPr>
           <p:txBody>
-            <a:bodyPr bIns="0" lIns="0" rIns="0" rtlCol="0" tIns="0" wrap="square"/>
-            <a:p/>
+            <a:bodyPr wrap="square" lIns="0" tIns="0" rIns="0" bIns="0" rtlCol="0"/>
+            <a:lstStyle/>
+            <a:p>
+              <a:endParaRPr/>
+            </a:p>
           </p:txBody>
         </p:sp>
         <p:sp>
@@ -26904,17 +27754,22 @@
               <a:off x="1432560" y="6146800"/>
               <a:ext cx="92709" cy="247650"/>
             </a:xfrm>
-            <a:prstGeom prst="rect"/>
+            <a:prstGeom prst="rect">
+              <a:avLst/>
+            </a:prstGeom>
             <a:blipFill>
-              <a:blip xmlns:r="http://schemas.openxmlformats.org/officeDocument/2006/relationships" r:embed="rId20" cstate="print"/>
+              <a:blip r:embed="rId21" cstate="print"/>
               <a:stretch>
                 <a:fillRect/>
               </a:stretch>
             </a:blipFill>
           </p:spPr>
           <p:txBody>
-            <a:bodyPr bIns="0" lIns="0" rIns="0" rtlCol="0" tIns="0" wrap="square"/>
-            <a:p/>
+            <a:bodyPr wrap="square" lIns="0" tIns="0" rIns="0" bIns="0" rtlCol="0"/>
+            <a:lstStyle/>
+            <a:p>
+              <a:endParaRPr/>
+            </a:p>
           </p:txBody>
         </p:sp>
         <p:sp>
@@ -26930,7 +27785,9 @@
             </a:xfrm>
             <a:custGeom>
               <a:avLst/>
+              <a:gdLst/>
               <a:ahLst/>
+              <a:cxnLst/>
               <a:rect l="l" t="t" r="r" b="b"/>
               <a:pathLst>
                 <a:path w="92709" h="247650">
@@ -27233,8 +28090,11 @@
             </a:ln>
           </p:spPr>
           <p:txBody>
-            <a:bodyPr bIns="0" lIns="0" rIns="0" rtlCol="0" tIns="0" wrap="square"/>
-            <a:p/>
+            <a:bodyPr wrap="square" lIns="0" tIns="0" rIns="0" bIns="0" rtlCol="0"/>
+            <a:lstStyle/>
+            <a:p>
+              <a:endParaRPr/>
+            </a:p>
           </p:txBody>
         </p:sp>
         <p:sp>
@@ -27250,7 +28110,9 @@
             </a:xfrm>
             <a:custGeom>
               <a:avLst/>
+              <a:gdLst/>
               <a:ahLst/>
+              <a:cxnLst/>
               <a:rect l="l" t="t" r="r" b="b"/>
               <a:pathLst>
                 <a:path w="172719" h="259079">
@@ -27820,8 +28682,11 @@
             </a:solidFill>
           </p:spPr>
           <p:txBody>
-            <a:bodyPr bIns="0" lIns="0" rIns="0" rtlCol="0" tIns="0" wrap="square"/>
-            <a:p/>
+            <a:bodyPr wrap="square" lIns="0" tIns="0" rIns="0" bIns="0" rtlCol="0"/>
+            <a:lstStyle/>
+            <a:p>
+              <a:endParaRPr/>
+            </a:p>
           </p:txBody>
         </p:sp>
         <p:sp>
@@ -27837,7 +28702,9 @@
             </a:xfrm>
             <a:custGeom>
               <a:avLst/>
+              <a:gdLst/>
               <a:ahLst/>
+              <a:cxnLst/>
               <a:rect l="l" t="t" r="r" b="b"/>
               <a:pathLst>
                 <a:path w="172719" h="259079">
@@ -28584,8 +29451,11 @@
             </a:ln>
           </p:spPr>
           <p:txBody>
-            <a:bodyPr bIns="0" lIns="0" rIns="0" rtlCol="0" tIns="0" wrap="square"/>
-            <a:p/>
+            <a:bodyPr wrap="square" lIns="0" tIns="0" rIns="0" bIns="0" rtlCol="0"/>
+            <a:lstStyle/>
+            <a:p>
+              <a:endParaRPr/>
+            </a:p>
           </p:txBody>
         </p:sp>
         <p:sp>
@@ -28601,7 +29471,9 @@
             </a:xfrm>
             <a:custGeom>
               <a:avLst/>
+              <a:gdLst/>
               <a:ahLst/>
+              <a:cxnLst/>
               <a:rect l="l" t="t" r="r" b="b"/>
               <a:pathLst>
                 <a:path w="121919" h="247650">
@@ -28640,8 +29512,11 @@
             </a:solidFill>
           </p:spPr>
           <p:txBody>
-            <a:bodyPr bIns="0" lIns="0" rIns="0" rtlCol="0" tIns="0" wrap="square"/>
-            <a:p/>
+            <a:bodyPr wrap="square" lIns="0" tIns="0" rIns="0" bIns="0" rtlCol="0"/>
+            <a:lstStyle/>
+            <a:p>
+              <a:endParaRPr/>
+            </a:p>
           </p:txBody>
         </p:sp>
         <p:sp>
@@ -28657,7 +29532,9 @@
             </a:xfrm>
             <a:custGeom>
               <a:avLst/>
+              <a:gdLst/>
               <a:ahLst/>
+              <a:cxnLst/>
               <a:rect l="l" t="t" r="r" b="b"/>
               <a:pathLst>
                 <a:path w="121919" h="247650">
@@ -28693,8 +29570,11 @@
             </a:ln>
           </p:spPr>
           <p:txBody>
-            <a:bodyPr bIns="0" lIns="0" rIns="0" rtlCol="0" tIns="0" wrap="square"/>
-            <a:p/>
+            <a:bodyPr wrap="square" lIns="0" tIns="0" rIns="0" bIns="0" rtlCol="0"/>
+            <a:lstStyle/>
+            <a:p>
+              <a:endParaRPr/>
+            </a:p>
           </p:txBody>
         </p:sp>
         <p:sp>
@@ -28710,7 +29590,9 @@
             </a:xfrm>
             <a:custGeom>
               <a:avLst/>
+              <a:gdLst/>
               <a:ahLst/>
+              <a:cxnLst/>
               <a:rect l="l" t="t" r="r" b="b"/>
               <a:pathLst>
                 <a:path w="121919" h="247650">
@@ -28749,8 +29631,11 @@
             </a:solidFill>
           </p:spPr>
           <p:txBody>
-            <a:bodyPr bIns="0" lIns="0" rIns="0" rtlCol="0" tIns="0" wrap="square"/>
-            <a:p/>
+            <a:bodyPr wrap="square" lIns="0" tIns="0" rIns="0" bIns="0" rtlCol="0"/>
+            <a:lstStyle/>
+            <a:p>
+              <a:endParaRPr/>
+            </a:p>
           </p:txBody>
         </p:sp>
         <p:sp>
@@ -28766,7 +29651,9 @@
             </a:xfrm>
             <a:custGeom>
               <a:avLst/>
+              <a:gdLst/>
               <a:ahLst/>
+              <a:cxnLst/>
               <a:rect l="l" t="t" r="r" b="b"/>
               <a:pathLst>
                 <a:path w="121919" h="247650">
@@ -28802,8 +29689,11 @@
             </a:ln>
           </p:spPr>
           <p:txBody>
-            <a:bodyPr bIns="0" lIns="0" rIns="0" rtlCol="0" tIns="0" wrap="square"/>
-            <a:p/>
+            <a:bodyPr wrap="square" lIns="0" tIns="0" rIns="0" bIns="0" rtlCol="0"/>
+            <a:lstStyle/>
+            <a:p>
+              <a:endParaRPr/>
+            </a:p>
           </p:txBody>
         </p:sp>
         <p:sp>
@@ -28817,17 +29707,22 @@
               <a:off x="2139950" y="6146800"/>
               <a:ext cx="92710" cy="247650"/>
             </a:xfrm>
-            <a:prstGeom prst="rect"/>
+            <a:prstGeom prst="rect">
+              <a:avLst/>
+            </a:prstGeom>
             <a:blipFill>
-              <a:blip xmlns:r="http://schemas.openxmlformats.org/officeDocument/2006/relationships" r:embed="rId21" cstate="print"/>
+              <a:blip r:embed="rId22" cstate="print"/>
               <a:stretch>
                 <a:fillRect/>
               </a:stretch>
             </a:blipFill>
           </p:spPr>
           <p:txBody>
-            <a:bodyPr bIns="0" lIns="0" rIns="0" rtlCol="0" tIns="0" wrap="square"/>
-            <a:p/>
+            <a:bodyPr wrap="square" lIns="0" tIns="0" rIns="0" bIns="0" rtlCol="0"/>
+            <a:lstStyle/>
+            <a:p>
+              <a:endParaRPr/>
+            </a:p>
           </p:txBody>
         </p:sp>
         <p:sp>
@@ -28843,7 +29738,9 @@
             </a:xfrm>
             <a:custGeom>
               <a:avLst/>
+              <a:gdLst/>
               <a:ahLst/>
+              <a:cxnLst/>
               <a:rect l="l" t="t" r="r" b="b"/>
               <a:pathLst>
                 <a:path w="92710" h="247650">
@@ -29143,8 +30040,11 @@
             </a:ln>
           </p:spPr>
           <p:txBody>
-            <a:bodyPr bIns="0" lIns="0" rIns="0" rtlCol="0" tIns="0" wrap="square"/>
-            <a:p/>
+            <a:bodyPr wrap="square" lIns="0" tIns="0" rIns="0" bIns="0" rtlCol="0"/>
+            <a:lstStyle/>
+            <a:p>
+              <a:endParaRPr/>
+            </a:p>
           </p:txBody>
         </p:sp>
         <p:sp>
@@ -29158,17 +30058,22 @@
               <a:off x="2516505" y="6132195"/>
               <a:ext cx="980438" cy="289558"/>
             </a:xfrm>
-            <a:prstGeom prst="rect"/>
+            <a:prstGeom prst="rect">
+              <a:avLst/>
+            </a:prstGeom>
             <a:blipFill>
-              <a:blip xmlns:r="http://schemas.openxmlformats.org/officeDocument/2006/relationships" r:embed="rId22" cstate="print"/>
+              <a:blip r:embed="rId23" cstate="print"/>
               <a:stretch>
                 <a:fillRect/>
               </a:stretch>
             </a:blipFill>
           </p:spPr>
           <p:txBody>
-            <a:bodyPr bIns="0" lIns="0" rIns="0" rtlCol="0" tIns="0" wrap="square"/>
-            <a:p/>
+            <a:bodyPr wrap="square" lIns="0" tIns="0" rIns="0" bIns="0" rtlCol="0"/>
+            <a:lstStyle/>
+            <a:p>
+              <a:endParaRPr/>
+            </a:p>
           </p:txBody>
         </p:sp>
       </p:grpSp>
@@ -29187,12 +30092,15 @@
             <a:off x="2887979" y="311149"/>
             <a:ext cx="3973195" cy="977900"/>
           </a:xfrm>
-          <a:prstGeom prst="rect"/>
+          <a:prstGeom prst="rect">
+            <a:avLst/>
+          </a:prstGeom>
         </p:spPr>
         <p:txBody>
-          <a:bodyPr bIns="0" lIns="0" rIns="0" rtlCol="0" tIns="12700" vert="horz" wrap="square">
+          <a:bodyPr vert="horz" wrap="square" lIns="0" tIns="12700" rIns="0" bIns="0" rtlCol="0">
             <a:spAutoFit/>
           </a:bodyPr>
+          <a:lstStyle/>
           <a:p>
             <a:pPr marL="12700">
               <a:lnSpc>
@@ -29203,7 +30111,7 @@
               </a:spcBef>
             </a:pPr>
             <a:r>
-              <a:rPr b="1" dirty="0" sz="3200" spc="-135">
+              <a:rPr sz="3200" b="1" spc="-135" dirty="0">
                 <a:solidFill>
                   <a:srgbClr val="FF0000"/>
                 </a:solidFill>
@@ -29211,7 +30119,7 @@
               <a:t>Radiation </a:t>
             </a:r>
             <a:r>
-              <a:rPr b="1" dirty="0" sz="3200" spc="-155">
+              <a:rPr sz="3200" b="1" spc="-155" dirty="0">
                 <a:solidFill>
                   <a:srgbClr val="FF0000"/>
                 </a:solidFill>
@@ -29219,7 +30127,7 @@
               <a:t>Pattern</a:t>
             </a:r>
             <a:r>
-              <a:rPr b="1" dirty="0" sz="3200" spc="-409">
+              <a:rPr sz="3200" b="1" spc="-409" dirty="0">
                 <a:solidFill>
                   <a:srgbClr val="FF0000"/>
                 </a:solidFill>
@@ -29227,14 +30135,14 @@
               <a:t> </a:t>
             </a:r>
             <a:r>
-              <a:rPr b="1" dirty="0" sz="3200" spc="-125">
+              <a:rPr sz="3200" b="1" spc="-125" dirty="0">
                 <a:solidFill>
                   <a:srgbClr val="FF0000"/>
                 </a:solidFill>
               </a:rPr>
               <a:t>Lobes</a:t>
             </a:r>
-            <a:endParaRPr b="1" sz="3200">
+            <a:endParaRPr sz="3200" b="1">
               <a:solidFill>
                 <a:srgbClr val="FF0000"/>
               </a:solidFill>
@@ -29269,7 +30177,9 @@
             </a:xfrm>
             <a:custGeom>
               <a:avLst/>
+              <a:gdLst/>
               <a:ahLst/>
+              <a:cxnLst/>
               <a:rect l="l" t="t" r="r" b="b"/>
               <a:pathLst>
                 <a:path w="1303020" h="289560">
@@ -29289,8 +30199,11 @@
             </a:ln>
           </p:spPr>
           <p:txBody>
-            <a:bodyPr bIns="0" lIns="0" rIns="0" rtlCol="0" tIns="0" wrap="square"/>
-            <a:p/>
+            <a:bodyPr wrap="square" lIns="0" tIns="0" rIns="0" bIns="0" rtlCol="0"/>
+            <a:lstStyle/>
+            <a:p>
+              <a:endParaRPr/>
+            </a:p>
           </p:txBody>
         </p:sp>
         <p:sp>
@@ -29306,7 +30219,9 @@
             </a:xfrm>
             <a:custGeom>
               <a:avLst/>
+              <a:gdLst/>
               <a:ahLst/>
+              <a:cxnLst/>
               <a:rect l="l" t="t" r="r" b="b"/>
               <a:pathLst>
                 <a:path w="82550" h="73660">
@@ -29331,8 +30246,11 @@
             </a:solidFill>
           </p:spPr>
           <p:txBody>
-            <a:bodyPr bIns="0" lIns="0" rIns="0" rtlCol="0" tIns="0" wrap="square"/>
-            <a:p/>
+            <a:bodyPr wrap="square" lIns="0" tIns="0" rIns="0" bIns="0" rtlCol="0"/>
+            <a:lstStyle/>
+            <a:p>
+              <a:endParaRPr/>
+            </a:p>
           </p:txBody>
         </p:sp>
         <p:sp>
@@ -29348,7 +30266,9 @@
             </a:xfrm>
             <a:custGeom>
               <a:avLst/>
+              <a:gdLst/>
               <a:ahLst/>
+              <a:cxnLst/>
               <a:rect l="l" t="t" r="r" b="b"/>
               <a:pathLst>
                 <a:path w="1224279" h="72389">
@@ -29368,8 +30288,11 @@
             </a:ln>
           </p:spPr>
           <p:txBody>
-            <a:bodyPr bIns="0" lIns="0" rIns="0" rtlCol="0" tIns="0" wrap="square"/>
-            <a:p/>
+            <a:bodyPr wrap="square" lIns="0" tIns="0" rIns="0" bIns="0" rtlCol="0"/>
+            <a:lstStyle/>
+            <a:p>
+              <a:endParaRPr/>
+            </a:p>
           </p:txBody>
         </p:sp>
         <p:sp>
@@ -29385,7 +30308,9 @@
             </a:xfrm>
             <a:custGeom>
               <a:avLst/>
+              <a:gdLst/>
               <a:ahLst/>
+              <a:cxnLst/>
               <a:rect l="l" t="t" r="r" b="b"/>
               <a:pathLst>
                 <a:path w="77470" h="76200">
@@ -29410,8 +30335,11 @@
             </a:solidFill>
           </p:spPr>
           <p:txBody>
-            <a:bodyPr bIns="0" lIns="0" rIns="0" rtlCol="0" tIns="0" wrap="square"/>
-            <a:p/>
+            <a:bodyPr wrap="square" lIns="0" tIns="0" rIns="0" bIns="0" rtlCol="0"/>
+            <a:lstStyle/>
+            <a:p>
+              <a:endParaRPr/>
+            </a:p>
           </p:txBody>
         </p:sp>
         <p:sp>
@@ -29427,7 +30355,9 @@
             </a:xfrm>
             <a:custGeom>
               <a:avLst/>
+              <a:gdLst/>
               <a:ahLst/>
+              <a:cxnLst/>
               <a:rect l="l" t="t" r="r" b="b"/>
               <a:pathLst>
                 <a:path w="1225550" h="217170">
@@ -29447,8 +30377,11 @@
             </a:ln>
           </p:spPr>
           <p:txBody>
-            <a:bodyPr bIns="0" lIns="0" rIns="0" rtlCol="0" tIns="0" wrap="square"/>
-            <a:p/>
+            <a:bodyPr wrap="square" lIns="0" tIns="0" rIns="0" bIns="0" rtlCol="0"/>
+            <a:lstStyle/>
+            <a:p>
+              <a:endParaRPr/>
+            </a:p>
           </p:txBody>
         </p:sp>
         <p:sp>
@@ -29464,7 +30397,9 @@
             </a:xfrm>
             <a:custGeom>
               <a:avLst/>
+              <a:gdLst/>
               <a:ahLst/>
+              <a:cxnLst/>
               <a:rect l="l" t="t" r="r" b="b"/>
               <a:pathLst>
                 <a:path w="81279" h="73660">
@@ -29489,8 +30424,11 @@
             </a:solidFill>
           </p:spPr>
           <p:txBody>
-            <a:bodyPr bIns="0" lIns="0" rIns="0" rtlCol="0" tIns="0" wrap="square"/>
-            <a:p/>
+            <a:bodyPr wrap="square" lIns="0" tIns="0" rIns="0" bIns="0" rtlCol="0"/>
+            <a:lstStyle/>
+            <a:p>
+              <a:endParaRPr/>
+            </a:p>
           </p:txBody>
         </p:sp>
       </p:grpSp>
@@ -29505,12 +30443,15 @@
             <a:off x="4912359" y="3045459"/>
             <a:ext cx="3402329" cy="2277110"/>
           </a:xfrm>
-          <a:prstGeom prst="rect"/>
+          <a:prstGeom prst="rect">
+            <a:avLst/>
+          </a:prstGeom>
         </p:spPr>
         <p:txBody>
-          <a:bodyPr bIns="0" lIns="0" rIns="0" rtlCol="0" tIns="12700" vert="horz" wrap="square">
+          <a:bodyPr vert="horz" wrap="square" lIns="0" tIns="12700" rIns="0" bIns="0" rtlCol="0">
             <a:spAutoFit/>
           </a:bodyPr>
+          <a:lstStyle/>
           <a:p>
             <a:pPr marL="1047750">
               <a:lnSpc>
@@ -29521,7 +30462,7 @@
               </a:spcBef>
             </a:pPr>
             <a:r>
-              <a:rPr dirty="0" sz="1800" spc="-10">
+              <a:rPr sz="1800" spc="-10" dirty="0">
                 <a:latin typeface="Arial"/>
                 <a:cs typeface="Arial"/>
               </a:rPr>
@@ -29547,7 +30488,7 @@
             </a:endParaRPr>
           </a:p>
           <a:p>
-            <a:pPr indent="-537210" marL="1130935" marR="5080">
+            <a:pPr marL="1130935" marR="5080" indent="-537210">
               <a:lnSpc>
                 <a:spcPct val="109800"/>
               </a:lnSpc>
@@ -29556,21 +30497,21 @@
               </a:spcBef>
             </a:pPr>
             <a:r>
-              <a:rPr b="1" dirty="0" sz="2300" spc="-5">
+              <a:rPr sz="2300" b="1" spc="-5" dirty="0">
                 <a:latin typeface="Arial"/>
                 <a:cs typeface="Arial"/>
               </a:rPr>
               <a:t>Full Null</a:t>
             </a:r>
             <a:r>
-              <a:rPr b="1" dirty="0" sz="2300" spc="-65">
+              <a:rPr sz="2300" b="1" spc="-65" dirty="0">
                 <a:latin typeface="Arial"/>
                 <a:cs typeface="Arial"/>
               </a:rPr>
               <a:t> </a:t>
             </a:r>
             <a:r>
-              <a:rPr b="1" dirty="0" sz="2300">
+              <a:rPr sz="2300" b="1" dirty="0">
                 <a:latin typeface="Arial"/>
                 <a:cs typeface="Arial"/>
               </a:rPr>
@@ -29591,21 +30532,21 @@
               </a:spcBef>
             </a:pPr>
             <a:r>
-              <a:rPr b="1" dirty="0" sz="2300">
+              <a:rPr sz="2300" b="1" dirty="0">
                 <a:latin typeface="Arial"/>
                 <a:cs typeface="Arial"/>
               </a:rPr>
               <a:t>1st</a:t>
             </a:r>
             <a:r>
-              <a:rPr b="1" dirty="0" sz="2300" spc="-25">
+              <a:rPr sz="2300" b="1" spc="-25" dirty="0">
                 <a:latin typeface="Arial"/>
                 <a:cs typeface="Arial"/>
               </a:rPr>
               <a:t> </a:t>
             </a:r>
             <a:r>
-              <a:rPr b="1" dirty="0" sz="2300">
+              <a:rPr sz="2300" b="1" dirty="0">
                 <a:latin typeface="Arial"/>
                 <a:cs typeface="Arial"/>
               </a:rPr>
@@ -29617,7 +30558,7 @@
             </a:endParaRPr>
           </a:p>
           <a:p>
-            <a:pPr indent="603250" marL="12700" marR="1715135">
+            <a:pPr marL="12700" marR="1715135" indent="603250">
               <a:lnSpc>
                 <a:spcPts val="4210"/>
               </a:lnSpc>
@@ -29626,35 +30567,35 @@
               </a:spcBef>
             </a:pPr>
             <a:r>
-              <a:rPr dirty="0" sz="1800" spc="-10">
+              <a:rPr sz="1800" spc="-10" dirty="0">
                 <a:latin typeface="Arial"/>
                 <a:cs typeface="Arial"/>
               </a:rPr>
               <a:t>Side</a:t>
             </a:r>
             <a:r>
-              <a:rPr dirty="0" sz="1800" spc="-70">
+              <a:rPr sz="1800" spc="-70" dirty="0">
                 <a:latin typeface="Arial"/>
                 <a:cs typeface="Arial"/>
               </a:rPr>
               <a:t> </a:t>
             </a:r>
             <a:r>
-              <a:rPr dirty="0" sz="1800" spc="-10">
+              <a:rPr sz="1800" spc="-10" dirty="0">
                 <a:latin typeface="Arial"/>
                 <a:cs typeface="Arial"/>
               </a:rPr>
               <a:t>lobes  </a:t>
             </a:r>
             <a:r>
-              <a:rPr dirty="0" sz="1800" spc="-5">
+              <a:rPr sz="1800" spc="-5" dirty="0">
                 <a:latin typeface="Arial"/>
                 <a:cs typeface="Arial"/>
               </a:rPr>
               <a:t>Back</a:t>
             </a:r>
             <a:r>
-              <a:rPr dirty="0" sz="1800" spc="-10">
+              <a:rPr sz="1800" spc="-10" dirty="0">
                 <a:latin typeface="Arial"/>
                 <a:cs typeface="Arial"/>
               </a:rPr>
@@ -29672,7 +30613,6 @@
   <p:clrMapOvr>
     <a:masterClrMapping/>
   </p:clrMapOvr>
-  <p:timing/>
 </p:sld>
 </file>
 
@@ -29681,7 +30621,7 @@
   <p:cSld>
     <p:spTree>
       <p:nvGrpSpPr>
-        <p:cNvPr id="51" name=""/>
+        <p:cNvPr id="1" name=""/>
         <p:cNvGrpSpPr/>
         <p:nvPr/>
       </p:nvGrpSpPr>
@@ -29708,12 +30648,15 @@
             <a:off x="357159" y="386919"/>
             <a:ext cx="5758368" cy="689932"/>
           </a:xfrm>
-          <a:prstGeom prst="rect"/>
+          <a:prstGeom prst="rect">
+            <a:avLst/>
+          </a:prstGeom>
         </p:spPr>
         <p:txBody>
-          <a:bodyPr bIns="0" lIns="0" rIns="0" rtlCol="0" tIns="12700" vert="horz" wrap="square">
+          <a:bodyPr vert="horz" wrap="square" lIns="0" tIns="12700" rIns="0" bIns="0" rtlCol="0">
             <a:spAutoFit/>
           </a:bodyPr>
+          <a:lstStyle/>
           <a:p>
             <a:pPr marL="12700">
               <a:lnSpc>
@@ -29724,7 +30667,7 @@
               </a:spcBef>
             </a:pPr>
             <a:r>
-              <a:rPr b="1" dirty="0" spc="70">
+              <a:rPr b="1" spc="70" dirty="0">
                 <a:solidFill>
                   <a:srgbClr val="FF0000"/>
                 </a:solidFill>
@@ -29732,7 +30675,7 @@
               <a:t>INPUT</a:t>
             </a:r>
             <a:r>
-              <a:rPr b="1" dirty="0" spc="114">
+              <a:rPr b="1" spc="114" dirty="0">
                 <a:solidFill>
                   <a:srgbClr val="FF0000"/>
                 </a:solidFill>
@@ -29740,7 +30683,7 @@
               <a:t> </a:t>
             </a:r>
             <a:r>
-              <a:rPr b="1" dirty="0" spc="80">
+              <a:rPr b="1" spc="80" dirty="0">
                 <a:solidFill>
                   <a:srgbClr val="FF0000"/>
                 </a:solidFill>
@@ -29761,14 +30704,17 @@
             <a:off x="598170" y="1322578"/>
             <a:ext cx="7749064" cy="2995930"/>
           </a:xfrm>
-          <a:prstGeom prst="rect"/>
+          <a:prstGeom prst="rect">
+            <a:avLst/>
+          </a:prstGeom>
         </p:spPr>
         <p:txBody>
-          <a:bodyPr bIns="0" lIns="0" rIns="0" rtlCol="0" tIns="54610" vert="horz" wrap="square">
+          <a:bodyPr vert="horz" wrap="square" lIns="0" tIns="54610" rIns="0" bIns="0" rtlCol="0">
             <a:spAutoFit/>
           </a:bodyPr>
+          <a:lstStyle/>
           <a:p>
-            <a:pPr indent="20955" marL="25400" marR="17780">
+            <a:pPr marL="25400" marR="17780" indent="20955">
               <a:lnSpc>
                 <a:spcPct val="90000"/>
               </a:lnSpc>
@@ -29777,63 +30723,63 @@
               </a:spcBef>
             </a:pPr>
             <a:r>
-              <a:rPr dirty="0" sz="2800" spc="125">
+              <a:rPr sz="2800" spc="125" dirty="0">
                 <a:latin typeface="Arial"/>
                 <a:cs typeface="Arial"/>
               </a:rPr>
               <a:t>Defined </a:t>
             </a:r>
             <a:r>
-              <a:rPr dirty="0" sz="2800" spc="5">
+              <a:rPr sz="2800" spc="5" dirty="0">
                 <a:latin typeface="Arial"/>
                 <a:cs typeface="Arial"/>
               </a:rPr>
               <a:t>as </a:t>
             </a:r>
             <a:r>
-              <a:rPr dirty="0" sz="2800" spc="145">
+              <a:rPr sz="2800" spc="145" dirty="0">
                 <a:latin typeface="Arial"/>
                 <a:cs typeface="Arial"/>
               </a:rPr>
               <a:t>the </a:t>
             </a:r>
             <a:r>
-              <a:rPr dirty="0" sz="2800" spc="114">
+              <a:rPr sz="2800" spc="114" dirty="0">
                 <a:latin typeface="Arial"/>
                 <a:cs typeface="Arial"/>
               </a:rPr>
               <a:t>impedance presented </a:t>
             </a:r>
             <a:r>
-              <a:rPr dirty="0" sz="2800" spc="125">
+              <a:rPr sz="2800" spc="125" dirty="0">
                 <a:latin typeface="Arial"/>
                 <a:cs typeface="Arial"/>
               </a:rPr>
               <a:t>by </a:t>
             </a:r>
             <a:r>
-              <a:rPr dirty="0" sz="2800" spc="80">
+              <a:rPr sz="2800" spc="80" dirty="0">
                 <a:latin typeface="Arial"/>
                 <a:cs typeface="Arial"/>
               </a:rPr>
               <a:t>an </a:t>
             </a:r>
             <a:r>
-              <a:rPr dirty="0" sz="2800" spc="110">
+              <a:rPr sz="2800" spc="110" dirty="0">
                 <a:latin typeface="Arial"/>
                 <a:cs typeface="Arial"/>
               </a:rPr>
               <a:t>antenna </a:t>
             </a:r>
             <a:r>
-              <a:rPr dirty="0" sz="2800" spc="120">
+              <a:rPr sz="2800" spc="120" dirty="0">
                 <a:latin typeface="Arial"/>
                 <a:cs typeface="Arial"/>
               </a:rPr>
               <a:t>at </a:t>
             </a:r>
             <a:r>
-              <a:rPr dirty="0" sz="2800" spc="150">
+              <a:rPr sz="2800" spc="150" dirty="0">
                 <a:latin typeface="Arial"/>
                 <a:cs typeface="Arial"/>
               </a:rPr>
@@ -29847,7 +30793,7 @@
               <a:t>terminals </a:t>
             </a:r>
             <a:r>
-              <a:rPr dirty="0" sz="2800" lang="en-US" spc="140" smtClean="0">
+              <a:rPr lang="en-US" sz="2800" spc="140" dirty="0" smtClean="0">
                 <a:latin typeface="Arial"/>
                 <a:cs typeface="Arial"/>
               </a:rPr>
@@ -29855,7 +30801,7 @@
             </a:r>
           </a:p>
           <a:p>
-            <a:pPr indent="20955" marL="25400" marR="17780">
+            <a:pPr marL="25400" marR="17780" indent="20955">
               <a:lnSpc>
                 <a:spcPct val="90000"/>
               </a:lnSpc>
@@ -29871,77 +30817,77 @@
               <a:t> </a:t>
             </a:r>
             <a:r>
-              <a:rPr dirty="0" sz="2800" spc="145">
+              <a:rPr sz="2800" spc="145" dirty="0">
                 <a:latin typeface="Arial"/>
                 <a:cs typeface="Arial"/>
               </a:rPr>
               <a:t>the </a:t>
             </a:r>
             <a:r>
-              <a:rPr dirty="0" sz="2800" spc="155">
+              <a:rPr sz="2800" spc="155" dirty="0">
                 <a:latin typeface="Arial"/>
                 <a:cs typeface="Arial"/>
               </a:rPr>
               <a:t>ratio </a:t>
             </a:r>
             <a:r>
-              <a:rPr dirty="0" sz="2800" spc="200">
+              <a:rPr sz="2800" spc="200" dirty="0">
                 <a:latin typeface="Arial"/>
                 <a:cs typeface="Arial"/>
               </a:rPr>
               <a:t>of </a:t>
             </a:r>
             <a:r>
-              <a:rPr dirty="0" sz="2800" spc="145">
+              <a:rPr sz="2800" spc="145" dirty="0">
                 <a:latin typeface="Arial"/>
                 <a:cs typeface="Arial"/>
               </a:rPr>
               <a:t>the </a:t>
             </a:r>
             <a:r>
-              <a:rPr dirty="0" sz="2800" spc="114">
+              <a:rPr sz="2800" spc="114" dirty="0">
                 <a:latin typeface="Arial"/>
                 <a:cs typeface="Arial"/>
               </a:rPr>
               <a:t>voltage </a:t>
             </a:r>
             <a:r>
-              <a:rPr dirty="0" sz="2800" spc="210">
+              <a:rPr sz="2800" spc="210" dirty="0">
                 <a:latin typeface="Arial"/>
                 <a:cs typeface="Arial"/>
               </a:rPr>
               <a:t>to </a:t>
             </a:r>
             <a:r>
-              <a:rPr dirty="0" sz="2800" spc="145">
+              <a:rPr sz="2800" spc="145" dirty="0">
                 <a:latin typeface="Arial"/>
                 <a:cs typeface="Arial"/>
               </a:rPr>
               <a:t>current </a:t>
             </a:r>
             <a:r>
-              <a:rPr dirty="0" sz="2800" spc="125">
+              <a:rPr sz="2800" spc="125" dirty="0">
                 <a:latin typeface="Arial"/>
                 <a:cs typeface="Arial"/>
               </a:rPr>
               <a:t>at </a:t>
             </a:r>
             <a:r>
-              <a:rPr dirty="0" sz="2800" spc="-15">
+              <a:rPr sz="2800" spc="-15" dirty="0">
                 <a:latin typeface="Arial"/>
                 <a:cs typeface="Arial"/>
               </a:rPr>
               <a:t>a </a:t>
             </a:r>
             <a:r>
-              <a:rPr dirty="0" sz="2800" spc="140">
+              <a:rPr sz="2800" spc="140" dirty="0">
                 <a:latin typeface="Arial"/>
                 <a:cs typeface="Arial"/>
               </a:rPr>
               <a:t>pair </a:t>
             </a:r>
             <a:r>
-              <a:rPr dirty="0" sz="2800" spc="200">
+              <a:rPr sz="2800" spc="200" dirty="0">
                 <a:latin typeface="Arial"/>
                 <a:cs typeface="Arial"/>
               </a:rPr>
@@ -29955,7 +30901,7 @@
               <a:t>terminals </a:t>
             </a:r>
             <a:r>
-              <a:rPr dirty="0" sz="2800" lang="en-US" spc="140" smtClean="0">
+              <a:rPr lang="en-US" sz="2800" spc="140" dirty="0" smtClean="0">
                 <a:latin typeface="Arial"/>
                 <a:cs typeface="Arial"/>
               </a:rPr>
@@ -29963,7 +30909,7 @@
             </a:r>
           </a:p>
           <a:p>
-            <a:pPr indent="20955" marL="25400" marR="17780">
+            <a:pPr marL="25400" marR="17780" indent="20955">
               <a:lnSpc>
                 <a:spcPct val="90000"/>
               </a:lnSpc>
@@ -29979,91 +30925,91 @@
               <a:t> </a:t>
             </a:r>
             <a:r>
-              <a:rPr dirty="0" sz="2800" spc="145">
+              <a:rPr sz="2800" spc="145" dirty="0">
                 <a:latin typeface="Arial"/>
                 <a:cs typeface="Arial"/>
               </a:rPr>
               <a:t>the </a:t>
             </a:r>
             <a:r>
-              <a:rPr dirty="0" sz="2800" spc="155">
+              <a:rPr sz="2800" spc="155" dirty="0">
                 <a:latin typeface="Arial"/>
                 <a:cs typeface="Arial"/>
               </a:rPr>
               <a:t>ratio </a:t>
             </a:r>
             <a:r>
-              <a:rPr dirty="0" sz="2800" spc="200">
+              <a:rPr sz="2800" spc="200" dirty="0">
                 <a:latin typeface="Arial"/>
                 <a:cs typeface="Arial"/>
               </a:rPr>
               <a:t>of </a:t>
             </a:r>
             <a:r>
-              <a:rPr dirty="0" sz="2800" spc="145">
+              <a:rPr sz="2800" spc="145" dirty="0">
                 <a:latin typeface="Arial"/>
                 <a:cs typeface="Arial"/>
               </a:rPr>
               <a:t>the </a:t>
             </a:r>
             <a:r>
-              <a:rPr dirty="0" sz="2800" spc="140">
+              <a:rPr sz="2800" spc="140" dirty="0">
                 <a:latin typeface="Arial"/>
                 <a:cs typeface="Arial"/>
               </a:rPr>
               <a:t>appropriate components </a:t>
             </a:r>
             <a:r>
-              <a:rPr dirty="0" sz="2800" spc="200">
+              <a:rPr sz="2800" spc="200" dirty="0">
                 <a:latin typeface="Arial"/>
                 <a:cs typeface="Arial"/>
               </a:rPr>
               <a:t>of</a:t>
             </a:r>
             <a:r>
-              <a:rPr dirty="0" sz="2800" spc="-60">
+              <a:rPr sz="2800" spc="-60" dirty="0">
                 <a:latin typeface="Arial"/>
                 <a:cs typeface="Arial"/>
               </a:rPr>
               <a:t> </a:t>
             </a:r>
             <a:r>
-              <a:rPr dirty="0" sz="2800" spc="140">
+              <a:rPr sz="2800" spc="140" dirty="0">
                 <a:latin typeface="Arial"/>
                 <a:cs typeface="Arial"/>
               </a:rPr>
               <a:t>the  </a:t>
             </a:r>
             <a:r>
-              <a:rPr dirty="0" sz="2800" spc="105">
+              <a:rPr sz="2800" spc="105" dirty="0">
                 <a:latin typeface="Arial"/>
                 <a:cs typeface="Arial"/>
               </a:rPr>
               <a:t>electric </a:t>
             </a:r>
             <a:r>
-              <a:rPr dirty="0" sz="2800" spc="165">
+              <a:rPr sz="2800" spc="165" dirty="0">
                 <a:latin typeface="Arial"/>
                 <a:cs typeface="Arial"/>
               </a:rPr>
               <a:t>field </a:t>
             </a:r>
             <a:r>
-              <a:rPr dirty="0" sz="2800" spc="210">
+              <a:rPr sz="2800" spc="210" dirty="0">
                 <a:latin typeface="Arial"/>
                 <a:cs typeface="Arial"/>
               </a:rPr>
               <a:t>to </a:t>
             </a:r>
             <a:r>
-              <a:rPr dirty="0" sz="2800" spc="140">
+              <a:rPr sz="2800" spc="140" dirty="0">
                 <a:latin typeface="Arial"/>
                 <a:cs typeface="Arial"/>
               </a:rPr>
               <a:t>magnetic fields </a:t>
             </a:r>
             <a:r>
-              <a:rPr dirty="0" sz="2800" spc="120">
+              <a:rPr sz="2800" spc="120" dirty="0">
                 <a:latin typeface="Arial"/>
                 <a:cs typeface="Arial"/>
               </a:rPr>
@@ -30089,7 +31035,7 @@
             </a:endParaRPr>
           </a:p>
           <a:p>
-            <a:pPr algn="ctr" marL="226060">
+            <a:pPr marL="226060" algn="ctr">
               <a:lnSpc>
                 <a:spcPct val="100000"/>
               </a:lnSpc>
@@ -30102,7 +31048,7 @@
               <a:t>𝑍</a:t>
             </a:r>
             <a:r>
-              <a:rPr baseline="-16260" sz="3075" spc="-652" smtClean="0">
+              <a:rPr sz="3075" spc="-652" baseline="-16260" smtClean="0">
                 <a:latin typeface="Arial Black"/>
                 <a:cs typeface="Arial Black"/>
               </a:rPr>
@@ -30123,7 +31069,7 @@
               <a:t>𝑅</a:t>
             </a:r>
             <a:r>
-              <a:rPr baseline="-16260" sz="3075" spc="-532" smtClean="0">
+              <a:rPr sz="3075" spc="-532" baseline="-16260" smtClean="0">
                 <a:latin typeface="Arial Black"/>
                 <a:cs typeface="Arial Black"/>
               </a:rPr>
@@ -30151,13 +31097,13 @@
               <a:t>𝑗𝑋</a:t>
             </a:r>
             <a:r>
-              <a:rPr baseline="-16260" sz="3075" spc="-900" smtClean="0">
+              <a:rPr sz="3075" spc="-900" baseline="-16260" smtClean="0">
                 <a:latin typeface="Arial Black"/>
                 <a:cs typeface="Arial Black"/>
               </a:rPr>
               <a:t>𝐴</a:t>
             </a:r>
-            <a:endParaRPr baseline="-16260" sz="3075">
+            <a:endParaRPr sz="3075" baseline="-16260">
               <a:latin typeface="Arial Black"/>
               <a:cs typeface="Arial Black"/>
             </a:endParaRPr>
@@ -30175,17 +31121,22 @@
             <a:off x="2071670" y="4643446"/>
             <a:ext cx="4337685" cy="1373124"/>
           </a:xfrm>
-          <a:prstGeom prst="rect"/>
+          <a:prstGeom prst="rect">
+            <a:avLst/>
+          </a:prstGeom>
           <a:blipFill>
-            <a:blip xmlns:r="http://schemas.openxmlformats.org/officeDocument/2006/relationships" r:embed="rId1" cstate="print"/>
+            <a:blip r:embed="rId2" cstate="print"/>
             <a:stretch>
               <a:fillRect/>
             </a:stretch>
           </a:blipFill>
         </p:spPr>
         <p:txBody>
-          <a:bodyPr bIns="0" lIns="0" rIns="0" rtlCol="0" tIns="0" wrap="square"/>
-          <a:p/>
+          <a:bodyPr wrap="square" lIns="0" tIns="0" rIns="0" bIns="0" rtlCol="0"/>
+          <a:lstStyle/>
+          <a:p>
+            <a:endParaRPr/>
+          </a:p>
         </p:txBody>
       </p:sp>
     </p:spTree>
@@ -30193,7 +31144,6 @@
   <p:clrMapOvr>
     <a:masterClrMapping/>
   </p:clrMapOvr>
-  <p:timing/>
 </p:sld>
 </file>
 
@@ -30202,7 +31152,7 @@
   <p:cSld>
     <p:spTree>
       <p:nvGrpSpPr>
-        <p:cNvPr id="52" name=""/>
+        <p:cNvPr id="1" name=""/>
         <p:cNvGrpSpPr/>
         <p:nvPr/>
       </p:nvGrpSpPr>
@@ -30229,12 +31179,15 @@
             <a:off x="428597" y="386919"/>
             <a:ext cx="5686930" cy="689932"/>
           </a:xfrm>
-          <a:prstGeom prst="rect"/>
+          <a:prstGeom prst="rect">
+            <a:avLst/>
+          </a:prstGeom>
         </p:spPr>
         <p:txBody>
-          <a:bodyPr bIns="0" lIns="0" rIns="0" rtlCol="0" tIns="12700" vert="horz" wrap="square">
+          <a:bodyPr vert="horz" wrap="square" lIns="0" tIns="12700" rIns="0" bIns="0" rtlCol="0">
             <a:spAutoFit/>
           </a:bodyPr>
+          <a:lstStyle/>
           <a:p>
             <a:pPr marL="12700">
               <a:lnSpc>
@@ -30245,7 +31198,7 @@
               </a:spcBef>
             </a:pPr>
             <a:r>
-              <a:rPr b="1" dirty="0" spc="70">
+              <a:rPr b="1" spc="70" dirty="0">
                 <a:solidFill>
                   <a:srgbClr val="FF0000"/>
                 </a:solidFill>
@@ -30253,7 +31206,7 @@
               <a:t>INPUT</a:t>
             </a:r>
             <a:r>
-              <a:rPr b="1" dirty="0" spc="114">
+              <a:rPr b="1" spc="114" dirty="0">
                 <a:solidFill>
                   <a:srgbClr val="FF0000"/>
                 </a:solidFill>
@@ -30261,7 +31214,7 @@
               <a:t> </a:t>
             </a:r>
             <a:r>
-              <a:rPr b="1" dirty="0" spc="80">
+              <a:rPr b="1" spc="80" dirty="0">
                 <a:solidFill>
                   <a:srgbClr val="FF0000"/>
                 </a:solidFill>
@@ -30282,14 +31235,17 @@
             <a:off x="593217" y="3219700"/>
             <a:ext cx="6597491" cy="2324099"/>
           </a:xfrm>
-          <a:prstGeom prst="rect"/>
+          <a:prstGeom prst="rect">
+            <a:avLst/>
+          </a:prstGeom>
         </p:spPr>
         <p:txBody>
-          <a:bodyPr bIns="0" lIns="0" rIns="0" rtlCol="0" tIns="154940" vert="horz" wrap="square">
+          <a:bodyPr vert="horz" wrap="square" lIns="0" tIns="154940" rIns="0" bIns="0" rtlCol="0">
             <a:spAutoFit/>
           </a:bodyPr>
+          <a:lstStyle/>
           <a:p>
-            <a:pPr algn="ctr" marL="1796414">
+            <a:pPr marL="1796414" algn="ctr">
               <a:lnSpc>
                 <a:spcPct val="100000"/>
               </a:lnSpc>
@@ -30298,49 +31254,49 @@
               </a:spcBef>
             </a:pPr>
             <a:r>
-              <a:rPr dirty="0" sz="2400" spc="140">
+              <a:rPr sz="2400" spc="140" dirty="0">
                 <a:latin typeface="Arial"/>
                 <a:cs typeface="Arial"/>
               </a:rPr>
               <a:t>Transmitting </a:t>
             </a:r>
             <a:r>
-              <a:rPr dirty="0" sz="2400" spc="90">
+              <a:rPr sz="2400" spc="90" dirty="0">
                 <a:latin typeface="Arial"/>
                 <a:cs typeface="Arial"/>
               </a:rPr>
               <a:t>antenna </a:t>
             </a:r>
             <a:r>
-              <a:rPr dirty="0" sz="2400" spc="100">
+              <a:rPr sz="2400" spc="100" dirty="0">
                 <a:latin typeface="Arial"/>
                 <a:cs typeface="Arial"/>
               </a:rPr>
               <a:t>and </a:t>
             </a:r>
             <a:r>
-              <a:rPr dirty="0" sz="2400" spc="135">
+              <a:rPr sz="2400" spc="135" dirty="0">
                 <a:latin typeface="Arial"/>
                 <a:cs typeface="Arial"/>
               </a:rPr>
               <a:t>its </a:t>
             </a:r>
             <a:r>
-              <a:rPr dirty="0" sz="2400" spc="100">
+              <a:rPr sz="2400" spc="100" dirty="0">
                 <a:latin typeface="Arial"/>
                 <a:cs typeface="Arial"/>
               </a:rPr>
               <a:t>equivalent</a:t>
             </a:r>
             <a:r>
-              <a:rPr dirty="0" sz="2400" spc="55">
+              <a:rPr sz="2400" spc="55" dirty="0">
                 <a:latin typeface="Arial"/>
                 <a:cs typeface="Arial"/>
               </a:rPr>
               <a:t> </a:t>
             </a:r>
             <a:r>
-              <a:rPr dirty="0" sz="2400" spc="130">
+              <a:rPr sz="2400" spc="130" dirty="0">
                 <a:latin typeface="Arial"/>
                 <a:cs typeface="Arial"/>
               </a:rPr>
@@ -30361,70 +31317,70 @@
               </a:spcBef>
             </a:pPr>
             <a:r>
-              <a:rPr dirty="0" sz="2400" spc="85">
+              <a:rPr sz="2400" spc="85" dirty="0">
                 <a:latin typeface="Arial"/>
                 <a:cs typeface="Arial"/>
               </a:rPr>
               <a:t>In </a:t>
             </a:r>
             <a:r>
-              <a:rPr dirty="0" sz="2400" spc="90">
+              <a:rPr sz="2400" spc="90" dirty="0">
                 <a:latin typeface="Arial"/>
                 <a:cs typeface="Arial"/>
               </a:rPr>
               <a:t>general, </a:t>
             </a:r>
             <a:r>
-              <a:rPr dirty="0" sz="2400" spc="125">
+              <a:rPr sz="2400" spc="125" dirty="0">
                 <a:latin typeface="Arial"/>
                 <a:cs typeface="Arial"/>
               </a:rPr>
               <a:t>the </a:t>
             </a:r>
             <a:r>
-              <a:rPr dirty="0" sz="2400" spc="85">
+              <a:rPr sz="2400" spc="85" dirty="0">
                 <a:latin typeface="Arial"/>
                 <a:cs typeface="Arial"/>
               </a:rPr>
               <a:t>resistive </a:t>
             </a:r>
             <a:r>
-              <a:rPr dirty="0" sz="2400" spc="140">
+              <a:rPr sz="2400" spc="140" dirty="0">
                 <a:latin typeface="Arial"/>
                 <a:cs typeface="Arial"/>
               </a:rPr>
               <a:t>part </a:t>
             </a:r>
             <a:r>
-              <a:rPr dirty="0" sz="2400" spc="90">
+              <a:rPr sz="2400" spc="90" dirty="0">
                 <a:latin typeface="Arial"/>
                 <a:cs typeface="Arial"/>
               </a:rPr>
               <a:t>consists </a:t>
             </a:r>
             <a:r>
-              <a:rPr dirty="0" sz="2400" spc="175">
+              <a:rPr sz="2400" spc="175" dirty="0">
                 <a:latin typeface="Arial"/>
                 <a:cs typeface="Arial"/>
               </a:rPr>
               <a:t>of </a:t>
             </a:r>
             <a:r>
-              <a:rPr dirty="0" sz="2400" spc="155">
+              <a:rPr sz="2400" spc="155" dirty="0">
                 <a:latin typeface="Arial"/>
                 <a:cs typeface="Arial"/>
               </a:rPr>
               <a:t>two</a:t>
             </a:r>
             <a:r>
-              <a:rPr dirty="0" sz="2400" spc="10">
+              <a:rPr sz="2400" spc="10" dirty="0">
                 <a:latin typeface="Arial"/>
                 <a:cs typeface="Arial"/>
               </a:rPr>
               <a:t> </a:t>
             </a:r>
             <a:r>
-              <a:rPr dirty="0" sz="2400" spc="120">
+              <a:rPr sz="2400" spc="120" dirty="0">
                 <a:latin typeface="Arial"/>
                 <a:cs typeface="Arial"/>
               </a:rPr>
@@ -30436,7 +31392,7 @@
             </a:endParaRPr>
           </a:p>
           <a:p>
-            <a:pPr algn="ctr" marL="1772285">
+            <a:pPr marL="1772285" algn="ctr">
               <a:lnSpc>
                 <a:spcPct val="100000"/>
               </a:lnSpc>
@@ -30445,69 +31401,69 @@
               </a:spcBef>
             </a:pPr>
             <a:r>
-              <a:rPr dirty="0" sz="2400" spc="-295">
+              <a:rPr sz="2400" spc="-295" dirty="0">
                 <a:latin typeface="Arial Black"/>
                 <a:cs typeface="Arial Black"/>
               </a:rPr>
               <a:t>𝑅</a:t>
             </a:r>
             <a:r>
-              <a:rPr baseline="-15873" dirty="0" sz="2625" spc="-442">
+              <a:rPr sz="2625" spc="-442" baseline="-15873" dirty="0">
                 <a:latin typeface="Arial Black"/>
                 <a:cs typeface="Arial Black"/>
               </a:rPr>
               <a:t>𝐴  </a:t>
             </a:r>
             <a:r>
-              <a:rPr dirty="0" sz="2400" spc="204">
+              <a:rPr sz="2400" spc="204" dirty="0">
                 <a:latin typeface="Arial Black"/>
                 <a:cs typeface="Arial Black"/>
               </a:rPr>
               <a:t>= </a:t>
             </a:r>
             <a:r>
-              <a:rPr dirty="0" sz="2400" spc="-355">
+              <a:rPr sz="2400" spc="-355" dirty="0">
                 <a:latin typeface="Arial Black"/>
                 <a:cs typeface="Arial Black"/>
               </a:rPr>
               <a:t>𝑅</a:t>
             </a:r>
             <a:r>
-              <a:rPr baseline="-15873" dirty="0" sz="2625" spc="-532">
+              <a:rPr sz="2625" spc="-532" baseline="-15873" dirty="0">
                 <a:latin typeface="Arial Black"/>
                 <a:cs typeface="Arial Black"/>
               </a:rPr>
               <a:t>𝑟   </a:t>
             </a:r>
             <a:r>
-              <a:rPr dirty="0" sz="2400" spc="204">
+              <a:rPr sz="2400" spc="204" dirty="0">
                 <a:latin typeface="Arial Black"/>
                 <a:cs typeface="Arial Black"/>
               </a:rPr>
               <a:t>+</a:t>
             </a:r>
             <a:r>
-              <a:rPr dirty="0" sz="2400" spc="-434">
+              <a:rPr sz="2400" spc="-434" dirty="0">
                 <a:latin typeface="Arial Black"/>
                 <a:cs typeface="Arial Black"/>
               </a:rPr>
               <a:t> </a:t>
             </a:r>
             <a:r>
-              <a:rPr dirty="0" sz="2400" spc="-335">
+              <a:rPr sz="2400" spc="-335" dirty="0">
                 <a:latin typeface="Arial Black"/>
                 <a:cs typeface="Arial Black"/>
               </a:rPr>
               <a:t>𝑅</a:t>
             </a:r>
             <a:r>
-              <a:rPr baseline="-15873" dirty="0" sz="2625" spc="-502">
+              <a:rPr sz="2625" spc="-502" baseline="-15873" dirty="0">
                 <a:latin typeface="Arial Black"/>
                 <a:cs typeface="Arial Black"/>
               </a:rPr>
               <a:t>𝐿</a:t>
             </a:r>
-            <a:endParaRPr baseline="-15873" sz="2625">
+            <a:endParaRPr sz="2625" baseline="-15873">
               <a:latin typeface="Arial Black"/>
               <a:cs typeface="Arial Black"/>
             </a:endParaRPr>
@@ -30525,17 +31481,22 @@
             <a:off x="555497" y="1409700"/>
             <a:ext cx="2872359" cy="1999488"/>
           </a:xfrm>
-          <a:prstGeom prst="rect"/>
+          <a:prstGeom prst="rect">
+            <a:avLst/>
+          </a:prstGeom>
           <a:blipFill>
-            <a:blip xmlns:r="http://schemas.openxmlformats.org/officeDocument/2006/relationships" r:embed="rId1" cstate="print"/>
+            <a:blip r:embed="rId2" cstate="print"/>
             <a:stretch>
               <a:fillRect/>
             </a:stretch>
           </a:blipFill>
         </p:spPr>
         <p:txBody>
-          <a:bodyPr bIns="0" lIns="0" rIns="0" rtlCol="0" tIns="0" wrap="square"/>
-          <a:p/>
+          <a:bodyPr wrap="square" lIns="0" tIns="0" rIns="0" bIns="0" rtlCol="0"/>
+          <a:lstStyle/>
+          <a:p>
+            <a:endParaRPr/>
+          </a:p>
         </p:txBody>
       </p:sp>
       <p:sp>
@@ -30549,17 +31510,22 @@
             <a:off x="3469005" y="1078991"/>
             <a:ext cx="1957959" cy="2400300"/>
           </a:xfrm>
-          <a:prstGeom prst="rect"/>
+          <a:prstGeom prst="rect">
+            <a:avLst/>
+          </a:prstGeom>
           <a:blipFill>
-            <a:blip xmlns:r="http://schemas.openxmlformats.org/officeDocument/2006/relationships" r:embed="rId2" cstate="print"/>
+            <a:blip r:embed="rId3" cstate="print"/>
             <a:stretch>
               <a:fillRect/>
             </a:stretch>
           </a:blipFill>
         </p:spPr>
         <p:txBody>
-          <a:bodyPr bIns="0" lIns="0" rIns="0" rtlCol="0" tIns="0" wrap="square"/>
-          <a:p/>
+          <a:bodyPr wrap="square" lIns="0" tIns="0" rIns="0" bIns="0" rtlCol="0"/>
+          <a:lstStyle/>
+          <a:p>
+            <a:endParaRPr/>
+          </a:p>
         </p:txBody>
       </p:sp>
       <p:sp>
@@ -30573,17 +31539,22 @@
             <a:off x="5782438" y="1780032"/>
             <a:ext cx="2736341" cy="1629156"/>
           </a:xfrm>
-          <a:prstGeom prst="rect"/>
+          <a:prstGeom prst="rect">
+            <a:avLst/>
+          </a:prstGeom>
           <a:blipFill>
-            <a:blip xmlns:r="http://schemas.openxmlformats.org/officeDocument/2006/relationships" r:embed="rId3" cstate="print"/>
+            <a:blip r:embed="rId4" cstate="print"/>
             <a:stretch>
               <a:fillRect/>
             </a:stretch>
           </a:blipFill>
         </p:spPr>
         <p:txBody>
-          <a:bodyPr bIns="0" lIns="0" rIns="0" rtlCol="0" tIns="0" wrap="square"/>
-          <a:p/>
+          <a:bodyPr wrap="square" lIns="0" tIns="0" rIns="0" bIns="0" rtlCol="0"/>
+          <a:lstStyle/>
+          <a:p>
+            <a:endParaRPr/>
+          </a:p>
         </p:txBody>
       </p:sp>
       <p:sp>
@@ -30597,17 +31568,22 @@
             <a:off x="2951225" y="4968241"/>
             <a:ext cx="3410712" cy="1061915"/>
           </a:xfrm>
-          <a:prstGeom prst="rect"/>
+          <a:prstGeom prst="rect">
+            <a:avLst/>
+          </a:prstGeom>
           <a:blipFill>
-            <a:blip xmlns:r="http://schemas.openxmlformats.org/officeDocument/2006/relationships" r:embed="rId4" cstate="print"/>
+            <a:blip r:embed="rId5" cstate="print"/>
             <a:stretch>
               <a:fillRect/>
             </a:stretch>
           </a:blipFill>
         </p:spPr>
         <p:txBody>
-          <a:bodyPr bIns="0" lIns="0" rIns="0" rtlCol="0" tIns="0" wrap="square"/>
-          <a:p/>
+          <a:bodyPr wrap="square" lIns="0" tIns="0" rIns="0" bIns="0" rtlCol="0"/>
+          <a:lstStyle/>
+          <a:p>
+            <a:endParaRPr/>
+          </a:p>
         </p:txBody>
       </p:sp>
     </p:spTree>
@@ -30615,7 +31591,6 @@
   <p:clrMapOvr>
     <a:masterClrMapping/>
   </p:clrMapOvr>
-  <p:timing/>
 </p:sld>
 </file>
 
@@ -30624,7 +31599,7 @@
   <p:cSld>
     <p:spTree>
       <p:nvGrpSpPr>
-        <p:cNvPr id="53" name=""/>
+        <p:cNvPr id="1" name=""/>
         <p:cNvGrpSpPr/>
         <p:nvPr/>
       </p:nvGrpSpPr>
@@ -30651,12 +31626,15 @@
             <a:off x="1214414" y="106820"/>
             <a:ext cx="4829674" cy="1333500"/>
           </a:xfrm>
-          <a:prstGeom prst="rect"/>
+          <a:prstGeom prst="rect">
+            <a:avLst/>
+          </a:prstGeom>
         </p:spPr>
         <p:txBody>
-          <a:bodyPr bIns="0" lIns="0" rIns="0" rtlCol="0" tIns="12700" vert="horz" wrap="square">
+          <a:bodyPr vert="horz" wrap="square" lIns="0" tIns="12700" rIns="0" bIns="0" rtlCol="0">
             <a:spAutoFit/>
           </a:bodyPr>
+          <a:lstStyle/>
           <a:p>
             <a:pPr marL="12700">
               <a:lnSpc>
@@ -30667,7 +31645,7 @@
               </a:spcBef>
             </a:pPr>
             <a:r>
-              <a:rPr b="1" dirty="0" spc="70">
+              <a:rPr b="1" spc="70" dirty="0">
                 <a:solidFill>
                   <a:srgbClr val="FF0000"/>
                 </a:solidFill>
@@ -30675,7 +31653,7 @@
               <a:t>INPUT</a:t>
             </a:r>
             <a:r>
-              <a:rPr b="1" dirty="0" spc="114">
+              <a:rPr b="1" spc="114" dirty="0">
                 <a:solidFill>
                   <a:srgbClr val="FF0000"/>
                 </a:solidFill>
@@ -30683,7 +31661,7 @@
               <a:t> </a:t>
             </a:r>
             <a:r>
-              <a:rPr b="1" dirty="0" spc="80">
+              <a:rPr b="1" spc="80" dirty="0">
                 <a:solidFill>
                   <a:srgbClr val="FF0000"/>
                 </a:solidFill>
@@ -30704,12 +31682,15 @@
             <a:off x="1608011" y="4882973"/>
             <a:ext cx="5913119" cy="723900"/>
           </a:xfrm>
-          <a:prstGeom prst="rect"/>
+          <a:prstGeom prst="rect">
+            <a:avLst/>
+          </a:prstGeom>
         </p:spPr>
         <p:txBody>
-          <a:bodyPr bIns="0" lIns="0" rIns="0" rtlCol="0" tIns="12700" vert="horz" wrap="square">
+          <a:bodyPr vert="horz" wrap="square" lIns="0" tIns="12700" rIns="0" bIns="0" rtlCol="0">
             <a:spAutoFit/>
           </a:bodyPr>
+          <a:lstStyle/>
           <a:p>
             <a:pPr marL="12700">
               <a:lnSpc>
@@ -30720,56 +31701,56 @@
               </a:spcBef>
             </a:pPr>
             <a:r>
-              <a:rPr dirty="0" sz="2400" spc="100">
+              <a:rPr sz="2400" spc="100" dirty="0">
                 <a:latin typeface="Arial"/>
                 <a:cs typeface="Arial"/>
               </a:rPr>
               <a:t>Antenna and </a:t>
             </a:r>
             <a:r>
-              <a:rPr dirty="0" sz="2400" spc="135">
+              <a:rPr sz="2400" spc="135" dirty="0">
                 <a:latin typeface="Arial"/>
                 <a:cs typeface="Arial"/>
               </a:rPr>
               <a:t>its </a:t>
             </a:r>
             <a:r>
-              <a:rPr dirty="0" sz="2400" spc="100">
+              <a:rPr sz="2400" spc="100" dirty="0">
                 <a:latin typeface="Arial"/>
                 <a:cs typeface="Arial"/>
               </a:rPr>
               <a:t>equivalent </a:t>
             </a:r>
             <a:r>
-              <a:rPr dirty="0" sz="2400" spc="114">
+              <a:rPr sz="2400" spc="114" dirty="0">
                 <a:latin typeface="Arial"/>
                 <a:cs typeface="Arial"/>
               </a:rPr>
               <a:t>circuits </a:t>
             </a:r>
             <a:r>
-              <a:rPr dirty="0" sz="2400" spc="155">
+              <a:rPr sz="2400" spc="155" dirty="0">
                 <a:latin typeface="Arial"/>
                 <a:cs typeface="Arial"/>
               </a:rPr>
               <a:t>in </a:t>
             </a:r>
             <a:r>
-              <a:rPr dirty="0" sz="2400" spc="95">
+              <a:rPr sz="2400" spc="95" dirty="0">
                 <a:latin typeface="Arial"/>
                 <a:cs typeface="Arial"/>
               </a:rPr>
               <a:t>receiving</a:t>
             </a:r>
             <a:r>
-              <a:rPr dirty="0" sz="2400" spc="-20">
+              <a:rPr sz="2400" spc="-20" dirty="0">
                 <a:latin typeface="Arial"/>
                 <a:cs typeface="Arial"/>
               </a:rPr>
               <a:t> </a:t>
             </a:r>
             <a:r>
-              <a:rPr dirty="0" sz="2400" spc="140">
+              <a:rPr sz="2400" spc="140" dirty="0">
                 <a:latin typeface="Arial"/>
                 <a:cs typeface="Arial"/>
               </a:rPr>
@@ -30793,17 +31774,22 @@
             <a:off x="296036" y="2651773"/>
             <a:ext cx="3071241" cy="2057756"/>
           </a:xfrm>
-          <a:prstGeom prst="rect"/>
+          <a:prstGeom prst="rect">
+            <a:avLst/>
+          </a:prstGeom>
           <a:blipFill>
-            <a:blip xmlns:r="http://schemas.openxmlformats.org/officeDocument/2006/relationships" r:embed="rId1" cstate="print"/>
+            <a:blip r:embed="rId2" cstate="print"/>
             <a:stretch>
               <a:fillRect/>
             </a:stretch>
           </a:blipFill>
         </p:spPr>
         <p:txBody>
-          <a:bodyPr bIns="0" lIns="0" rIns="0" rtlCol="0" tIns="0" wrap="square"/>
-          <a:p/>
+          <a:bodyPr wrap="square" lIns="0" tIns="0" rIns="0" bIns="0" rtlCol="0"/>
+          <a:lstStyle/>
+          <a:p>
+            <a:endParaRPr/>
+          </a:p>
         </p:txBody>
       </p:sp>
       <p:sp>
@@ -30817,17 +31803,22 @@
             <a:off x="3593877" y="2228088"/>
             <a:ext cx="2107126" cy="2561844"/>
           </a:xfrm>
-          <a:prstGeom prst="rect"/>
+          <a:prstGeom prst="rect">
+            <a:avLst/>
+          </a:prstGeom>
           <a:blipFill>
-            <a:blip xmlns:r="http://schemas.openxmlformats.org/officeDocument/2006/relationships" r:embed="rId2" cstate="print"/>
+            <a:blip r:embed="rId3" cstate="print"/>
             <a:stretch>
               <a:fillRect/>
             </a:stretch>
           </a:blipFill>
         </p:spPr>
         <p:txBody>
-          <a:bodyPr bIns="0" lIns="0" rIns="0" rtlCol="0" tIns="0" wrap="square"/>
-          <a:p/>
+          <a:bodyPr wrap="square" lIns="0" tIns="0" rIns="0" bIns="0" rtlCol="0"/>
+          <a:lstStyle/>
+          <a:p>
+            <a:endParaRPr/>
+          </a:p>
         </p:txBody>
       </p:sp>
       <p:sp>
@@ -30841,17 +31832,22 @@
             <a:off x="5955030" y="3022092"/>
             <a:ext cx="2914650" cy="1752229"/>
           </a:xfrm>
-          <a:prstGeom prst="rect"/>
+          <a:prstGeom prst="rect">
+            <a:avLst/>
+          </a:prstGeom>
           <a:blipFill>
-            <a:blip xmlns:r="http://schemas.openxmlformats.org/officeDocument/2006/relationships" r:embed="rId3" cstate="print"/>
+            <a:blip r:embed="rId4" cstate="print"/>
             <a:stretch>
               <a:fillRect/>
             </a:stretch>
           </a:blipFill>
         </p:spPr>
         <p:txBody>
-          <a:bodyPr bIns="0" lIns="0" rIns="0" rtlCol="0" tIns="0" wrap="square"/>
-          <a:p/>
+          <a:bodyPr wrap="square" lIns="0" tIns="0" rIns="0" bIns="0" rtlCol="0"/>
+          <a:lstStyle/>
+          <a:p>
+            <a:endParaRPr/>
+          </a:p>
         </p:txBody>
       </p:sp>
     </p:spTree>
@@ -30859,7 +31855,6 @@
   <p:clrMapOvr>
     <a:masterClrMapping/>
   </p:clrMapOvr>
-  <p:timing/>
 </p:sld>
 </file>
 
@@ -30868,7 +31863,7 @@
   <p:cSld>
     <p:spTree>
       <p:nvGrpSpPr>
-        <p:cNvPr id="54" name=""/>
+        <p:cNvPr id="1" name=""/>
         <p:cNvGrpSpPr/>
         <p:nvPr/>
       </p:nvGrpSpPr>
@@ -30898,17 +31893,18 @@
         </p:spPr>
         <p:txBody>
           <a:bodyPr/>
+          <a:lstStyle/>
           <a:p>
-            <a:pPr algn="l" eaLnBrk="1" hangingPunct="1" indent="-609600" marL="609600"/>
-            <a:endParaRPr dirty="0" sz="2000" lang="en-CA" smtClean="0"/>
+            <a:pPr marL="609600" indent="-609600" algn="l" eaLnBrk="1" hangingPunct="1"/>
+            <a:endParaRPr lang="en-CA" sz="2000" dirty="0" smtClean="0"/>
           </a:p>
           <a:p>
-            <a:pPr algn="l" eaLnBrk="1" hangingPunct="1" indent="-609600" marL="609600">
+            <a:pPr marL="609600" indent="-609600" algn="l" eaLnBrk="1" hangingPunct="1">
               <a:buFontTx/>
               <a:buChar char="•"/>
             </a:pPr>
             <a:r>
-              <a:rPr b="1" dirty="0" sz="2800" lang="en-US" smtClean="0">
+              <a:rPr lang="en-US" sz="2800" b="1" dirty="0" smtClean="0">
                 <a:solidFill>
                   <a:srgbClr val="FF0000"/>
                 </a:solidFill>
@@ -30918,42 +31914,42 @@
             </a:r>
           </a:p>
           <a:p>
-            <a:pPr algn="l" eaLnBrk="1" hangingPunct="1" indent="-533400" lvl="1" marL="990600">
+            <a:pPr marL="990600" lvl="1" indent="-533400" algn="l" eaLnBrk="1" hangingPunct="1">
               <a:buFontTx/>
               <a:buChar char="–"/>
             </a:pPr>
             <a:r>
-              <a:rPr b="1" dirty="0" lang="en-US" smtClean="0">
+              <a:rPr lang="en-US" b="1" dirty="0" smtClean="0">
                 <a:sym typeface="Symbol" pitchFamily="18" charset="2"/>
               </a:rPr>
               <a:t>It may be purely resistive, or resistive with a reactive (inductive or capacitive) component.</a:t>
             </a:r>
           </a:p>
           <a:p>
-            <a:pPr algn="l" eaLnBrk="1" hangingPunct="1" indent="-533400" lvl="1" marL="990600">
+            <a:pPr marL="990600" lvl="1" indent="-533400" algn="l" eaLnBrk="1" hangingPunct="1">
               <a:buFontTx/>
               <a:buChar char="–"/>
             </a:pPr>
             <a:r>
-              <a:rPr b="1" dirty="0" lang="en-US" smtClean="0">
+              <a:rPr lang="en-US" b="1" dirty="0" smtClean="0">
                 <a:sym typeface="Symbol" pitchFamily="18" charset="2"/>
               </a:rPr>
               <a:t>An antenna is said to be </a:t>
             </a:r>
             <a:r>
-              <a:rPr b="1" dirty="0" i="1" lang="en-US" smtClean="0">
+              <a:rPr lang="en-US" b="1" i="1" dirty="0" smtClean="0">
                 <a:sym typeface="Symbol" pitchFamily="18" charset="2"/>
               </a:rPr>
               <a:t>resonant</a:t>
             </a:r>
             <a:r>
-              <a:rPr b="1" dirty="0" lang="en-US" smtClean="0">
+              <a:rPr lang="en-US" b="1" dirty="0" smtClean="0">
                 <a:sym typeface="Symbol" pitchFamily="18" charset="2"/>
               </a:rPr>
               <a:t> if it displays no reactive component.  That is, its impedance is purely resistive</a:t>
             </a:r>
             <a:r>
-              <a:rPr dirty="0" sz="2000" lang="en-US" smtClean="0">
+              <a:rPr lang="en-US" sz="2000" dirty="0" smtClean="0">
                 <a:sym typeface="Symbol" pitchFamily="18" charset="2"/>
               </a:rPr>
               <a:t>.</a:t>
@@ -30966,7 +31962,6 @@
   <p:clrMapOvr>
     <a:masterClrMapping/>
   </p:clrMapOvr>
-  <p:timing/>
 </p:sld>
 </file>
 
@@ -30975,7 +31970,7 @@
   <p:cSld>
     <p:spTree>
       <p:nvGrpSpPr>
-        <p:cNvPr id="49" name=""/>
+        <p:cNvPr id="1" name=""/>
         <p:cNvGrpSpPr/>
         <p:nvPr/>
       </p:nvGrpSpPr>
@@ -31007,17 +32002,18 @@
           <a:bodyPr>
             <a:normAutofit fontScale="95000" lnSpcReduction="10000"/>
           </a:bodyPr>
+          <a:lstStyle/>
           <a:p>
-            <a:pPr algn="l" eaLnBrk="1" hangingPunct="1" indent="-609600" marL="609600"/>
-            <a:endParaRPr dirty="0" sz="2000" lang="en-CA" smtClean="0"/>
+            <a:pPr marL="609600" indent="-609600" algn="l" eaLnBrk="1" hangingPunct="1"/>
+            <a:endParaRPr lang="en-CA" sz="2000" dirty="0" smtClean="0"/>
           </a:p>
           <a:p>
-            <a:pPr algn="l" eaLnBrk="1" hangingPunct="1" indent="-609600" marL="609600">
+            <a:pPr marL="609600" indent="-609600" algn="l" eaLnBrk="1" hangingPunct="1">
               <a:buFontTx/>
               <a:buChar char="•"/>
             </a:pPr>
             <a:r>
-              <a:rPr b="1" dirty="0" sz="2800" lang="en-US" smtClean="0">
+              <a:rPr lang="en-US" sz="2800" b="1" dirty="0" smtClean="0">
                 <a:solidFill>
                   <a:srgbClr val="FF0000"/>
                 </a:solidFill>
@@ -31027,48 +32023,48 @@
             </a:r>
           </a:p>
           <a:p>
-            <a:pPr algn="l" eaLnBrk="1" hangingPunct="1" indent="-533400" lvl="1" marL="990600">
+            <a:pPr marL="990600" lvl="1" indent="-533400" algn="l" eaLnBrk="1" hangingPunct="1">
               <a:buFontTx/>
               <a:buChar char="–"/>
             </a:pPr>
             <a:r>
-              <a:rPr b="1" dirty="0" lang="en-US" smtClean="0">
+              <a:rPr lang="en-US" b="1" dirty="0" smtClean="0">
                 <a:sym typeface="Symbol" pitchFamily="18" charset="2"/>
               </a:rPr>
               <a:t>The resistive portion of the impedance, is made up of a radiation resistance and a loss resistance.</a:t>
             </a:r>
           </a:p>
           <a:p>
-            <a:pPr algn="l" eaLnBrk="1" hangingPunct="1" indent="-533400" lvl="1" marL="990600">
+            <a:pPr marL="990600" lvl="1" indent="-533400" algn="l" eaLnBrk="1" hangingPunct="1">
               <a:buFontTx/>
               <a:buChar char="–"/>
             </a:pPr>
             <a:r>
-              <a:rPr b="1" dirty="0" lang="en-US" smtClean="0">
+              <a:rPr lang="en-US" b="1" dirty="0" smtClean="0">
                 <a:sym typeface="Symbol" pitchFamily="18" charset="2"/>
               </a:rPr>
               <a:t>The </a:t>
             </a:r>
             <a:r>
-              <a:rPr b="1" dirty="0" i="1" lang="en-US" smtClean="0">
+              <a:rPr lang="en-US" b="1" i="1" dirty="0" smtClean="0">
                 <a:sym typeface="Symbol" pitchFamily="18" charset="2"/>
               </a:rPr>
               <a:t>radiation resistance</a:t>
             </a:r>
             <a:r>
-              <a:rPr b="1" dirty="0" lang="en-US" smtClean="0">
+              <a:rPr lang="en-US" b="1" dirty="0" smtClean="0">
                 <a:sym typeface="Symbol" pitchFamily="18" charset="2"/>
               </a:rPr>
               <a:t> is an imaginary resistance.  The power “dissipated” in this resistance is the power actually radiated from the antenna.</a:t>
             </a:r>
           </a:p>
           <a:p>
-            <a:pPr algn="l" eaLnBrk="1" hangingPunct="1" indent="-533400" lvl="1" marL="990600">
+            <a:pPr marL="990600" lvl="1" indent="-533400" algn="l" eaLnBrk="1" hangingPunct="1">
               <a:buFontTx/>
               <a:buChar char="–"/>
             </a:pPr>
             <a:r>
-              <a:rPr b="1" dirty="0" lang="en-US" smtClean="0">
+              <a:rPr lang="en-US" b="1" dirty="0" smtClean="0">
                 <a:sym typeface="Symbol" pitchFamily="18" charset="2"/>
               </a:rPr>
               <a:t>The loss resistance is made up of resistances of the conductors used to make the antenna and other losses in the antenna system.  The power dissipated in these resistances is lost, wasted as heat.</a:t>
@@ -31081,7 +32077,6 @@
   <p:clrMapOvr>
     <a:masterClrMapping/>
   </p:clrMapOvr>
-  <p:timing/>
 </p:sld>
 </file>
 
@@ -31090,7 +32085,7 @@
   <p:cSld>
     <p:spTree>
       <p:nvGrpSpPr>
-        <p:cNvPr id="45" name=""/>
+        <p:cNvPr id="1" name=""/>
         <p:cNvGrpSpPr/>
         <p:nvPr/>
       </p:nvGrpSpPr>
@@ -31120,21 +32115,22 @@
         </p:spPr>
         <p:txBody>
           <a:bodyPr/>
+          <a:lstStyle/>
           <a:p>
-            <a:pPr eaLnBrk="1" hangingPunct="1" indent="-609600" marL="609600"/>
-            <a:endParaRPr dirty="0" sz="2800" lang="en-CA" smtClean="0"/>
+            <a:pPr marL="609600" indent="-609600" eaLnBrk="1" hangingPunct="1"/>
+            <a:endParaRPr lang="en-CA" sz="2800" dirty="0" smtClean="0"/>
           </a:p>
           <a:p>
-            <a:pPr algn="l" eaLnBrk="1" hangingPunct="1" indent="-609600" marL="609600"/>
-            <a:endParaRPr dirty="0" sz="2000" lang="en-CA" smtClean="0"/>
+            <a:pPr marL="609600" indent="-609600" algn="l" eaLnBrk="1" hangingPunct="1"/>
+            <a:endParaRPr lang="en-CA" sz="2000" dirty="0" smtClean="0"/>
           </a:p>
           <a:p>
-            <a:pPr algn="l" eaLnBrk="1" hangingPunct="1" indent="-609600" marL="609600">
+            <a:pPr marL="609600" indent="-609600" algn="l" eaLnBrk="1" hangingPunct="1">
               <a:buFontTx/>
               <a:buChar char="•"/>
             </a:pPr>
             <a:r>
-              <a:rPr b="1" dirty="0" sz="2800" lang="en-US" smtClean="0">
+              <a:rPr lang="en-US" sz="2800" b="1" dirty="0" smtClean="0">
                 <a:solidFill>
                   <a:srgbClr val="FF0000"/>
                 </a:solidFill>
@@ -31144,24 +32140,24 @@
             </a:r>
           </a:p>
           <a:p>
-            <a:pPr algn="l" eaLnBrk="1" hangingPunct="1" indent="-533400" lvl="1" marL="990600">
+            <a:pPr marL="990600" lvl="1" indent="-533400" algn="l" eaLnBrk="1" hangingPunct="1">
               <a:buFontTx/>
               <a:buChar char="–"/>
             </a:pPr>
             <a:r>
-              <a:rPr b="1" dirty="0" lang="en-US" smtClean="0">
+              <a:rPr lang="en-US" b="1" dirty="0" smtClean="0">
                 <a:sym typeface="Symbol" pitchFamily="18" charset="2"/>
               </a:rPr>
               <a:t>The impedance will vary with frequency.</a:t>
             </a:r>
           </a:p>
           <a:p>
-            <a:pPr algn="l" eaLnBrk="1" hangingPunct="1" indent="-533400" lvl="1" marL="990600">
+            <a:pPr marL="990600" lvl="1" indent="-533400" algn="l" eaLnBrk="1" hangingPunct="1">
               <a:buFontTx/>
               <a:buChar char="–"/>
             </a:pPr>
             <a:r>
-              <a:rPr b="1" dirty="0" lang="en-US" smtClean="0">
+              <a:rPr lang="en-US" b="1" dirty="0" smtClean="0">
                 <a:sym typeface="Symbol" pitchFamily="18" charset="2"/>
               </a:rPr>
               <a:t>The radiation resistance varies relatively little with frequency, but the reactance varies much more with frequency – capacitive below resonance and inductive above – increasing the SWR either side of resonance.</a:t>
@@ -31174,7 +32170,6 @@
   <p:clrMapOvr>
     <a:masterClrMapping/>
   </p:clrMapOvr>
-  <p:timing/>
 </p:sld>
 </file>
 
@@ -31183,7 +32178,7 @@
   <p:cSld>
     <p:spTree>
       <p:nvGrpSpPr>
-        <p:cNvPr id="39" name=""/>
+        <p:cNvPr id="1" name=""/>
         <p:cNvGrpSpPr/>
         <p:nvPr/>
       </p:nvGrpSpPr>
@@ -31208,16 +32203,17 @@
         <p:spPr/>
         <p:txBody>
           <a:bodyPr/>
+          <a:lstStyle/>
           <a:p>
             <a:r>
-              <a:rPr b="1" dirty="0" lang="en-US" smtClean="0">
+              <a:rPr lang="en-US" b="1" dirty="0" smtClean="0">
                 <a:solidFill>
                   <a:srgbClr val="FF0000"/>
                 </a:solidFill>
               </a:rPr>
               <a:t>RADIATION PATTERN</a:t>
             </a:r>
-            <a:endParaRPr b="1" dirty="0" lang="en-IN">
+            <a:endParaRPr lang="en-IN" b="1" dirty="0">
               <a:solidFill>
                 <a:srgbClr val="FF0000"/>
               </a:solidFill>
@@ -31236,7 +32232,7 @@
           </p:nvPr>
         </p:nvPicPr>
         <p:blipFill>
-          <a:blip xmlns:r="http://schemas.openxmlformats.org/officeDocument/2006/relationships" r:embed="rId1" cstate="print"/>
+          <a:blip r:embed="rId2" cstate="print"/>
           <a:srcRect b="59608"/>
           <a:stretch>
             <a:fillRect/>
@@ -31247,7 +32243,9 @@
             <a:off x="928662" y="1714488"/>
             <a:ext cx="7391400" cy="4139736"/>
           </a:xfrm>
-          <a:prstGeom prst="rect"/>
+          <a:prstGeom prst="rect">
+            <a:avLst/>
+          </a:prstGeom>
         </p:spPr>
       </p:pic>
     </p:spTree>
@@ -31255,7 +32253,6 @@
   <p:clrMapOvr>
     <a:masterClrMapping/>
   </p:clrMapOvr>
-  <p:timing/>
 </p:sld>
 </file>
 
@@ -31264,7 +32261,7 @@
   <p:cSld>
     <p:spTree>
       <p:nvGrpSpPr>
-        <p:cNvPr id="24" name=""/>
+        <p:cNvPr id="1" name=""/>
         <p:cNvGrpSpPr/>
         <p:nvPr/>
       </p:nvGrpSpPr>
@@ -31296,9 +32293,10 @@
           <a:bodyPr>
             <a:normAutofit fontScale="25000" lnSpcReduction="20000"/>
           </a:bodyPr>
+          <a:lstStyle/>
           <a:p>
             <a:r>
-              <a:rPr b="1" dirty="0" sz="8000" lang="en-US" u="sng">
+              <a:rPr lang="en-US" sz="8000" b="1" u="sng" dirty="0">
                 <a:solidFill>
                   <a:srgbClr val="FF0000"/>
                 </a:solidFill>
@@ -31306,17 +32304,17 @@
               <a:t>Major lobe </a:t>
             </a:r>
             <a:r>
-              <a:rPr b="1" dirty="0" sz="8000" lang="en-US" u="sng" smtClean="0"/>
+              <a:rPr lang="en-US" sz="8000" b="1" u="sng" dirty="0" smtClean="0"/>
               <a:t>:</a:t>
             </a:r>
-            <a:endParaRPr dirty="0" sz="5100" lang="en-US" smtClean="0"/>
+            <a:endParaRPr lang="en-US" sz="5100" dirty="0" smtClean="0"/>
           </a:p>
           <a:p>
             <a:pPr algn="just">
               <a:buNone/>
             </a:pPr>
             <a:r>
-              <a:rPr dirty="0" sz="7200" lang="en-US" smtClean="0"/>
+              <a:rPr lang="en-US" sz="7200" dirty="0" smtClean="0"/>
               <a:t>It is the radiation lobe containing the direction of maximum radiation.</a:t>
             </a:r>
           </a:p>
@@ -31325,23 +32323,23 @@
               <a:buNone/>
             </a:pPr>
             <a:r>
-              <a:rPr dirty="0" sz="7200" lang="en-US" smtClean="0"/>
+              <a:rPr lang="en-US" sz="7200" dirty="0" smtClean="0"/>
               <a:t> Some</a:t>
             </a:r>
             <a:r>
-              <a:rPr dirty="0" sz="7200" lang="en-IN"/>
+              <a:rPr lang="en-IN" sz="7200" dirty="0"/>
               <a:t> </a:t>
             </a:r>
             <a:r>
-              <a:rPr dirty="0" sz="7200" lang="en-US" smtClean="0"/>
+              <a:rPr lang="en-US" sz="7200" dirty="0" smtClean="0"/>
               <a:t>antennas </a:t>
             </a:r>
             <a:r>
-              <a:rPr dirty="0" sz="7200" lang="en-US"/>
+              <a:rPr lang="en-US" sz="7200" dirty="0"/>
               <a:t>may have more than one major lobe depending on the </a:t>
             </a:r>
             <a:r>
-              <a:rPr dirty="0" sz="7200" lang="en-US" smtClean="0"/>
+              <a:rPr lang="en-US" sz="7200" dirty="0" smtClean="0"/>
               <a:t>application</a:t>
             </a:r>
           </a:p>
@@ -31349,11 +32347,11 @@
             <a:pPr algn="just">
               <a:buNone/>
             </a:pPr>
-            <a:endParaRPr dirty="0" sz="5100" lang="en-IN"/>
+            <a:endParaRPr lang="en-IN" sz="5100" dirty="0"/>
           </a:p>
           <a:p>
             <a:r>
-              <a:rPr b="1" dirty="0" sz="8000" lang="en-US" u="sng">
+              <a:rPr lang="en-US" sz="8000" b="1" u="sng" dirty="0">
                 <a:solidFill>
                   <a:srgbClr val="FF0000"/>
                 </a:solidFill>
@@ -31361,14 +32359,14 @@
               <a:t>Minor lobe</a:t>
             </a:r>
             <a:r>
-              <a:rPr b="1" dirty="0" sz="8000" lang="en-US" u="sng" smtClean="0">
+              <a:rPr lang="en-US" sz="8000" b="1" u="sng" dirty="0" smtClean="0">
                 <a:solidFill>
                   <a:srgbClr val="FF0000"/>
                 </a:solidFill>
               </a:rPr>
               <a:t>:</a:t>
             </a:r>
-            <a:endParaRPr b="1" dirty="0" sz="6000" lang="en-IN" u="sng">
+            <a:endParaRPr lang="en-IN" sz="6000" b="1" u="sng" dirty="0">
               <a:solidFill>
                 <a:srgbClr val="FF0000"/>
               </a:solidFill>
@@ -31379,23 +32377,23 @@
               <a:buNone/>
             </a:pPr>
             <a:r>
-              <a:rPr dirty="0" sz="7200" lang="en-US"/>
+              <a:rPr lang="en-US" sz="7200" dirty="0"/>
               <a:t>All the lobes except major lobes are called minor lobes. Minor lobes usually</a:t>
             </a:r>
-            <a:endParaRPr dirty="0" sz="7200" lang="en-IN"/>
+            <a:endParaRPr lang="en-IN" sz="7200" dirty="0"/>
           </a:p>
           <a:p>
             <a:pPr algn="just">
               <a:buNone/>
             </a:pPr>
             <a:r>
-              <a:rPr dirty="0" sz="7200" lang="en-US"/>
+              <a:rPr lang="en-US" sz="7200" dirty="0"/>
               <a:t>represent radiation in undesired directions and they must be minimized.</a:t>
             </a:r>
-            <a:endParaRPr dirty="0" sz="7200" lang="en-IN"/>
+            <a:endParaRPr lang="en-IN" sz="7200" dirty="0"/>
           </a:p>
           <a:p>
-            <a:endParaRPr b="1" dirty="0" sz="5600" lang="en-US" smtClean="0">
+            <a:endParaRPr lang="en-US" sz="5600" b="1" dirty="0" smtClean="0">
               <a:solidFill>
                 <a:srgbClr val="FF0000"/>
               </a:solidFill>
@@ -31403,7 +32401,7 @@
           </a:p>
           <a:p>
             <a:r>
-              <a:rPr b="1" dirty="0" sz="9600" lang="en-US" u="sng" smtClean="0">
+              <a:rPr lang="en-US" sz="9600" b="1" u="sng" dirty="0" smtClean="0">
                 <a:solidFill>
                   <a:srgbClr val="FF0000"/>
                 </a:solidFill>
@@ -31411,7 +32409,7 @@
               <a:t>Side </a:t>
             </a:r>
             <a:r>
-              <a:rPr b="1" dirty="0" sz="9600" lang="en-US" u="sng">
+              <a:rPr lang="en-US" sz="9600" b="1" u="sng" dirty="0">
                 <a:solidFill>
                   <a:srgbClr val="FF0000"/>
                 </a:solidFill>
@@ -31419,14 +32417,14 @@
               <a:t>lobe </a:t>
             </a:r>
             <a:r>
-              <a:rPr b="1" dirty="0" sz="9600" lang="en-US" u="sng" smtClean="0">
+              <a:rPr lang="en-US" sz="9600" b="1" u="sng" dirty="0" smtClean="0">
                 <a:solidFill>
                   <a:srgbClr val="FF0000"/>
                 </a:solidFill>
               </a:rPr>
               <a:t>:</a:t>
             </a:r>
-            <a:endParaRPr b="1" dirty="0" sz="7400" lang="en-IN" u="sng">
+            <a:endParaRPr lang="en-IN" sz="7400" b="1" u="sng" dirty="0">
               <a:solidFill>
                 <a:srgbClr val="FF0000"/>
               </a:solidFill>
@@ -31437,65 +32435,65 @@
               <a:buNone/>
             </a:pPr>
             <a:r>
-              <a:rPr dirty="0" sz="7200" lang="en-US"/>
+              <a:rPr lang="en-US" sz="7200" dirty="0"/>
               <a:t>It is a radiation lobe in any direction other than the major lobe, </a:t>
             </a:r>
             <a:r>
-              <a:rPr dirty="0" sz="7200" lang="en-US" smtClean="0"/>
+              <a:rPr lang="en-US" sz="7200" dirty="0" smtClean="0"/>
               <a:t>Generally </a:t>
             </a:r>
             <a:r>
-              <a:rPr dirty="0" sz="7200" lang="en-US"/>
+              <a:rPr lang="en-US" sz="7200" dirty="0"/>
               <a:t>it is</a:t>
             </a:r>
-            <a:endParaRPr dirty="0" sz="7200" lang="en-IN"/>
+            <a:endParaRPr lang="en-IN" sz="7200" dirty="0"/>
           </a:p>
           <a:p>
             <a:pPr algn="just">
               <a:buNone/>
             </a:pPr>
             <a:r>
-              <a:rPr dirty="0" sz="7200" lang="en-US"/>
+              <a:rPr lang="en-US" sz="7200" dirty="0"/>
               <a:t>adjacent to the major lobe and occupies the hemisphere in the </a:t>
             </a:r>
             <a:r>
-              <a:rPr dirty="0" sz="7200" lang="en-US" smtClean="0"/>
+              <a:rPr lang="en-US" sz="7200" dirty="0" smtClean="0"/>
               <a:t>direction </a:t>
             </a:r>
             <a:r>
-              <a:rPr dirty="0" sz="7200" lang="en-US"/>
+              <a:rPr lang="en-US" sz="7200" dirty="0"/>
               <a:t>of </a:t>
             </a:r>
             <a:r>
-              <a:rPr dirty="0" sz="7200" lang="en-US" smtClean="0"/>
+              <a:rPr lang="en-US" sz="7200" dirty="0" smtClean="0"/>
               <a:t>the major </a:t>
             </a:r>
             <a:r>
-              <a:rPr dirty="0" sz="7200" lang="en-US"/>
+              <a:rPr lang="en-US" sz="7200" dirty="0"/>
               <a:t>lobe</a:t>
             </a:r>
-            <a:endParaRPr dirty="0" sz="7200" lang="en-IN"/>
+            <a:endParaRPr lang="en-IN" sz="7200" dirty="0"/>
           </a:p>
           <a:p>
             <a:pPr algn="just">
               <a:buNone/>
             </a:pPr>
             <a:r>
-              <a:rPr dirty="0" sz="7200" lang="en-US"/>
+              <a:rPr lang="en-US" sz="7200" dirty="0"/>
               <a:t>Side lobes are generally the largest minor lobes.</a:t>
             </a:r>
-            <a:endParaRPr dirty="0" sz="7200" lang="en-IN"/>
+            <a:endParaRPr lang="en-IN" sz="7200" dirty="0"/>
           </a:p>
           <a:p>
             <a:r>
-              <a:rPr b="1" dirty="0" sz="8000" lang="en-US" u="sng">
+              <a:rPr lang="en-US" sz="8000" b="1" u="sng" dirty="0">
                 <a:solidFill>
                   <a:srgbClr val="FF0000"/>
                 </a:solidFill>
               </a:rPr>
               <a:t>Back lobe :</a:t>
             </a:r>
-            <a:endParaRPr b="1" dirty="0" sz="8000" lang="en-IN" u="sng">
+            <a:endParaRPr lang="en-IN" sz="8000" b="1" u="sng" dirty="0">
               <a:solidFill>
                 <a:srgbClr val="FF0000"/>
               </a:solidFill>
@@ -31506,91 +32504,91 @@
               <a:buNone/>
             </a:pPr>
             <a:r>
-              <a:rPr dirty="0" sz="6400" lang="en-US"/>
+              <a:rPr lang="en-US" sz="6400" dirty="0"/>
               <a:t>It is a minor lobe that occupies the hemisphere in the </a:t>
             </a:r>
             <a:r>
-              <a:rPr dirty="0" sz="6400" lang="en-US" smtClean="0"/>
+              <a:rPr lang="en-US" sz="6400" dirty="0" smtClean="0"/>
               <a:t>direction </a:t>
             </a:r>
             <a:r>
-              <a:rPr dirty="0" sz="6400" lang="en-US"/>
+              <a:rPr lang="en-US" sz="6400" dirty="0"/>
               <a:t>opposite to that</a:t>
             </a:r>
-            <a:endParaRPr dirty="0" sz="6400" lang="en-IN"/>
+            <a:endParaRPr lang="en-IN" sz="6400" dirty="0"/>
           </a:p>
           <a:p>
             <a:pPr>
               <a:buNone/>
             </a:pPr>
             <a:r>
-              <a:rPr dirty="0" sz="6400" lang="en-US"/>
+              <a:rPr lang="en-US" sz="6400" dirty="0"/>
               <a:t>of the major lobe:</a:t>
             </a:r>
-            <a:endParaRPr dirty="0" sz="6400" lang="en-IN"/>
+            <a:endParaRPr lang="en-IN" sz="6400" dirty="0"/>
           </a:p>
           <a:p>
-            <a:endParaRPr dirty="0" sz="6400" lang="en-US" smtClean="0"/>
+            <a:endParaRPr lang="en-US" sz="6400" dirty="0" smtClean="0"/>
           </a:p>
           <a:p>
             <a:r>
-              <a:rPr dirty="0" sz="6400" lang="en-US" smtClean="0"/>
+              <a:rPr lang="en-US" sz="6400" dirty="0" smtClean="0"/>
               <a:t>The </a:t>
             </a:r>
             <a:r>
-              <a:rPr dirty="0" sz="6400" lang="en-US"/>
+              <a:rPr lang="en-US" sz="6400" dirty="0"/>
               <a:t>side lobe ratio is expressed as a ratio of the power density in the side lobe</a:t>
             </a:r>
-            <a:endParaRPr dirty="0" sz="6400" lang="en-IN"/>
+            <a:endParaRPr lang="en-IN" sz="6400" dirty="0"/>
           </a:p>
           <a:p>
             <a:pPr>
               <a:buNone/>
             </a:pPr>
             <a:r>
-              <a:rPr dirty="0" sz="6400" lang="en-US"/>
+              <a:rPr lang="en-US" sz="6400" dirty="0"/>
               <a:t>to that of the major lobe, Generally side lobe level of more than - 20 dB are</a:t>
             </a:r>
-            <a:endParaRPr dirty="0" sz="6400" lang="en-IN"/>
+            <a:endParaRPr lang="en-IN" sz="6400" dirty="0"/>
           </a:p>
           <a:p>
             <a:pPr>
               <a:buNone/>
             </a:pPr>
             <a:r>
-              <a:rPr dirty="0" sz="6400" lang="en-US"/>
+              <a:rPr lang="en-US" sz="6400" dirty="0"/>
               <a:t>preferable in most application. (e.g. In radar side lobe ratios </a:t>
             </a:r>
             <a:r>
-              <a:rPr dirty="0" sz="6400" lang="en-US" smtClean="0"/>
+              <a:rPr lang="en-US" sz="6400" dirty="0" smtClean="0"/>
               <a:t>must </a:t>
             </a:r>
             <a:r>
-              <a:rPr dirty="0" sz="6400" lang="en-US"/>
+              <a:rPr lang="en-US" sz="6400" dirty="0"/>
               <a:t>be </a:t>
             </a:r>
             <a:r>
-              <a:rPr dirty="0" sz="6400" lang="en-US" smtClean="0"/>
+              <a:rPr lang="en-US" sz="6400" dirty="0" smtClean="0"/>
               <a:t>minimum to </a:t>
             </a:r>
             <a:r>
-              <a:rPr dirty="0" sz="6400" lang="en-US"/>
+              <a:rPr lang="en-US" sz="6400" dirty="0"/>
               <a:t>avoid</a:t>
             </a:r>
-            <a:endParaRPr dirty="0" sz="6400" lang="en-IN"/>
+            <a:endParaRPr lang="en-IN" sz="6400" dirty="0"/>
           </a:p>
           <a:p>
             <a:pPr>
               <a:buNone/>
             </a:pPr>
             <a:r>
-              <a:rPr dirty="0" sz="6400" lang="en-US"/>
+              <a:rPr lang="en-US" sz="6400" dirty="0"/>
               <a:t>false target indications.)</a:t>
             </a:r>
-            <a:endParaRPr dirty="0" lang="en-IN"/>
+            <a:endParaRPr lang="en-IN" dirty="0"/>
           </a:p>
           <a:p>
-            <a:endParaRPr dirty="0" lang="en-IN"/>
+            <a:endParaRPr lang="en-IN" dirty="0"/>
           </a:p>
         </p:txBody>
       </p:sp>
@@ -31599,7 +32597,6 @@
   <p:clrMapOvr>
     <a:masterClrMapping/>
   </p:clrMapOvr>
-  <p:timing/>
 </p:sld>
 </file>
 
@@ -31608,10 +32605,10 @@
   <a:themeElements>
     <a:clrScheme name="Office">
       <a:dk1>
-        <a:sysClr lastClr="000000" val="windowText"/>
+        <a:sysClr val="windowText" lastClr="000000"/>
       </a:dk1>
       <a:lt1>
-        <a:sysClr lastClr="FFFFFF" val="window"/>
+        <a:sysClr val="window" lastClr="FFFFFF"/>
       </a:lt1>
       <a:dk2>
         <a:srgbClr val="1F497D"/>
@@ -31792,7 +32789,7 @@
       <a:effectStyleLst>
         <a:effectStyle>
           <a:effectLst>
-            <a:outerShdw blurRad="40000" dir="5400000" dist="20000" rotWithShape="0">
+            <a:outerShdw blurRad="40000" dist="20000" dir="5400000" rotWithShape="0">
               <a:srgbClr val="000000">
                 <a:alpha val="38000"/>
               </a:srgbClr>
@@ -31801,7 +32798,7 @@
         </a:effectStyle>
         <a:effectStyle>
           <a:effectLst>
-            <a:outerShdw blurRad="40000" dir="5400000" dist="23000" rotWithShape="0">
+            <a:outerShdw blurRad="40000" dist="23000" dir="5400000" rotWithShape="0">
               <a:srgbClr val="000000">
                 <a:alpha val="35000"/>
               </a:srgbClr>
@@ -31810,7 +32807,7 @@
         </a:effectStyle>
         <a:effectStyle>
           <a:effectLst>
-            <a:outerShdw blurRad="40000" dir="5400000" dist="23000" rotWithShape="0">
+            <a:outerShdw blurRad="40000" dist="23000" dir="5400000" rotWithShape="0">
               <a:srgbClr val="000000">
                 <a:alpha val="35000"/>
               </a:srgbClr>
@@ -31820,7 +32817,7 @@
             <a:camera prst="orthographicFront">
               <a:rot lat="0" lon="0" rev="0"/>
             </a:camera>
-            <a:lightRig dir="t" rig="threePt">
+            <a:lightRig rig="threePt" dir="t">
               <a:rot lat="0" lon="0" rev="1200000"/>
             </a:lightRig>
           </a:scene3d>
@@ -31881,6 +32878,8 @@
       </a:bgFillStyleLst>
     </a:fmtScheme>
   </a:themeElements>
+  <a:objectDefaults/>
+  <a:extraClrSchemeLst/>
 </a:theme>
 </file>
 
@@ -31889,10 +32888,10 @@
   <a:themeElements>
     <a:clrScheme name="Office">
       <a:dk1>
-        <a:sysClr lastClr="000000" val="windowText"/>
+        <a:sysClr val="windowText" lastClr="000000"/>
       </a:dk1>
       <a:lt1>
-        <a:sysClr lastClr="FFFFFF" val="window"/>
+        <a:sysClr val="window" lastClr="FFFFFF"/>
       </a:lt1>
       <a:dk2>
         <a:srgbClr val="44546A"/>
@@ -31927,7 +32926,7 @@
     </a:clrScheme>
     <a:fontScheme name="Office">
       <a:majorFont>
-        <a:latin typeface="Calibri Light" panose="020F0302020204030204"/>
+        <a:latin typeface="Calibri Light"/>
         <a:ea typeface=""/>
         <a:cs typeface=""/>
         <a:font script="Jpan" typeface="ＭＳ Ｐゴシック"/>
@@ -31962,7 +32961,7 @@
         <a:font script="Geor" typeface="Sylfaen"/>
       </a:majorFont>
       <a:minorFont>
-        <a:latin typeface="Calibri" panose="020F0502020204030204"/>
+        <a:latin typeface="Calibri"/>
         <a:ea typeface=""/>
         <a:cs typeface=""/>
         <a:font script="Jpan" typeface="ＭＳ Ｐゴシック"/>
@@ -32087,7 +33086,7 @@
         </a:effectStyle>
         <a:effectStyle>
           <a:effectLst>
-            <a:outerShdw algn="ctr" blurRad="57150" dir="5400000" dist="19050" rotWithShape="0">
+            <a:outerShdw blurRad="57150" dist="19050" dir="5400000" algn="ctr" rotWithShape="0">
               <a:srgbClr val="000000">
                 <a:alpha val="63000"/>
               </a:srgbClr>
@@ -32135,5 +33134,7 @@
       </a:bgFillStyleLst>
     </a:fmtScheme>
   </a:themeElements>
+  <a:objectDefaults/>
+  <a:extraClrSchemeLst/>
 </a:theme>
 </file>